--- a/09 - Persisting Data/slides.pptx
+++ b/09 - Persisting Data/slides.pptx
@@ -2,52 +2,51 @@
 <file path=ppt/presentation.xml><?xml version="1.0" encoding="utf-8"?>
 <p:presentation xmlns:a="http://schemas.openxmlformats.org/drawingml/2006/main" xmlns:r="http://schemas.openxmlformats.org/officeDocument/2006/relationships" xmlns:p="http://schemas.openxmlformats.org/presentationml/2006/main" strictFirstAndLastChars="0" embedTrueTypeFonts="1" saveSubsetFonts="1" autoCompressPictures="0">
   <p:sldMasterIdLst>
-    <p:sldMasterId id="2147483659" r:id="rId1"/>
+    <p:sldMasterId id="2147483659" r:id="rId4"/>
   </p:sldMasterIdLst>
   <p:notesMasterIdLst>
-    <p:notesMasterId r:id="rId25"/>
+    <p:notesMasterId r:id="rId27"/>
   </p:notesMasterIdLst>
   <p:sldIdLst>
-    <p:sldId id="256" r:id="rId2"/>
-    <p:sldId id="257" r:id="rId3"/>
-    <p:sldId id="258" r:id="rId4"/>
-    <p:sldId id="259" r:id="rId5"/>
-    <p:sldId id="260" r:id="rId6"/>
-    <p:sldId id="261" r:id="rId7"/>
-    <p:sldId id="262" r:id="rId8"/>
-    <p:sldId id="264" r:id="rId9"/>
-    <p:sldId id="265" r:id="rId10"/>
-    <p:sldId id="266" r:id="rId11"/>
-    <p:sldId id="267" r:id="rId12"/>
-    <p:sldId id="268" r:id="rId13"/>
-    <p:sldId id="269" r:id="rId14"/>
-    <p:sldId id="270" r:id="rId15"/>
-    <p:sldId id="271" r:id="rId16"/>
-    <p:sldId id="272" r:id="rId17"/>
-    <p:sldId id="273" r:id="rId18"/>
-    <p:sldId id="274" r:id="rId19"/>
-    <p:sldId id="275" r:id="rId20"/>
-    <p:sldId id="276" r:id="rId21"/>
-    <p:sldId id="277" r:id="rId22"/>
-    <p:sldId id="278" r:id="rId23"/>
-    <p:sldId id="279" r:id="rId24"/>
+    <p:sldId id="256" r:id="rId5"/>
+    <p:sldId id="257" r:id="rId6"/>
+    <p:sldId id="258" r:id="rId7"/>
+    <p:sldId id="259" r:id="rId8"/>
+    <p:sldId id="260" r:id="rId9"/>
+    <p:sldId id="261" r:id="rId10"/>
+    <p:sldId id="262" r:id="rId11"/>
+    <p:sldId id="264" r:id="rId12"/>
+    <p:sldId id="265" r:id="rId13"/>
+    <p:sldId id="266" r:id="rId14"/>
+    <p:sldId id="267" r:id="rId15"/>
+    <p:sldId id="269" r:id="rId16"/>
+    <p:sldId id="268" r:id="rId17"/>
+    <p:sldId id="270" r:id="rId18"/>
+    <p:sldId id="271" r:id="rId19"/>
+    <p:sldId id="272" r:id="rId20"/>
+    <p:sldId id="273" r:id="rId21"/>
+    <p:sldId id="274" r:id="rId22"/>
+    <p:sldId id="275" r:id="rId23"/>
+    <p:sldId id="276" r:id="rId24"/>
+    <p:sldId id="277" r:id="rId25"/>
+    <p:sldId id="279" r:id="rId26"/>
   </p:sldIdLst>
   <p:sldSz cx="9144000" cy="6858000" type="screen4x3"/>
   <p:notesSz cx="6858000" cy="9144000"/>
   <p:embeddedFontLst>
     <p:embeddedFont>
       <p:font typeface="Economica" panose="02000506040000020004" pitchFamily="2" charset="77"/>
-      <p:regular r:id="rId26"/>
-      <p:bold r:id="rId27"/>
-      <p:italic r:id="rId28"/>
-      <p:boldItalic r:id="rId29"/>
+      <p:regular r:id="rId28"/>
+      <p:bold r:id="rId29"/>
+      <p:italic r:id="rId30"/>
+      <p:boldItalic r:id="rId31"/>
     </p:embeddedFont>
     <p:embeddedFont>
       <p:font typeface="Open Sans" panose="020B0606030504020204" pitchFamily="34" charset="0"/>
-      <p:regular r:id="rId30"/>
-      <p:bold r:id="rId31"/>
-      <p:italic r:id="rId32"/>
-      <p:boldItalic r:id="rId33"/>
+      <p:regular r:id="rId32"/>
+      <p:bold r:id="rId33"/>
+      <p:italic r:id="rId34"/>
+      <p:boldItalic r:id="rId35"/>
     </p:embeddedFont>
   </p:embeddedFontLst>
   <p:defaultTextStyle>
@@ -290,7 +289,7 @@
 <file path=ppt/revisionInfo.xml><?xml version="1.0" encoding="utf-8"?>
 <p1510:revInfo xmlns:a="http://schemas.openxmlformats.org/drawingml/2006/main" xmlns:r="http://schemas.openxmlformats.org/officeDocument/2006/relationships" xmlns:p1510="http://schemas.microsoft.com/office/powerpoint/2015/10/main">
   <p1510:revLst>
-    <p1510:client id="{EA16068D-2F13-CA44-9725-40FC0ECDD9CA}" v="3" dt="2023-05-17T12:53:27.137"/>
+    <p1510:client id="{C2A3F98E-1757-7245-99EC-903D3FFCEC31}" v="12" dt="2025-05-21T11:54:40.324"/>
   </p1510:revLst>
 </p1510:revInfo>
 </file>
@@ -310,14 +309,6 @@
           <pc:docMk/>
           <pc:sldMk cId="0" sldId="257"/>
         </pc:sldMkLst>
-        <pc:picChg chg="mod">
-          <ac:chgData name="Riccardo Berta" userId="c8694f89-bba4-4576-b0a8-456619ca5a8c" providerId="ADAL" clId="{BDE16916-5F1F-B640-862F-454FEF94E1A1}" dt="2022-05-03T07:29:34.506" v="0"/>
-          <ac:picMkLst>
-            <pc:docMk/>
-            <pc:sldMk cId="0" sldId="257"/>
-            <ac:picMk id="86" creationId="{00000000-0000-0000-0000-000000000000}"/>
-          </ac:picMkLst>
-        </pc:picChg>
       </pc:sldChg>
       <pc:sldChg chg="modSp mod">
         <pc:chgData name="Riccardo Berta" userId="c8694f89-bba4-4576-b0a8-456619ca5a8c" providerId="ADAL" clId="{BDE16916-5F1F-B640-862F-454FEF94E1A1}" dt="2022-05-03T07:30:13.773" v="3"/>
@@ -325,22 +316,6 @@
           <pc:docMk/>
           <pc:sldMk cId="0" sldId="258"/>
         </pc:sldMkLst>
-        <pc:picChg chg="mod">
-          <ac:chgData name="Riccardo Berta" userId="c8694f89-bba4-4576-b0a8-456619ca5a8c" providerId="ADAL" clId="{BDE16916-5F1F-B640-862F-454FEF94E1A1}" dt="2022-05-03T07:29:58.370" v="1"/>
-          <ac:picMkLst>
-            <pc:docMk/>
-            <pc:sldMk cId="0" sldId="258"/>
-            <ac:picMk id="93" creationId="{00000000-0000-0000-0000-000000000000}"/>
-          </ac:picMkLst>
-        </pc:picChg>
-        <pc:picChg chg="mod">
-          <ac:chgData name="Riccardo Berta" userId="c8694f89-bba4-4576-b0a8-456619ca5a8c" providerId="ADAL" clId="{BDE16916-5F1F-B640-862F-454FEF94E1A1}" dt="2022-05-03T07:30:13.773" v="3"/>
-          <ac:picMkLst>
-            <pc:docMk/>
-            <pc:sldMk cId="0" sldId="258"/>
-            <ac:picMk id="94" creationId="{00000000-0000-0000-0000-000000000000}"/>
-          </ac:picMkLst>
-        </pc:picChg>
       </pc:sldChg>
       <pc:sldChg chg="modSp mod">
         <pc:chgData name="Riccardo Berta" userId="c8694f89-bba4-4576-b0a8-456619ca5a8c" providerId="ADAL" clId="{BDE16916-5F1F-B640-862F-454FEF94E1A1}" dt="2022-05-04T06:20:19.977" v="26" actId="20577"/>
@@ -348,38 +323,6 @@
           <pc:docMk/>
           <pc:sldMk cId="0" sldId="259"/>
         </pc:sldMkLst>
-        <pc:spChg chg="mod">
-          <ac:chgData name="Riccardo Berta" userId="c8694f89-bba4-4576-b0a8-456619ca5a8c" providerId="ADAL" clId="{BDE16916-5F1F-B640-862F-454FEF94E1A1}" dt="2022-05-04T06:20:19.977" v="26" actId="20577"/>
-          <ac:spMkLst>
-            <pc:docMk/>
-            <pc:sldMk cId="0" sldId="259"/>
-            <ac:spMk id="100" creationId="{00000000-0000-0000-0000-000000000000}"/>
-          </ac:spMkLst>
-        </pc:spChg>
-        <pc:picChg chg="mod">
-          <ac:chgData name="Riccardo Berta" userId="c8694f89-bba4-4576-b0a8-456619ca5a8c" providerId="ADAL" clId="{BDE16916-5F1F-B640-862F-454FEF94E1A1}" dt="2022-05-03T07:30:28.834" v="4"/>
-          <ac:picMkLst>
-            <pc:docMk/>
-            <pc:sldMk cId="0" sldId="259"/>
-            <ac:picMk id="101" creationId="{00000000-0000-0000-0000-000000000000}"/>
-          </ac:picMkLst>
-        </pc:picChg>
-        <pc:picChg chg="mod">
-          <ac:chgData name="Riccardo Berta" userId="c8694f89-bba4-4576-b0a8-456619ca5a8c" providerId="ADAL" clId="{BDE16916-5F1F-B640-862F-454FEF94E1A1}" dt="2022-05-03T07:30:50.609" v="7"/>
-          <ac:picMkLst>
-            <pc:docMk/>
-            <pc:sldMk cId="0" sldId="259"/>
-            <ac:picMk id="102" creationId="{00000000-0000-0000-0000-000000000000}"/>
-          </ac:picMkLst>
-        </pc:picChg>
-        <pc:picChg chg="mod">
-          <ac:chgData name="Riccardo Berta" userId="c8694f89-bba4-4576-b0a8-456619ca5a8c" providerId="ADAL" clId="{BDE16916-5F1F-B640-862F-454FEF94E1A1}" dt="2022-05-03T07:31:02.378" v="8"/>
-          <ac:picMkLst>
-            <pc:docMk/>
-            <pc:sldMk cId="0" sldId="259"/>
-            <ac:picMk id="103" creationId="{00000000-0000-0000-0000-000000000000}"/>
-          </ac:picMkLst>
-        </pc:picChg>
       </pc:sldChg>
       <pc:sldChg chg="modSp mod">
         <pc:chgData name="Riccardo Berta" userId="c8694f89-bba4-4576-b0a8-456619ca5a8c" providerId="ADAL" clId="{BDE16916-5F1F-B640-862F-454FEF94E1A1}" dt="2022-05-04T06:20:40.159" v="30" actId="12"/>
@@ -387,22 +330,6 @@
           <pc:docMk/>
           <pc:sldMk cId="0" sldId="260"/>
         </pc:sldMkLst>
-        <pc:spChg chg="mod">
-          <ac:chgData name="Riccardo Berta" userId="c8694f89-bba4-4576-b0a8-456619ca5a8c" providerId="ADAL" clId="{BDE16916-5F1F-B640-862F-454FEF94E1A1}" dt="2022-05-04T06:20:40.159" v="30" actId="12"/>
-          <ac:spMkLst>
-            <pc:docMk/>
-            <pc:sldMk cId="0" sldId="260"/>
-            <ac:spMk id="109" creationId="{00000000-0000-0000-0000-000000000000}"/>
-          </ac:spMkLst>
-        </pc:spChg>
-        <pc:picChg chg="mod">
-          <ac:chgData name="Riccardo Berta" userId="c8694f89-bba4-4576-b0a8-456619ca5a8c" providerId="ADAL" clId="{BDE16916-5F1F-B640-862F-454FEF94E1A1}" dt="2022-05-03T07:31:16.970" v="9"/>
-          <ac:picMkLst>
-            <pc:docMk/>
-            <pc:sldMk cId="0" sldId="260"/>
-            <ac:picMk id="110" creationId="{00000000-0000-0000-0000-000000000000}"/>
-          </ac:picMkLst>
-        </pc:picChg>
       </pc:sldChg>
       <pc:sldChg chg="modSp mod">
         <pc:chgData name="Riccardo Berta" userId="c8694f89-bba4-4576-b0a8-456619ca5a8c" providerId="ADAL" clId="{BDE16916-5F1F-B640-862F-454FEF94E1A1}" dt="2022-05-04T08:30:34.254" v="42" actId="20577"/>
@@ -410,30 +337,6 @@
           <pc:docMk/>
           <pc:sldMk cId="0" sldId="261"/>
         </pc:sldMkLst>
-        <pc:spChg chg="mod">
-          <ac:chgData name="Riccardo Berta" userId="c8694f89-bba4-4576-b0a8-456619ca5a8c" providerId="ADAL" clId="{BDE16916-5F1F-B640-862F-454FEF94E1A1}" dt="2022-05-04T08:30:34.254" v="42" actId="20577"/>
-          <ac:spMkLst>
-            <pc:docMk/>
-            <pc:sldMk cId="0" sldId="261"/>
-            <ac:spMk id="116" creationId="{00000000-0000-0000-0000-000000000000}"/>
-          </ac:spMkLst>
-        </pc:spChg>
-        <pc:picChg chg="mod">
-          <ac:chgData name="Riccardo Berta" userId="c8694f89-bba4-4576-b0a8-456619ca5a8c" providerId="ADAL" clId="{BDE16916-5F1F-B640-862F-454FEF94E1A1}" dt="2022-05-03T07:31:30.739" v="10"/>
-          <ac:picMkLst>
-            <pc:docMk/>
-            <pc:sldMk cId="0" sldId="261"/>
-            <ac:picMk id="117" creationId="{00000000-0000-0000-0000-000000000000}"/>
-          </ac:picMkLst>
-        </pc:picChg>
-        <pc:picChg chg="mod">
-          <ac:chgData name="Riccardo Berta" userId="c8694f89-bba4-4576-b0a8-456619ca5a8c" providerId="ADAL" clId="{BDE16916-5F1F-B640-862F-454FEF94E1A1}" dt="2022-05-03T07:31:43.624" v="11"/>
-          <ac:picMkLst>
-            <pc:docMk/>
-            <pc:sldMk cId="0" sldId="261"/>
-            <ac:picMk id="118" creationId="{00000000-0000-0000-0000-000000000000}"/>
-          </ac:picMkLst>
-        </pc:picChg>
       </pc:sldChg>
       <pc:sldChg chg="modSp">
         <pc:chgData name="Riccardo Berta" userId="c8694f89-bba4-4576-b0a8-456619ca5a8c" providerId="ADAL" clId="{BDE16916-5F1F-B640-862F-454FEF94E1A1}" dt="2022-05-03T07:32:02.363" v="12"/>
@@ -441,14 +344,6 @@
           <pc:docMk/>
           <pc:sldMk cId="0" sldId="262"/>
         </pc:sldMkLst>
-        <pc:picChg chg="mod">
-          <ac:chgData name="Riccardo Berta" userId="c8694f89-bba4-4576-b0a8-456619ca5a8c" providerId="ADAL" clId="{BDE16916-5F1F-B640-862F-454FEF94E1A1}" dt="2022-05-03T07:32:02.363" v="12"/>
-          <ac:picMkLst>
-            <pc:docMk/>
-            <pc:sldMk cId="0" sldId="262"/>
-            <ac:picMk id="125" creationId="{00000000-0000-0000-0000-000000000000}"/>
-          </ac:picMkLst>
-        </pc:picChg>
       </pc:sldChg>
       <pc:sldChg chg="modSp mod">
         <pc:chgData name="Riccardo Berta" userId="c8694f89-bba4-4576-b0a8-456619ca5a8c" providerId="ADAL" clId="{BDE16916-5F1F-B640-862F-454FEF94E1A1}" dt="2022-05-06T12:39:13.850" v="63" actId="20577"/>
@@ -456,22 +351,6 @@
           <pc:docMk/>
           <pc:sldMk cId="0" sldId="264"/>
         </pc:sldMkLst>
-        <pc:spChg chg="mod">
-          <ac:chgData name="Riccardo Berta" userId="c8694f89-bba4-4576-b0a8-456619ca5a8c" providerId="ADAL" clId="{BDE16916-5F1F-B640-862F-454FEF94E1A1}" dt="2022-05-06T12:39:13.850" v="63" actId="20577"/>
-          <ac:spMkLst>
-            <pc:docMk/>
-            <pc:sldMk cId="0" sldId="264"/>
-            <ac:spMk id="137" creationId="{00000000-0000-0000-0000-000000000000}"/>
-          </ac:spMkLst>
-        </pc:spChg>
-        <pc:picChg chg="mod">
-          <ac:chgData name="Riccardo Berta" userId="c8694f89-bba4-4576-b0a8-456619ca5a8c" providerId="ADAL" clId="{BDE16916-5F1F-B640-862F-454FEF94E1A1}" dt="2022-05-03T07:32:19.374" v="13"/>
-          <ac:picMkLst>
-            <pc:docMk/>
-            <pc:sldMk cId="0" sldId="264"/>
-            <ac:picMk id="138" creationId="{00000000-0000-0000-0000-000000000000}"/>
-          </ac:picMkLst>
-        </pc:picChg>
       </pc:sldChg>
       <pc:sldChg chg="modSp">
         <pc:chgData name="Riccardo Berta" userId="c8694f89-bba4-4576-b0a8-456619ca5a8c" providerId="ADAL" clId="{BDE16916-5F1F-B640-862F-454FEF94E1A1}" dt="2022-05-03T07:33:00.197" v="16"/>
@@ -479,30 +358,6 @@
           <pc:docMk/>
           <pc:sldMk cId="0" sldId="265"/>
         </pc:sldMkLst>
-        <pc:picChg chg="mod">
-          <ac:chgData name="Riccardo Berta" userId="c8694f89-bba4-4576-b0a8-456619ca5a8c" providerId="ADAL" clId="{BDE16916-5F1F-B640-862F-454FEF94E1A1}" dt="2022-05-03T07:32:32.847" v="14"/>
-          <ac:picMkLst>
-            <pc:docMk/>
-            <pc:sldMk cId="0" sldId="265"/>
-            <ac:picMk id="145" creationId="{00000000-0000-0000-0000-000000000000}"/>
-          </ac:picMkLst>
-        </pc:picChg>
-        <pc:picChg chg="mod">
-          <ac:chgData name="Riccardo Berta" userId="c8694f89-bba4-4576-b0a8-456619ca5a8c" providerId="ADAL" clId="{BDE16916-5F1F-B640-862F-454FEF94E1A1}" dt="2022-05-03T07:32:46.401" v="15"/>
-          <ac:picMkLst>
-            <pc:docMk/>
-            <pc:sldMk cId="0" sldId="265"/>
-            <ac:picMk id="146" creationId="{00000000-0000-0000-0000-000000000000}"/>
-          </ac:picMkLst>
-        </pc:picChg>
-        <pc:picChg chg="mod">
-          <ac:chgData name="Riccardo Berta" userId="c8694f89-bba4-4576-b0a8-456619ca5a8c" providerId="ADAL" clId="{BDE16916-5F1F-B640-862F-454FEF94E1A1}" dt="2022-05-03T07:33:00.197" v="16"/>
-          <ac:picMkLst>
-            <pc:docMk/>
-            <pc:sldMk cId="0" sldId="265"/>
-            <ac:picMk id="147" creationId="{00000000-0000-0000-0000-000000000000}"/>
-          </ac:picMkLst>
-        </pc:picChg>
       </pc:sldChg>
       <pc:sldChg chg="modSp mod modNotes">
         <pc:chgData name="Riccardo Berta" userId="c8694f89-bba4-4576-b0a8-456619ca5a8c" providerId="ADAL" clId="{BDE16916-5F1F-B640-862F-454FEF94E1A1}" dt="2022-05-06T13:02:22.784" v="106" actId="20577"/>
@@ -510,22 +365,6 @@
           <pc:docMk/>
           <pc:sldMk cId="0" sldId="266"/>
         </pc:sldMkLst>
-        <pc:spChg chg="mod">
-          <ac:chgData name="Riccardo Berta" userId="c8694f89-bba4-4576-b0a8-456619ca5a8c" providerId="ADAL" clId="{BDE16916-5F1F-B640-862F-454FEF94E1A1}" dt="2022-05-06T13:02:22.784" v="106" actId="20577"/>
-          <ac:spMkLst>
-            <pc:docMk/>
-            <pc:sldMk cId="0" sldId="266"/>
-            <ac:spMk id="153" creationId="{00000000-0000-0000-0000-000000000000}"/>
-          </ac:spMkLst>
-        </pc:spChg>
-        <pc:picChg chg="mod">
-          <ac:chgData name="Riccardo Berta" userId="c8694f89-bba4-4576-b0a8-456619ca5a8c" providerId="ADAL" clId="{BDE16916-5F1F-B640-862F-454FEF94E1A1}" dt="2022-05-03T07:33:16.174" v="17"/>
-          <ac:picMkLst>
-            <pc:docMk/>
-            <pc:sldMk cId="0" sldId="266"/>
-            <ac:picMk id="154" creationId="{00000000-0000-0000-0000-000000000000}"/>
-          </ac:picMkLst>
-        </pc:picChg>
       </pc:sldChg>
       <pc:sldChg chg="modSp">
         <pc:chgData name="Riccardo Berta" userId="c8694f89-bba4-4576-b0a8-456619ca5a8c" providerId="ADAL" clId="{BDE16916-5F1F-B640-862F-454FEF94E1A1}" dt="2022-05-03T07:33:28.828" v="18"/>
@@ -533,14 +372,6 @@
           <pc:docMk/>
           <pc:sldMk cId="0" sldId="267"/>
         </pc:sldMkLst>
-        <pc:picChg chg="mod">
-          <ac:chgData name="Riccardo Berta" userId="c8694f89-bba4-4576-b0a8-456619ca5a8c" providerId="ADAL" clId="{BDE16916-5F1F-B640-862F-454FEF94E1A1}" dt="2022-05-03T07:33:28.828" v="18"/>
-          <ac:picMkLst>
-            <pc:docMk/>
-            <pc:sldMk cId="0" sldId="267"/>
-            <ac:picMk id="161" creationId="{00000000-0000-0000-0000-000000000000}"/>
-          </ac:picMkLst>
-        </pc:picChg>
       </pc:sldChg>
       <pc:sldChg chg="modSp">
         <pc:chgData name="Riccardo Berta" userId="c8694f89-bba4-4576-b0a8-456619ca5a8c" providerId="ADAL" clId="{BDE16916-5F1F-B640-862F-454FEF94E1A1}" dt="2022-05-03T07:33:52.578" v="20"/>
@@ -548,22 +379,6 @@
           <pc:docMk/>
           <pc:sldMk cId="0" sldId="268"/>
         </pc:sldMkLst>
-        <pc:picChg chg="mod">
-          <ac:chgData name="Riccardo Berta" userId="c8694f89-bba4-4576-b0a8-456619ca5a8c" providerId="ADAL" clId="{BDE16916-5F1F-B640-862F-454FEF94E1A1}" dt="2022-05-03T07:33:42.115" v="19"/>
-          <ac:picMkLst>
-            <pc:docMk/>
-            <pc:sldMk cId="0" sldId="268"/>
-            <ac:picMk id="168" creationId="{00000000-0000-0000-0000-000000000000}"/>
-          </ac:picMkLst>
-        </pc:picChg>
-        <pc:picChg chg="mod">
-          <ac:chgData name="Riccardo Berta" userId="c8694f89-bba4-4576-b0a8-456619ca5a8c" providerId="ADAL" clId="{BDE16916-5F1F-B640-862F-454FEF94E1A1}" dt="2022-05-03T07:33:52.578" v="20"/>
-          <ac:picMkLst>
-            <pc:docMk/>
-            <pc:sldMk cId="0" sldId="268"/>
-            <ac:picMk id="169" creationId="{00000000-0000-0000-0000-000000000000}"/>
-          </ac:picMkLst>
-        </pc:picChg>
       </pc:sldChg>
       <pc:sldChg chg="modSp mod">
         <pc:chgData name="Riccardo Berta" userId="c8694f89-bba4-4576-b0a8-456619ca5a8c" providerId="ADAL" clId="{BDE16916-5F1F-B640-862F-454FEF94E1A1}" dt="2022-05-04T06:31:55.111" v="39" actId="12"/>
@@ -571,22 +386,6 @@
           <pc:docMk/>
           <pc:sldMk cId="0" sldId="269"/>
         </pc:sldMkLst>
-        <pc:spChg chg="mod">
-          <ac:chgData name="Riccardo Berta" userId="c8694f89-bba4-4576-b0a8-456619ca5a8c" providerId="ADAL" clId="{BDE16916-5F1F-B640-862F-454FEF94E1A1}" dt="2022-05-04T06:31:55.111" v="39" actId="12"/>
-          <ac:spMkLst>
-            <pc:docMk/>
-            <pc:sldMk cId="0" sldId="269"/>
-            <ac:spMk id="175" creationId="{00000000-0000-0000-0000-000000000000}"/>
-          </ac:spMkLst>
-        </pc:spChg>
-        <pc:picChg chg="mod">
-          <ac:chgData name="Riccardo Berta" userId="c8694f89-bba4-4576-b0a8-456619ca5a8c" providerId="ADAL" clId="{BDE16916-5F1F-B640-862F-454FEF94E1A1}" dt="2022-05-03T07:34:09.745" v="21"/>
-          <ac:picMkLst>
-            <pc:docMk/>
-            <pc:sldMk cId="0" sldId="269"/>
-            <ac:picMk id="176" creationId="{00000000-0000-0000-0000-000000000000}"/>
-          </ac:picMkLst>
-        </pc:picChg>
       </pc:sldChg>
       <pc:sldChg chg="modSp">
         <pc:chgData name="Riccardo Berta" userId="c8694f89-bba4-4576-b0a8-456619ca5a8c" providerId="ADAL" clId="{BDE16916-5F1F-B640-862F-454FEF94E1A1}" dt="2022-05-03T07:34:35.991" v="23"/>
@@ -594,14 +393,6 @@
           <pc:docMk/>
           <pc:sldMk cId="0" sldId="270"/>
         </pc:sldMkLst>
-        <pc:picChg chg="mod">
-          <ac:chgData name="Riccardo Berta" userId="c8694f89-bba4-4576-b0a8-456619ca5a8c" providerId="ADAL" clId="{BDE16916-5F1F-B640-862F-454FEF94E1A1}" dt="2022-05-03T07:34:35.991" v="23"/>
-          <ac:picMkLst>
-            <pc:docMk/>
-            <pc:sldMk cId="0" sldId="270"/>
-            <ac:picMk id="183" creationId="{00000000-0000-0000-0000-000000000000}"/>
-          </ac:picMkLst>
-        </pc:picChg>
       </pc:sldChg>
       <pc:sldChg chg="modSp">
         <pc:chgData name="Riccardo Berta" userId="c8694f89-bba4-4576-b0a8-456619ca5a8c" providerId="ADAL" clId="{BDE16916-5F1F-B640-862F-454FEF94E1A1}" dt="2022-05-03T07:34:49.775" v="24"/>
@@ -609,14 +400,6 @@
           <pc:docMk/>
           <pc:sldMk cId="0" sldId="271"/>
         </pc:sldMkLst>
-        <pc:picChg chg="mod">
-          <ac:chgData name="Riccardo Berta" userId="c8694f89-bba4-4576-b0a8-456619ca5a8c" providerId="ADAL" clId="{BDE16916-5F1F-B640-862F-454FEF94E1A1}" dt="2022-05-03T07:34:49.775" v="24"/>
-          <ac:picMkLst>
-            <pc:docMk/>
-            <pc:sldMk cId="0" sldId="271"/>
-            <ac:picMk id="191" creationId="{00000000-0000-0000-0000-000000000000}"/>
-          </ac:picMkLst>
-        </pc:picChg>
       </pc:sldChg>
       <pc:sldChg chg="modSp">
         <pc:chgData name="Riccardo Berta" userId="c8694f89-bba4-4576-b0a8-456619ca5a8c" providerId="ADAL" clId="{BDE16916-5F1F-B640-862F-454FEF94E1A1}" dt="2022-05-03T07:35:06.701" v="25"/>
@@ -624,14 +407,6 @@
           <pc:docMk/>
           <pc:sldMk cId="0" sldId="272"/>
         </pc:sldMkLst>
-        <pc:picChg chg="mod">
-          <ac:chgData name="Riccardo Berta" userId="c8694f89-bba4-4576-b0a8-456619ca5a8c" providerId="ADAL" clId="{BDE16916-5F1F-B640-862F-454FEF94E1A1}" dt="2022-05-03T07:35:06.701" v="25"/>
-          <ac:picMkLst>
-            <pc:docMk/>
-            <pc:sldMk cId="0" sldId="272"/>
-            <ac:picMk id="198" creationId="{00000000-0000-0000-0000-000000000000}"/>
-          </ac:picMkLst>
-        </pc:picChg>
       </pc:sldChg>
     </pc:docChg>
   </pc:docChgLst>
@@ -648,14 +423,6 @@
           <pc:docMk/>
           <pc:sldMk cId="0" sldId="258"/>
         </pc:sldMkLst>
-        <pc:spChg chg="mod">
-          <ac:chgData name="Riccardo Berta" userId="c8694f89-bba4-4576-b0a8-456619ca5a8c" providerId="ADAL" clId="{EA16068D-2F13-CA44-9725-40FC0ECDD9CA}" dt="2023-05-11T11:49:07.018" v="47" actId="403"/>
-          <ac:spMkLst>
-            <pc:docMk/>
-            <pc:sldMk cId="0" sldId="258"/>
-            <ac:spMk id="92" creationId="{00000000-0000-0000-0000-000000000000}"/>
-          </ac:spMkLst>
-        </pc:spChg>
       </pc:sldChg>
       <pc:sldChg chg="modSp mod">
         <pc:chgData name="Riccardo Berta" userId="c8694f89-bba4-4576-b0a8-456619ca5a8c" providerId="ADAL" clId="{EA16068D-2F13-CA44-9725-40FC0ECDD9CA}" dt="2023-05-11T11:49:25.453" v="69" actId="1036"/>
@@ -663,30 +430,6 @@
           <pc:docMk/>
           <pc:sldMk cId="0" sldId="259"/>
         </pc:sldMkLst>
-        <pc:picChg chg="mod">
-          <ac:chgData name="Riccardo Berta" userId="c8694f89-bba4-4576-b0a8-456619ca5a8c" providerId="ADAL" clId="{EA16068D-2F13-CA44-9725-40FC0ECDD9CA}" dt="2023-05-11T11:49:13.124" v="48" actId="1076"/>
-          <ac:picMkLst>
-            <pc:docMk/>
-            <pc:sldMk cId="0" sldId="259"/>
-            <ac:picMk id="101" creationId="{00000000-0000-0000-0000-000000000000}"/>
-          </ac:picMkLst>
-        </pc:picChg>
-        <pc:picChg chg="mod">
-          <ac:chgData name="Riccardo Berta" userId="c8694f89-bba4-4576-b0a8-456619ca5a8c" providerId="ADAL" clId="{EA16068D-2F13-CA44-9725-40FC0ECDD9CA}" dt="2023-05-11T11:49:20.247" v="63" actId="1035"/>
-          <ac:picMkLst>
-            <pc:docMk/>
-            <pc:sldMk cId="0" sldId="259"/>
-            <ac:picMk id="102" creationId="{00000000-0000-0000-0000-000000000000}"/>
-          </ac:picMkLst>
-        </pc:picChg>
-        <pc:picChg chg="mod">
-          <ac:chgData name="Riccardo Berta" userId="c8694f89-bba4-4576-b0a8-456619ca5a8c" providerId="ADAL" clId="{EA16068D-2F13-CA44-9725-40FC0ECDD9CA}" dt="2023-05-11T11:49:25.453" v="69" actId="1036"/>
-          <ac:picMkLst>
-            <pc:docMk/>
-            <pc:sldMk cId="0" sldId="259"/>
-            <ac:picMk id="103" creationId="{00000000-0000-0000-0000-000000000000}"/>
-          </ac:picMkLst>
-        </pc:picChg>
       </pc:sldChg>
       <pc:sldChg chg="modSp mod">
         <pc:chgData name="Riccardo Berta" userId="c8694f89-bba4-4576-b0a8-456619ca5a8c" providerId="ADAL" clId="{EA16068D-2F13-CA44-9725-40FC0ECDD9CA}" dt="2023-05-11T11:48:30.095" v="3" actId="20577"/>
@@ -694,14 +437,6 @@
           <pc:docMk/>
           <pc:sldMk cId="0" sldId="260"/>
         </pc:sldMkLst>
-        <pc:spChg chg="mod">
-          <ac:chgData name="Riccardo Berta" userId="c8694f89-bba4-4576-b0a8-456619ca5a8c" providerId="ADAL" clId="{EA16068D-2F13-CA44-9725-40FC0ECDD9CA}" dt="2023-05-11T11:48:30.095" v="3" actId="20577"/>
-          <ac:spMkLst>
-            <pc:docMk/>
-            <pc:sldMk cId="0" sldId="260"/>
-            <ac:spMk id="109" creationId="{00000000-0000-0000-0000-000000000000}"/>
-          </ac:spMkLst>
-        </pc:spChg>
       </pc:sldChg>
       <pc:sldChg chg="modSp mod">
         <pc:chgData name="Riccardo Berta" userId="c8694f89-bba4-4576-b0a8-456619ca5a8c" providerId="ADAL" clId="{EA16068D-2F13-CA44-9725-40FC0ECDD9CA}" dt="2023-05-17T12:24:44.233" v="772" actId="15"/>
@@ -709,14 +444,6 @@
           <pc:docMk/>
           <pc:sldMk cId="0" sldId="261"/>
         </pc:sldMkLst>
-        <pc:spChg chg="mod">
-          <ac:chgData name="Riccardo Berta" userId="c8694f89-bba4-4576-b0a8-456619ca5a8c" providerId="ADAL" clId="{EA16068D-2F13-CA44-9725-40FC0ECDD9CA}" dt="2023-05-17T12:24:44.233" v="772" actId="15"/>
-          <ac:spMkLst>
-            <pc:docMk/>
-            <pc:sldMk cId="0" sldId="261"/>
-            <ac:spMk id="116" creationId="{00000000-0000-0000-0000-000000000000}"/>
-          </ac:spMkLst>
-        </pc:spChg>
       </pc:sldChg>
       <pc:sldChg chg="modSp mod">
         <pc:chgData name="Riccardo Berta" userId="c8694f89-bba4-4576-b0a8-456619ca5a8c" providerId="ADAL" clId="{EA16068D-2F13-CA44-9725-40FC0ECDD9CA}" dt="2023-05-11T11:50:55.251" v="99" actId="14100"/>
@@ -724,14 +451,6 @@
           <pc:docMk/>
           <pc:sldMk cId="0" sldId="262"/>
         </pc:sldMkLst>
-        <pc:spChg chg="mod">
-          <ac:chgData name="Riccardo Berta" userId="c8694f89-bba4-4576-b0a8-456619ca5a8c" providerId="ADAL" clId="{EA16068D-2F13-CA44-9725-40FC0ECDD9CA}" dt="2023-05-11T11:50:55.251" v="99" actId="14100"/>
-          <ac:spMkLst>
-            <pc:docMk/>
-            <pc:sldMk cId="0" sldId="262"/>
-            <ac:spMk id="124" creationId="{00000000-0000-0000-0000-000000000000}"/>
-          </ac:spMkLst>
-        </pc:spChg>
       </pc:sldChg>
       <pc:sldChg chg="del ord">
         <pc:chgData name="Riccardo Berta" userId="c8694f89-bba4-4576-b0a8-456619ca5a8c" providerId="ADAL" clId="{EA16068D-2F13-CA44-9725-40FC0ECDD9CA}" dt="2023-05-11T11:51:46.593" v="115" actId="2696"/>
@@ -746,8 +465,196 @@
           <pc:docMk/>
           <pc:sldMk cId="0" sldId="264"/>
         </pc:sldMkLst>
+      </pc:sldChg>
+      <pc:sldChg chg="modSp mod">
+        <pc:chgData name="Riccardo Berta" userId="c8694f89-bba4-4576-b0a8-456619ca5a8c" providerId="ADAL" clId="{EA16068D-2F13-CA44-9725-40FC0ECDD9CA}" dt="2023-05-17T12:53:25.595" v="773" actId="20578"/>
+        <pc:sldMkLst>
+          <pc:docMk/>
+          <pc:sldMk cId="0" sldId="265"/>
+        </pc:sldMkLst>
+      </pc:sldChg>
+      <pc:sldChg chg="modSp mod">
+        <pc:chgData name="Riccardo Berta" userId="c8694f89-bba4-4576-b0a8-456619ca5a8c" providerId="ADAL" clId="{EA16068D-2F13-CA44-9725-40FC0ECDD9CA}" dt="2023-05-17T10:25:14.059" v="268" actId="1076"/>
+        <pc:sldMkLst>
+          <pc:docMk/>
+          <pc:sldMk cId="0" sldId="266"/>
+        </pc:sldMkLst>
+      </pc:sldChg>
+      <pc:sldChg chg="modSp mod">
+        <pc:chgData name="Riccardo Berta" userId="c8694f89-bba4-4576-b0a8-456619ca5a8c" providerId="ADAL" clId="{EA16068D-2F13-CA44-9725-40FC0ECDD9CA}" dt="2023-05-17T10:27:49.052" v="334" actId="14100"/>
+        <pc:sldMkLst>
+          <pc:docMk/>
+          <pc:sldMk cId="0" sldId="267"/>
+        </pc:sldMkLst>
+      </pc:sldChg>
+      <pc:sldChg chg="modSp mod">
+        <pc:chgData name="Riccardo Berta" userId="c8694f89-bba4-4576-b0a8-456619ca5a8c" providerId="ADAL" clId="{EA16068D-2F13-CA44-9725-40FC0ECDD9CA}" dt="2023-05-17T10:29:31.409" v="366" actId="404"/>
+        <pc:sldMkLst>
+          <pc:docMk/>
+          <pc:sldMk cId="0" sldId="268"/>
+        </pc:sldMkLst>
+      </pc:sldChg>
+      <pc:sldChg chg="modSp mod">
+        <pc:chgData name="Riccardo Berta" userId="c8694f89-bba4-4576-b0a8-456619ca5a8c" providerId="ADAL" clId="{EA16068D-2F13-CA44-9725-40FC0ECDD9CA}" dt="2023-05-17T10:31:51.669" v="423" actId="20577"/>
+        <pc:sldMkLst>
+          <pc:docMk/>
+          <pc:sldMk cId="0" sldId="269"/>
+        </pc:sldMkLst>
+      </pc:sldChg>
+      <pc:sldChg chg="modSp mod">
+        <pc:chgData name="Riccardo Berta" userId="c8694f89-bba4-4576-b0a8-456619ca5a8c" providerId="ADAL" clId="{EA16068D-2F13-CA44-9725-40FC0ECDD9CA}" dt="2023-05-17T10:33:44.895" v="455" actId="313"/>
+        <pc:sldMkLst>
+          <pc:docMk/>
+          <pc:sldMk cId="0" sldId="270"/>
+        </pc:sldMkLst>
+      </pc:sldChg>
+      <pc:sldChg chg="modSp mod">
+        <pc:chgData name="Riccardo Berta" userId="c8694f89-bba4-4576-b0a8-456619ca5a8c" providerId="ADAL" clId="{EA16068D-2F13-CA44-9725-40FC0ECDD9CA}" dt="2023-05-17T10:42:26.636" v="701" actId="403"/>
+        <pc:sldMkLst>
+          <pc:docMk/>
+          <pc:sldMk cId="0" sldId="271"/>
+        </pc:sldMkLst>
+      </pc:sldChg>
+      <pc:sldChg chg="modSp mod">
+        <pc:chgData name="Riccardo Berta" userId="c8694f89-bba4-4576-b0a8-456619ca5a8c" providerId="ADAL" clId="{EA16068D-2F13-CA44-9725-40FC0ECDD9CA}" dt="2023-05-17T10:43:48.517" v="714" actId="404"/>
+        <pc:sldMkLst>
+          <pc:docMk/>
+          <pc:sldMk cId="0" sldId="273"/>
+        </pc:sldMkLst>
+      </pc:sldChg>
+      <pc:sldChg chg="modSp mod">
+        <pc:chgData name="Riccardo Berta" userId="c8694f89-bba4-4576-b0a8-456619ca5a8c" providerId="ADAL" clId="{EA16068D-2F13-CA44-9725-40FC0ECDD9CA}" dt="2023-05-17T10:45:01.793" v="722" actId="6549"/>
+        <pc:sldMkLst>
+          <pc:docMk/>
+          <pc:sldMk cId="0" sldId="274"/>
+        </pc:sldMkLst>
+      </pc:sldChg>
+      <pc:sldChg chg="modSp mod">
+        <pc:chgData name="Riccardo Berta" userId="c8694f89-bba4-4576-b0a8-456619ca5a8c" providerId="ADAL" clId="{EA16068D-2F13-CA44-9725-40FC0ECDD9CA}" dt="2023-05-17T10:46:21.986" v="755" actId="20577"/>
+        <pc:sldMkLst>
+          <pc:docMk/>
+          <pc:sldMk cId="0" sldId="276"/>
+        </pc:sldMkLst>
+      </pc:sldChg>
+      <pc:sldChg chg="modSp mod">
+        <pc:chgData name="Riccardo Berta" userId="c8694f89-bba4-4576-b0a8-456619ca5a8c" providerId="ADAL" clId="{EA16068D-2F13-CA44-9725-40FC0ECDD9CA}" dt="2023-05-17T10:46:53.436" v="768" actId="20577"/>
+        <pc:sldMkLst>
+          <pc:docMk/>
+          <pc:sldMk cId="0" sldId="277"/>
+        </pc:sldMkLst>
+      </pc:sldChg>
+      <pc:sldChg chg="modSp mod">
+        <pc:chgData name="Riccardo Berta" userId="c8694f89-bba4-4576-b0a8-456619ca5a8c" providerId="ADAL" clId="{EA16068D-2F13-CA44-9725-40FC0ECDD9CA}" dt="2023-05-17T10:47:21.375" v="771" actId="20577"/>
+        <pc:sldMkLst>
+          <pc:docMk/>
+          <pc:sldMk cId="0" sldId="278"/>
+        </pc:sldMkLst>
+      </pc:sldChg>
+      <pc:sldChg chg="modSp mod">
+        <pc:chgData name="Riccardo Berta" userId="c8694f89-bba4-4576-b0a8-456619ca5a8c" providerId="ADAL" clId="{EA16068D-2F13-CA44-9725-40FC0ECDD9CA}" dt="2023-05-11T11:51:42.467" v="114"/>
+        <pc:sldMkLst>
+          <pc:docMk/>
+          <pc:sldMk cId="0" sldId="279"/>
+        </pc:sldMkLst>
+      </pc:sldChg>
+    </pc:docChg>
+  </pc:docChgLst>
+  <pc:docChgLst>
+    <pc:chgData name="Riccardo Berta" userId="c8694f89-bba4-4576-b0a8-456619ca5a8c" providerId="ADAL" clId="{C2A3F98E-1757-7245-99EC-903D3FFCEC31}"/>
+    <pc:docChg chg="undo custSel addSld delSld modSld sldOrd">
+      <pc:chgData name="Riccardo Berta" userId="c8694f89-bba4-4576-b0a8-456619ca5a8c" providerId="ADAL" clId="{C2A3F98E-1757-7245-99EC-903D3FFCEC31}" dt="2025-05-21T11:54:45.870" v="203" actId="1076"/>
+      <pc:docMkLst>
+        <pc:docMk/>
+      </pc:docMkLst>
+      <pc:sldChg chg="addSp delSp modSp mod modNotes">
+        <pc:chgData name="Riccardo Berta" userId="c8694f89-bba4-4576-b0a8-456619ca5a8c" providerId="ADAL" clId="{C2A3F98E-1757-7245-99EC-903D3FFCEC31}" dt="2025-05-19T11:26:26.273" v="19" actId="1037"/>
+        <pc:sldMkLst>
+          <pc:docMk/>
+          <pc:sldMk cId="0" sldId="256"/>
+        </pc:sldMkLst>
         <pc:spChg chg="mod">
-          <ac:chgData name="Riccardo Berta" userId="c8694f89-bba4-4576-b0a8-456619ca5a8c" providerId="ADAL" clId="{EA16068D-2F13-CA44-9725-40FC0ECDD9CA}" dt="2023-05-11T11:52:52.226" v="158" actId="404"/>
+          <ac:chgData name="Riccardo Berta" userId="c8694f89-bba4-4576-b0a8-456619ca5a8c" providerId="ADAL" clId="{C2A3F98E-1757-7245-99EC-903D3FFCEC31}" dt="2025-05-19T11:26:26.273" v="19" actId="1037"/>
+          <ac:spMkLst>
+            <pc:docMk/>
+            <pc:sldMk cId="0" sldId="256"/>
+            <ac:spMk id="79" creationId="{00000000-0000-0000-0000-000000000000}"/>
+          </ac:spMkLst>
+        </pc:spChg>
+        <pc:picChg chg="add mod">
+          <ac:chgData name="Riccardo Berta" userId="c8694f89-bba4-4576-b0a8-456619ca5a8c" providerId="ADAL" clId="{C2A3F98E-1757-7245-99EC-903D3FFCEC31}" dt="2025-05-19T11:26:12.454" v="9" actId="1076"/>
+          <ac:picMkLst>
+            <pc:docMk/>
+            <pc:sldMk cId="0" sldId="256"/>
+            <ac:picMk id="2" creationId="{C9C945F5-3473-F33C-274F-F000E45E5C56}"/>
+          </ac:picMkLst>
+        </pc:picChg>
+      </pc:sldChg>
+      <pc:sldChg chg="delSp mod">
+        <pc:chgData name="Riccardo Berta" userId="c8694f89-bba4-4576-b0a8-456619ca5a8c" providerId="ADAL" clId="{C2A3F98E-1757-7245-99EC-903D3FFCEC31}" dt="2025-05-19T11:32:15.338" v="20" actId="478"/>
+        <pc:sldMkLst>
+          <pc:docMk/>
+          <pc:sldMk cId="0" sldId="257"/>
+        </pc:sldMkLst>
+      </pc:sldChg>
+      <pc:sldChg chg="addSp delSp modSp mod">
+        <pc:chgData name="Riccardo Berta" userId="c8694f89-bba4-4576-b0a8-456619ca5a8c" providerId="ADAL" clId="{C2A3F98E-1757-7245-99EC-903D3FFCEC31}" dt="2025-05-19T12:17:50.433" v="50" actId="1076"/>
+        <pc:sldMkLst>
+          <pc:docMk/>
+          <pc:sldMk cId="0" sldId="258"/>
+        </pc:sldMkLst>
+        <pc:spChg chg="mod">
+          <ac:chgData name="Riccardo Berta" userId="c8694f89-bba4-4576-b0a8-456619ca5a8c" providerId="ADAL" clId="{C2A3F98E-1757-7245-99EC-903D3FFCEC31}" dt="2025-05-19T12:17:50.433" v="50" actId="1076"/>
+          <ac:spMkLst>
+            <pc:docMk/>
+            <pc:sldMk cId="0" sldId="258"/>
+            <ac:spMk id="92" creationId="{00000000-0000-0000-0000-000000000000}"/>
+          </ac:spMkLst>
+        </pc:spChg>
+        <pc:picChg chg="add mod">
+          <ac:chgData name="Riccardo Berta" userId="c8694f89-bba4-4576-b0a8-456619ca5a8c" providerId="ADAL" clId="{C2A3F98E-1757-7245-99EC-903D3FFCEC31}" dt="2025-05-19T12:17:46.670" v="49" actId="1076"/>
+          <ac:picMkLst>
+            <pc:docMk/>
+            <pc:sldMk cId="0" sldId="258"/>
+            <ac:picMk id="2" creationId="{C58F3FFF-9113-D911-166A-F74E3F4EBDAD}"/>
+          </ac:picMkLst>
+        </pc:picChg>
+      </pc:sldChg>
+      <pc:sldChg chg="delSp mod">
+        <pc:chgData name="Riccardo Berta" userId="c8694f89-bba4-4576-b0a8-456619ca5a8c" providerId="ADAL" clId="{C2A3F98E-1757-7245-99EC-903D3FFCEC31}" dt="2025-05-19T11:32:25.410" v="25" actId="478"/>
+        <pc:sldMkLst>
+          <pc:docMk/>
+          <pc:sldMk cId="0" sldId="259"/>
+        </pc:sldMkLst>
+      </pc:sldChg>
+      <pc:sldChg chg="delSp mod">
+        <pc:chgData name="Riccardo Berta" userId="c8694f89-bba4-4576-b0a8-456619ca5a8c" providerId="ADAL" clId="{C2A3F98E-1757-7245-99EC-903D3FFCEC31}" dt="2025-05-19T11:32:28.136" v="26" actId="478"/>
+        <pc:sldMkLst>
+          <pc:docMk/>
+          <pc:sldMk cId="0" sldId="260"/>
+        </pc:sldMkLst>
+      </pc:sldChg>
+      <pc:sldChg chg="delSp mod">
+        <pc:chgData name="Riccardo Berta" userId="c8694f89-bba4-4576-b0a8-456619ca5a8c" providerId="ADAL" clId="{C2A3F98E-1757-7245-99EC-903D3FFCEC31}" dt="2025-05-19T11:32:32.249" v="28" actId="478"/>
+        <pc:sldMkLst>
+          <pc:docMk/>
+          <pc:sldMk cId="0" sldId="261"/>
+        </pc:sldMkLst>
+      </pc:sldChg>
+      <pc:sldChg chg="delSp mod">
+        <pc:chgData name="Riccardo Berta" userId="c8694f89-bba4-4576-b0a8-456619ca5a8c" providerId="ADAL" clId="{C2A3F98E-1757-7245-99EC-903D3FFCEC31}" dt="2025-05-19T11:32:35.400" v="29" actId="478"/>
+        <pc:sldMkLst>
+          <pc:docMk/>
+          <pc:sldMk cId="0" sldId="262"/>
+        </pc:sldMkLst>
+      </pc:sldChg>
+      <pc:sldChg chg="delSp modSp mod">
+        <pc:chgData name="Riccardo Berta" userId="c8694f89-bba4-4576-b0a8-456619ca5a8c" providerId="ADAL" clId="{C2A3F98E-1757-7245-99EC-903D3FFCEC31}" dt="2025-05-20T14:35:35.414" v="185" actId="20577"/>
+        <pc:sldMkLst>
+          <pc:docMk/>
+          <pc:sldMk cId="0" sldId="264"/>
+        </pc:sldMkLst>
+        <pc:spChg chg="mod">
+          <ac:chgData name="Riccardo Berta" userId="c8694f89-bba4-4576-b0a8-456619ca5a8c" providerId="ADAL" clId="{C2A3F98E-1757-7245-99EC-903D3FFCEC31}" dt="2025-05-20T14:35:35.414" v="185" actId="20577"/>
           <ac:spMkLst>
             <pc:docMk/>
             <pc:sldMk cId="0" sldId="264"/>
@@ -755,152 +662,72 @@
           </ac:spMkLst>
         </pc:spChg>
       </pc:sldChg>
-      <pc:sldChg chg="modSp mod">
-        <pc:chgData name="Riccardo Berta" userId="c8694f89-bba4-4576-b0a8-456619ca5a8c" providerId="ADAL" clId="{EA16068D-2F13-CA44-9725-40FC0ECDD9CA}" dt="2023-05-17T12:53:25.595" v="773" actId="20578"/>
+      <pc:sldChg chg="delSp mod">
+        <pc:chgData name="Riccardo Berta" userId="c8694f89-bba4-4576-b0a8-456619ca5a8c" providerId="ADAL" clId="{C2A3F98E-1757-7245-99EC-903D3FFCEC31}" dt="2025-05-19T11:32:44.570" v="33" actId="478"/>
         <pc:sldMkLst>
           <pc:docMk/>
           <pc:sldMk cId="0" sldId="265"/>
         </pc:sldMkLst>
-        <pc:spChg chg="mod">
-          <ac:chgData name="Riccardo Berta" userId="c8694f89-bba4-4576-b0a8-456619ca5a8c" providerId="ADAL" clId="{EA16068D-2F13-CA44-9725-40FC0ECDD9CA}" dt="2023-05-17T12:53:25.595" v="773" actId="20578"/>
-          <ac:spMkLst>
-            <pc:docMk/>
-            <pc:sldMk cId="0" sldId="265"/>
-            <ac:spMk id="144" creationId="{00000000-0000-0000-0000-000000000000}"/>
-          </ac:spMkLst>
-        </pc:spChg>
-        <pc:picChg chg="mod">
-          <ac:chgData name="Riccardo Berta" userId="c8694f89-bba4-4576-b0a8-456619ca5a8c" providerId="ADAL" clId="{EA16068D-2F13-CA44-9725-40FC0ECDD9CA}" dt="2023-05-11T11:54:33.127" v="204" actId="1076"/>
-          <ac:picMkLst>
-            <pc:docMk/>
-            <pc:sldMk cId="0" sldId="265"/>
-            <ac:picMk id="145" creationId="{00000000-0000-0000-0000-000000000000}"/>
-          </ac:picMkLst>
-        </pc:picChg>
-        <pc:picChg chg="mod">
-          <ac:chgData name="Riccardo Berta" userId="c8694f89-bba4-4576-b0a8-456619ca5a8c" providerId="ADAL" clId="{EA16068D-2F13-CA44-9725-40FC0ECDD9CA}" dt="2023-05-11T11:54:30.675" v="203" actId="1076"/>
-          <ac:picMkLst>
-            <pc:docMk/>
-            <pc:sldMk cId="0" sldId="265"/>
-            <ac:picMk id="146" creationId="{00000000-0000-0000-0000-000000000000}"/>
-          </ac:picMkLst>
-        </pc:picChg>
-        <pc:picChg chg="mod">
-          <ac:chgData name="Riccardo Berta" userId="c8694f89-bba4-4576-b0a8-456619ca5a8c" providerId="ADAL" clId="{EA16068D-2F13-CA44-9725-40FC0ECDD9CA}" dt="2023-05-11T11:54:27.963" v="202" actId="1076"/>
-          <ac:picMkLst>
-            <pc:docMk/>
-            <pc:sldMk cId="0" sldId="265"/>
-            <ac:picMk id="147" creationId="{00000000-0000-0000-0000-000000000000}"/>
-          </ac:picMkLst>
-        </pc:picChg>
       </pc:sldChg>
-      <pc:sldChg chg="modSp mod">
-        <pc:chgData name="Riccardo Berta" userId="c8694f89-bba4-4576-b0a8-456619ca5a8c" providerId="ADAL" clId="{EA16068D-2F13-CA44-9725-40FC0ECDD9CA}" dt="2023-05-17T10:25:14.059" v="268" actId="1076"/>
+      <pc:sldChg chg="delSp mod">
+        <pc:chgData name="Riccardo Berta" userId="c8694f89-bba4-4576-b0a8-456619ca5a8c" providerId="ADAL" clId="{C2A3F98E-1757-7245-99EC-903D3FFCEC31}" dt="2025-05-19T11:32:48.075" v="34" actId="478"/>
         <pc:sldMkLst>
           <pc:docMk/>
           <pc:sldMk cId="0" sldId="266"/>
         </pc:sldMkLst>
-        <pc:spChg chg="mod">
-          <ac:chgData name="Riccardo Berta" userId="c8694f89-bba4-4576-b0a8-456619ca5a8c" providerId="ADAL" clId="{EA16068D-2F13-CA44-9725-40FC0ECDD9CA}" dt="2023-05-17T10:25:14.059" v="268" actId="1076"/>
-          <ac:spMkLst>
-            <pc:docMk/>
-            <pc:sldMk cId="0" sldId="266"/>
-            <ac:spMk id="153" creationId="{00000000-0000-0000-0000-000000000000}"/>
-          </ac:spMkLst>
-        </pc:spChg>
       </pc:sldChg>
-      <pc:sldChg chg="modSp mod">
-        <pc:chgData name="Riccardo Berta" userId="c8694f89-bba4-4576-b0a8-456619ca5a8c" providerId="ADAL" clId="{EA16068D-2F13-CA44-9725-40FC0ECDD9CA}" dt="2023-05-17T10:27:49.052" v="334" actId="14100"/>
+      <pc:sldChg chg="delSp mod">
+        <pc:chgData name="Riccardo Berta" userId="c8694f89-bba4-4576-b0a8-456619ca5a8c" providerId="ADAL" clId="{C2A3F98E-1757-7245-99EC-903D3FFCEC31}" dt="2025-05-19T11:32:51.821" v="35" actId="478"/>
         <pc:sldMkLst>
           <pc:docMk/>
           <pc:sldMk cId="0" sldId="267"/>
         </pc:sldMkLst>
-        <pc:spChg chg="mod">
-          <ac:chgData name="Riccardo Berta" userId="c8694f89-bba4-4576-b0a8-456619ca5a8c" providerId="ADAL" clId="{EA16068D-2F13-CA44-9725-40FC0ECDD9CA}" dt="2023-05-17T10:27:49.052" v="334" actId="14100"/>
-          <ac:spMkLst>
-            <pc:docMk/>
-            <pc:sldMk cId="0" sldId="267"/>
-            <ac:spMk id="160" creationId="{00000000-0000-0000-0000-000000000000}"/>
-          </ac:spMkLst>
-        </pc:spChg>
       </pc:sldChg>
-      <pc:sldChg chg="modSp mod">
-        <pc:chgData name="Riccardo Berta" userId="c8694f89-bba4-4576-b0a8-456619ca5a8c" providerId="ADAL" clId="{EA16068D-2F13-CA44-9725-40FC0ECDD9CA}" dt="2023-05-17T10:29:31.409" v="366" actId="404"/>
+      <pc:sldChg chg="delSp mod">
+        <pc:chgData name="Riccardo Berta" userId="c8694f89-bba4-4576-b0a8-456619ca5a8c" providerId="ADAL" clId="{C2A3F98E-1757-7245-99EC-903D3FFCEC31}" dt="2025-05-19T11:32:56.756" v="37" actId="478"/>
         <pc:sldMkLst>
           <pc:docMk/>
           <pc:sldMk cId="0" sldId="268"/>
         </pc:sldMkLst>
-        <pc:spChg chg="mod">
-          <ac:chgData name="Riccardo Berta" userId="c8694f89-bba4-4576-b0a8-456619ca5a8c" providerId="ADAL" clId="{EA16068D-2F13-CA44-9725-40FC0ECDD9CA}" dt="2023-05-17T10:29:31.409" v="366" actId="404"/>
-          <ac:spMkLst>
-            <pc:docMk/>
-            <pc:sldMk cId="0" sldId="268"/>
-            <ac:spMk id="167" creationId="{00000000-0000-0000-0000-000000000000}"/>
-          </ac:spMkLst>
-        </pc:spChg>
-        <pc:picChg chg="mod">
-          <ac:chgData name="Riccardo Berta" userId="c8694f89-bba4-4576-b0a8-456619ca5a8c" providerId="ADAL" clId="{EA16068D-2F13-CA44-9725-40FC0ECDD9CA}" dt="2023-05-17T10:29:05.085" v="358" actId="1076"/>
-          <ac:picMkLst>
-            <pc:docMk/>
-            <pc:sldMk cId="0" sldId="268"/>
-            <ac:picMk id="169" creationId="{00000000-0000-0000-0000-000000000000}"/>
-          </ac:picMkLst>
-        </pc:picChg>
       </pc:sldChg>
-      <pc:sldChg chg="modSp mod">
-        <pc:chgData name="Riccardo Berta" userId="c8694f89-bba4-4576-b0a8-456619ca5a8c" providerId="ADAL" clId="{EA16068D-2F13-CA44-9725-40FC0ECDD9CA}" dt="2023-05-17T10:31:51.669" v="423" actId="20577"/>
+      <pc:sldChg chg="delSp modSp mod ord">
+        <pc:chgData name="Riccardo Berta" userId="c8694f89-bba4-4576-b0a8-456619ca5a8c" providerId="ADAL" clId="{C2A3F98E-1757-7245-99EC-903D3FFCEC31}" dt="2025-05-20T14:56:34.252" v="191" actId="20577"/>
         <pc:sldMkLst>
           <pc:docMk/>
           <pc:sldMk cId="0" sldId="269"/>
         </pc:sldMkLst>
         <pc:spChg chg="mod">
-          <ac:chgData name="Riccardo Berta" userId="c8694f89-bba4-4576-b0a8-456619ca5a8c" providerId="ADAL" clId="{EA16068D-2F13-CA44-9725-40FC0ECDD9CA}" dt="2023-05-17T10:31:51.669" v="423" actId="20577"/>
+          <ac:chgData name="Riccardo Berta" userId="c8694f89-bba4-4576-b0a8-456619ca5a8c" providerId="ADAL" clId="{C2A3F98E-1757-7245-99EC-903D3FFCEC31}" dt="2025-05-20T14:56:34.252" v="191" actId="20577"/>
           <ac:spMkLst>
             <pc:docMk/>
             <pc:sldMk cId="0" sldId="269"/>
             <ac:spMk id="175" creationId="{00000000-0000-0000-0000-000000000000}"/>
           </ac:spMkLst>
         </pc:spChg>
-        <pc:picChg chg="mod">
-          <ac:chgData name="Riccardo Berta" userId="c8694f89-bba4-4576-b0a8-456619ca5a8c" providerId="ADAL" clId="{EA16068D-2F13-CA44-9725-40FC0ECDD9CA}" dt="2023-05-17T10:29:40.350" v="367" actId="1076"/>
-          <ac:picMkLst>
-            <pc:docMk/>
-            <pc:sldMk cId="0" sldId="269"/>
-            <ac:picMk id="176" creationId="{00000000-0000-0000-0000-000000000000}"/>
-          </ac:picMkLst>
-        </pc:picChg>
       </pc:sldChg>
-      <pc:sldChg chg="modSp mod">
-        <pc:chgData name="Riccardo Berta" userId="c8694f89-bba4-4576-b0a8-456619ca5a8c" providerId="ADAL" clId="{EA16068D-2F13-CA44-9725-40FC0ECDD9CA}" dt="2023-05-17T10:33:44.895" v="455" actId="313"/>
+      <pc:sldChg chg="delSp mod">
+        <pc:chgData name="Riccardo Berta" userId="c8694f89-bba4-4576-b0a8-456619ca5a8c" providerId="ADAL" clId="{C2A3F98E-1757-7245-99EC-903D3FFCEC31}" dt="2025-05-19T11:33:02.308" v="39" actId="478"/>
         <pc:sldMkLst>
           <pc:docMk/>
           <pc:sldMk cId="0" sldId="270"/>
         </pc:sldMkLst>
-        <pc:spChg chg="mod">
-          <ac:chgData name="Riccardo Berta" userId="c8694f89-bba4-4576-b0a8-456619ca5a8c" providerId="ADAL" clId="{EA16068D-2F13-CA44-9725-40FC0ECDD9CA}" dt="2023-05-17T10:33:44.895" v="455" actId="313"/>
-          <ac:spMkLst>
-            <pc:docMk/>
-            <pc:sldMk cId="0" sldId="270"/>
-            <ac:spMk id="182" creationId="{00000000-0000-0000-0000-000000000000}"/>
-          </ac:spMkLst>
-        </pc:spChg>
       </pc:sldChg>
-      <pc:sldChg chg="modSp mod">
-        <pc:chgData name="Riccardo Berta" userId="c8694f89-bba4-4576-b0a8-456619ca5a8c" providerId="ADAL" clId="{EA16068D-2F13-CA44-9725-40FC0ECDD9CA}" dt="2023-05-17T10:42:26.636" v="701" actId="403"/>
+      <pc:sldChg chg="addSp delSp modSp mod">
+        <pc:chgData name="Riccardo Berta" userId="c8694f89-bba4-4576-b0a8-456619ca5a8c" providerId="ADAL" clId="{C2A3F98E-1757-7245-99EC-903D3FFCEC31}" dt="2025-05-21T11:48:55.552" v="197" actId="1076"/>
         <pc:sldMkLst>
           <pc:docMk/>
           <pc:sldMk cId="0" sldId="271"/>
         </pc:sldMkLst>
-        <pc:spChg chg="mod">
-          <ac:chgData name="Riccardo Berta" userId="c8694f89-bba4-4576-b0a8-456619ca5a8c" providerId="ADAL" clId="{EA16068D-2F13-CA44-9725-40FC0ECDD9CA}" dt="2023-05-17T10:42:26.636" v="701" actId="403"/>
-          <ac:spMkLst>
+        <pc:picChg chg="add mod">
+          <ac:chgData name="Riccardo Berta" userId="c8694f89-bba4-4576-b0a8-456619ca5a8c" providerId="ADAL" clId="{C2A3F98E-1757-7245-99EC-903D3FFCEC31}" dt="2025-05-21T11:48:55.552" v="197" actId="1076"/>
+          <ac:picMkLst>
             <pc:docMk/>
             <pc:sldMk cId="0" sldId="271"/>
-            <ac:spMk id="189" creationId="{00000000-0000-0000-0000-000000000000}"/>
-          </ac:spMkLst>
-        </pc:spChg>
-        <pc:picChg chg="mod">
-          <ac:chgData name="Riccardo Berta" userId="c8694f89-bba4-4576-b0a8-456619ca5a8c" providerId="ADAL" clId="{EA16068D-2F13-CA44-9725-40FC0ECDD9CA}" dt="2023-05-17T10:39:45.639" v="612" actId="1076"/>
+            <ac:picMk id="2" creationId="{D9CEEF59-247A-BC19-20FA-9C5613DAD3AD}"/>
+          </ac:picMkLst>
+        </pc:picChg>
+        <pc:picChg chg="del">
+          <ac:chgData name="Riccardo Berta" userId="c8694f89-bba4-4576-b0a8-456619ca5a8c" providerId="ADAL" clId="{C2A3F98E-1757-7245-99EC-903D3FFCEC31}" dt="2025-05-21T11:48:46.172" v="192" actId="478"/>
           <ac:picMkLst>
             <pc:docMk/>
             <pc:sldMk cId="0" sldId="271"/>
@@ -908,29 +735,21 @@
           </ac:picMkLst>
         </pc:picChg>
       </pc:sldChg>
-      <pc:sldChg chg="modSp mod">
-        <pc:chgData name="Riccardo Berta" userId="c8694f89-bba4-4576-b0a8-456619ca5a8c" providerId="ADAL" clId="{EA16068D-2F13-CA44-9725-40FC0ECDD9CA}" dt="2023-05-17T10:43:48.517" v="714" actId="404"/>
+      <pc:sldChg chg="delSp mod">
+        <pc:chgData name="Riccardo Berta" userId="c8694f89-bba4-4576-b0a8-456619ca5a8c" providerId="ADAL" clId="{C2A3F98E-1757-7245-99EC-903D3FFCEC31}" dt="2025-05-19T11:33:09.975" v="41" actId="478"/>
         <pc:sldMkLst>
           <pc:docMk/>
-          <pc:sldMk cId="0" sldId="273"/>
+          <pc:sldMk cId="0" sldId="272"/>
         </pc:sldMkLst>
-        <pc:spChg chg="mod">
-          <ac:chgData name="Riccardo Berta" userId="c8694f89-bba4-4576-b0a8-456619ca5a8c" providerId="ADAL" clId="{EA16068D-2F13-CA44-9725-40FC0ECDD9CA}" dt="2023-05-17T10:43:48.517" v="714" actId="404"/>
-          <ac:spMkLst>
-            <pc:docMk/>
-            <pc:sldMk cId="0" sldId="273"/>
-            <ac:spMk id="204" creationId="{00000000-0000-0000-0000-000000000000}"/>
-          </ac:spMkLst>
-        </pc:spChg>
       </pc:sldChg>
       <pc:sldChg chg="modSp mod">
-        <pc:chgData name="Riccardo Berta" userId="c8694f89-bba4-4576-b0a8-456619ca5a8c" providerId="ADAL" clId="{EA16068D-2F13-CA44-9725-40FC0ECDD9CA}" dt="2023-05-17T10:45:01.793" v="722" actId="6549"/>
+        <pc:chgData name="Riccardo Berta" userId="c8694f89-bba4-4576-b0a8-456619ca5a8c" providerId="ADAL" clId="{C2A3F98E-1757-7245-99EC-903D3FFCEC31}" dt="2025-05-19T11:33:23.585" v="42" actId="13926"/>
         <pc:sldMkLst>
           <pc:docMk/>
           <pc:sldMk cId="0" sldId="274"/>
         </pc:sldMkLst>
         <pc:spChg chg="mod">
-          <ac:chgData name="Riccardo Berta" userId="c8694f89-bba4-4576-b0a8-456619ca5a8c" providerId="ADAL" clId="{EA16068D-2F13-CA44-9725-40FC0ECDD9CA}" dt="2023-05-17T10:45:01.793" v="722" actId="6549"/>
+          <ac:chgData name="Riccardo Berta" userId="c8694f89-bba4-4576-b0a8-456619ca5a8c" providerId="ADAL" clId="{C2A3F98E-1757-7245-99EC-903D3FFCEC31}" dt="2025-05-19T11:33:23.585" v="42" actId="13926"/>
           <ac:spMkLst>
             <pc:docMk/>
             <pc:sldMk cId="0" sldId="274"/>
@@ -938,65 +757,146 @@
           </ac:spMkLst>
         </pc:spChg>
       </pc:sldChg>
-      <pc:sldChg chg="modSp mod">
-        <pc:chgData name="Riccardo Berta" userId="c8694f89-bba4-4576-b0a8-456619ca5a8c" providerId="ADAL" clId="{EA16068D-2F13-CA44-9725-40FC0ECDD9CA}" dt="2023-05-17T10:46:21.986" v="755" actId="20577"/>
+      <pc:sldChg chg="addSp delSp modSp mod">
+        <pc:chgData name="Riccardo Berta" userId="c8694f89-bba4-4576-b0a8-456619ca5a8c" providerId="ADAL" clId="{C2A3F98E-1757-7245-99EC-903D3FFCEC31}" dt="2025-05-21T11:54:45.870" v="203" actId="1076"/>
         <pc:sldMkLst>
           <pc:docMk/>
-          <pc:sldMk cId="0" sldId="276"/>
+          <pc:sldMk cId="0" sldId="275"/>
         </pc:sldMkLst>
-        <pc:spChg chg="mod">
-          <ac:chgData name="Riccardo Berta" userId="c8694f89-bba4-4576-b0a8-456619ca5a8c" providerId="ADAL" clId="{EA16068D-2F13-CA44-9725-40FC0ECDD9CA}" dt="2023-05-17T10:46:21.986" v="755" actId="20577"/>
+        <pc:spChg chg="del">
+          <ac:chgData name="Riccardo Berta" userId="c8694f89-bba4-4576-b0a8-456619ca5a8c" providerId="ADAL" clId="{C2A3F98E-1757-7245-99EC-903D3FFCEC31}" dt="2025-05-21T11:52:55.144" v="198" actId="478"/>
           <ac:spMkLst>
             <pc:docMk/>
-            <pc:sldMk cId="0" sldId="276"/>
-            <ac:spMk id="285" creationId="{00000000-0000-0000-0000-000000000000}"/>
+            <pc:sldMk cId="0" sldId="275"/>
+            <ac:spMk id="221" creationId="{00000000-0000-0000-0000-000000000000}"/>
           </ac:spMkLst>
         </pc:spChg>
-      </pc:sldChg>
-      <pc:sldChg chg="modSp mod">
-        <pc:chgData name="Riccardo Berta" userId="c8694f89-bba4-4576-b0a8-456619ca5a8c" providerId="ADAL" clId="{EA16068D-2F13-CA44-9725-40FC0ECDD9CA}" dt="2023-05-17T10:46:53.436" v="768" actId="20577"/>
-        <pc:sldMkLst>
-          <pc:docMk/>
-          <pc:sldMk cId="0" sldId="277"/>
-        </pc:sldMkLst>
-        <pc:spChg chg="mod">
-          <ac:chgData name="Riccardo Berta" userId="c8694f89-bba4-4576-b0a8-456619ca5a8c" providerId="ADAL" clId="{EA16068D-2F13-CA44-9725-40FC0ECDD9CA}" dt="2023-05-17T10:46:53.436" v="768" actId="20577"/>
+        <pc:spChg chg="del">
+          <ac:chgData name="Riccardo Berta" userId="c8694f89-bba4-4576-b0a8-456619ca5a8c" providerId="ADAL" clId="{C2A3F98E-1757-7245-99EC-903D3FFCEC31}" dt="2025-05-21T11:52:55.144" v="198" actId="478"/>
           <ac:spMkLst>
             <pc:docMk/>
-            <pc:sldMk cId="0" sldId="277"/>
-            <ac:spMk id="291" creationId="{00000000-0000-0000-0000-000000000000}"/>
+            <pc:sldMk cId="0" sldId="275"/>
+            <ac:spMk id="226" creationId="{00000000-0000-0000-0000-000000000000}"/>
           </ac:spMkLst>
         </pc:spChg>
+        <pc:spChg chg="del">
+          <ac:chgData name="Riccardo Berta" userId="c8694f89-bba4-4576-b0a8-456619ca5a8c" providerId="ADAL" clId="{C2A3F98E-1757-7245-99EC-903D3FFCEC31}" dt="2025-05-21T11:52:55.144" v="198" actId="478"/>
+          <ac:spMkLst>
+            <pc:docMk/>
+            <pc:sldMk cId="0" sldId="275"/>
+            <ac:spMk id="227" creationId="{00000000-0000-0000-0000-000000000000}"/>
+          </ac:spMkLst>
+        </pc:spChg>
+        <pc:spChg chg="del">
+          <ac:chgData name="Riccardo Berta" userId="c8694f89-bba4-4576-b0a8-456619ca5a8c" providerId="ADAL" clId="{C2A3F98E-1757-7245-99EC-903D3FFCEC31}" dt="2025-05-21T11:52:55.144" v="198" actId="478"/>
+          <ac:spMkLst>
+            <pc:docMk/>
+            <pc:sldMk cId="0" sldId="275"/>
+            <ac:spMk id="229" creationId="{00000000-0000-0000-0000-000000000000}"/>
+          </ac:spMkLst>
+        </pc:spChg>
+        <pc:spChg chg="del">
+          <ac:chgData name="Riccardo Berta" userId="c8694f89-bba4-4576-b0a8-456619ca5a8c" providerId="ADAL" clId="{C2A3F98E-1757-7245-99EC-903D3FFCEC31}" dt="2025-05-21T11:52:55.144" v="198" actId="478"/>
+          <ac:spMkLst>
+            <pc:docMk/>
+            <pc:sldMk cId="0" sldId="275"/>
+            <ac:spMk id="231" creationId="{00000000-0000-0000-0000-000000000000}"/>
+          </ac:spMkLst>
+        </pc:spChg>
+        <pc:spChg chg="del">
+          <ac:chgData name="Riccardo Berta" userId="c8694f89-bba4-4576-b0a8-456619ca5a8c" providerId="ADAL" clId="{C2A3F98E-1757-7245-99EC-903D3FFCEC31}" dt="2025-05-21T11:52:55.144" v="198" actId="478"/>
+          <ac:spMkLst>
+            <pc:docMk/>
+            <pc:sldMk cId="0" sldId="275"/>
+            <ac:spMk id="234" creationId="{00000000-0000-0000-0000-000000000000}"/>
+          </ac:spMkLst>
+        </pc:spChg>
+        <pc:spChg chg="del">
+          <ac:chgData name="Riccardo Berta" userId="c8694f89-bba4-4576-b0a8-456619ca5a8c" providerId="ADAL" clId="{C2A3F98E-1757-7245-99EC-903D3FFCEC31}" dt="2025-05-21T11:52:58.998" v="199" actId="478"/>
+          <ac:spMkLst>
+            <pc:docMk/>
+            <pc:sldMk cId="0" sldId="275"/>
+            <ac:spMk id="243" creationId="{00000000-0000-0000-0000-000000000000}"/>
+          </ac:spMkLst>
+        </pc:spChg>
+        <pc:spChg chg="del">
+          <ac:chgData name="Riccardo Berta" userId="c8694f89-bba4-4576-b0a8-456619ca5a8c" providerId="ADAL" clId="{C2A3F98E-1757-7245-99EC-903D3FFCEC31}" dt="2025-05-21T11:52:55.144" v="198" actId="478"/>
+          <ac:spMkLst>
+            <pc:docMk/>
+            <pc:sldMk cId="0" sldId="275"/>
+            <ac:spMk id="244" creationId="{00000000-0000-0000-0000-000000000000}"/>
+          </ac:spMkLst>
+        </pc:spChg>
+        <pc:spChg chg="del">
+          <ac:chgData name="Riccardo Berta" userId="c8694f89-bba4-4576-b0a8-456619ca5a8c" providerId="ADAL" clId="{C2A3F98E-1757-7245-99EC-903D3FFCEC31}" dt="2025-05-21T11:52:55.144" v="198" actId="478"/>
+          <ac:spMkLst>
+            <pc:docMk/>
+            <pc:sldMk cId="0" sldId="275"/>
+            <ac:spMk id="258" creationId="{00000000-0000-0000-0000-000000000000}"/>
+          </ac:spMkLst>
+        </pc:spChg>
+        <pc:spChg chg="del">
+          <ac:chgData name="Riccardo Berta" userId="c8694f89-bba4-4576-b0a8-456619ca5a8c" providerId="ADAL" clId="{C2A3F98E-1757-7245-99EC-903D3FFCEC31}" dt="2025-05-21T11:52:55.144" v="198" actId="478"/>
+          <ac:spMkLst>
+            <pc:docMk/>
+            <pc:sldMk cId="0" sldId="275"/>
+            <ac:spMk id="259" creationId="{00000000-0000-0000-0000-000000000000}"/>
+          </ac:spMkLst>
+        </pc:spChg>
+        <pc:spChg chg="del">
+          <ac:chgData name="Riccardo Berta" userId="c8694f89-bba4-4576-b0a8-456619ca5a8c" providerId="ADAL" clId="{C2A3F98E-1757-7245-99EC-903D3FFCEC31}" dt="2025-05-21T11:52:55.144" v="198" actId="478"/>
+          <ac:spMkLst>
+            <pc:docMk/>
+            <pc:sldMk cId="0" sldId="275"/>
+            <ac:spMk id="262" creationId="{00000000-0000-0000-0000-000000000000}"/>
+          </ac:spMkLst>
+        </pc:spChg>
+        <pc:spChg chg="del">
+          <ac:chgData name="Riccardo Berta" userId="c8694f89-bba4-4576-b0a8-456619ca5a8c" providerId="ADAL" clId="{C2A3F98E-1757-7245-99EC-903D3FFCEC31}" dt="2025-05-21T11:52:58.998" v="199" actId="478"/>
+          <ac:spMkLst>
+            <pc:docMk/>
+            <pc:sldMk cId="0" sldId="275"/>
+            <ac:spMk id="275" creationId="{00000000-0000-0000-0000-000000000000}"/>
+          </ac:spMkLst>
+        </pc:spChg>
+        <pc:spChg chg="del">
+          <ac:chgData name="Riccardo Berta" userId="c8694f89-bba4-4576-b0a8-456619ca5a8c" providerId="ADAL" clId="{C2A3F98E-1757-7245-99EC-903D3FFCEC31}" dt="2025-05-21T11:52:58.998" v="199" actId="478"/>
+          <ac:spMkLst>
+            <pc:docMk/>
+            <pc:sldMk cId="0" sldId="275"/>
+            <ac:spMk id="278" creationId="{00000000-0000-0000-0000-000000000000}"/>
+          </ac:spMkLst>
+        </pc:spChg>
+        <pc:picChg chg="add mod">
+          <ac:chgData name="Riccardo Berta" userId="c8694f89-bba4-4576-b0a8-456619ca5a8c" providerId="ADAL" clId="{C2A3F98E-1757-7245-99EC-903D3FFCEC31}" dt="2025-05-21T11:54:45.870" v="203" actId="1076"/>
+          <ac:picMkLst>
+            <pc:docMk/>
+            <pc:sldMk cId="0" sldId="275"/>
+            <ac:picMk id="2" creationId="{24269095-D570-C41B-138B-EB727F93722A}"/>
+          </ac:picMkLst>
+        </pc:picChg>
+        <pc:cxnChg chg="del mod">
+          <ac:chgData name="Riccardo Berta" userId="c8694f89-bba4-4576-b0a8-456619ca5a8c" providerId="ADAL" clId="{C2A3F98E-1757-7245-99EC-903D3FFCEC31}" dt="2025-05-21T11:52:58.998" v="199" actId="478"/>
+          <ac:cxnSpMkLst>
+            <pc:docMk/>
+            <pc:sldMk cId="0" sldId="275"/>
+            <ac:cxnSpMk id="279" creationId="{00000000-0000-0000-0000-000000000000}"/>
+          </ac:cxnSpMkLst>
+        </pc:cxnChg>
       </pc:sldChg>
-      <pc:sldChg chg="modSp mod">
-        <pc:chgData name="Riccardo Berta" userId="c8694f89-bba4-4576-b0a8-456619ca5a8c" providerId="ADAL" clId="{EA16068D-2F13-CA44-9725-40FC0ECDD9CA}" dt="2023-05-17T10:47:21.375" v="771" actId="20577"/>
+      <pc:sldChg chg="del">
+        <pc:chgData name="Riccardo Berta" userId="c8694f89-bba4-4576-b0a8-456619ca5a8c" providerId="ADAL" clId="{C2A3F98E-1757-7245-99EC-903D3FFCEC31}" dt="2025-05-20T14:52:45.752" v="187" actId="2696"/>
         <pc:sldMkLst>
           <pc:docMk/>
           <pc:sldMk cId="0" sldId="278"/>
         </pc:sldMkLst>
-        <pc:spChg chg="mod">
-          <ac:chgData name="Riccardo Berta" userId="c8694f89-bba4-4576-b0a8-456619ca5a8c" providerId="ADAL" clId="{EA16068D-2F13-CA44-9725-40FC0ECDD9CA}" dt="2023-05-17T10:47:21.375" v="771" actId="20577"/>
-          <ac:spMkLst>
-            <pc:docMk/>
-            <pc:sldMk cId="0" sldId="278"/>
-            <ac:spMk id="297" creationId="{00000000-0000-0000-0000-000000000000}"/>
-          </ac:spMkLst>
-        </pc:spChg>
       </pc:sldChg>
-      <pc:sldChg chg="modSp mod">
-        <pc:chgData name="Riccardo Berta" userId="c8694f89-bba4-4576-b0a8-456619ca5a8c" providerId="ADAL" clId="{EA16068D-2F13-CA44-9725-40FC0ECDD9CA}" dt="2023-05-11T11:51:42.467" v="114"/>
+      <pc:sldChg chg="new del">
+        <pc:chgData name="Riccardo Berta" userId="c8694f89-bba4-4576-b0a8-456619ca5a8c" providerId="ADAL" clId="{C2A3F98E-1757-7245-99EC-903D3FFCEC31}" dt="2025-05-20T14:53:33.553" v="189" actId="680"/>
         <pc:sldMkLst>
           <pc:docMk/>
-          <pc:sldMk cId="0" sldId="279"/>
+          <pc:sldMk cId="3170508535" sldId="280"/>
         </pc:sldMkLst>
-        <pc:spChg chg="mod">
-          <ac:chgData name="Riccardo Berta" userId="c8694f89-bba4-4576-b0a8-456619ca5a8c" providerId="ADAL" clId="{EA16068D-2F13-CA44-9725-40FC0ECDD9CA}" dt="2023-05-11T11:51:42.467" v="114"/>
-          <ac:spMkLst>
-            <pc:docMk/>
-            <pc:sldMk cId="0" sldId="279"/>
-            <ac:spMk id="303" creationId="{00000000-0000-0000-0000-000000000000}"/>
-          </ac:spMkLst>
-        </pc:spChg>
       </pc:sldChg>
     </pc:docChg>
   </pc:docChgLst>
@@ -1473,7 +1373,7 @@
         </p:nvSpPr>
         <p:spPr>
           <a:xfrm>
-            <a:off x="1143309" y="685800"/>
+            <a:off x="1143000" y="685800"/>
             <a:ext cx="4572000" cy="3429000"/>
           </a:xfrm>
           <a:custGeom>
@@ -1761,6 +1661,110 @@
   <p:cSld>
     <p:spTree>
       <p:nvGrpSpPr>
+        <p:cNvPr id="1" name="Shape 170"/>
+        <p:cNvGrpSpPr/>
+        <p:nvPr/>
+      </p:nvGrpSpPr>
+      <p:grpSpPr>
+        <a:xfrm>
+          <a:off x="0" y="0"/>
+          <a:ext cx="0" cy="0"/>
+          <a:chOff x="0" y="0"/>
+          <a:chExt cx="0" cy="0"/>
+        </a:xfrm>
+      </p:grpSpPr>
+      <p:sp>
+        <p:nvSpPr>
+          <p:cNvPr id="171" name="Google Shape;171;g11d013a7736d5df1_47:notes"/>
+          <p:cNvSpPr>
+            <a:spLocks noGrp="1" noRot="1" noChangeAspect="1"/>
+          </p:cNvSpPr>
+          <p:nvPr>
+            <p:ph type="sldImg" idx="2"/>
+          </p:nvPr>
+        </p:nvSpPr>
+        <p:spPr>
+          <a:xfrm>
+            <a:off x="1143000" y="685800"/>
+            <a:ext cx="4572000" cy="3429000"/>
+          </a:xfrm>
+          <a:custGeom>
+            <a:avLst/>
+            <a:gdLst/>
+            <a:ahLst/>
+            <a:cxnLst/>
+            <a:rect l="l" t="t" r="r" b="b"/>
+            <a:pathLst>
+              <a:path w="120000" h="120000" extrusionOk="0">
+                <a:moveTo>
+                  <a:pt x="0" y="0"/>
+                </a:moveTo>
+                <a:lnTo>
+                  <a:pt x="120000" y="0"/>
+                </a:lnTo>
+                <a:lnTo>
+                  <a:pt x="120000" y="120000"/>
+                </a:lnTo>
+                <a:lnTo>
+                  <a:pt x="0" y="120000"/>
+                </a:lnTo>
+                <a:close/>
+              </a:path>
+            </a:pathLst>
+          </a:custGeom>
+        </p:spPr>
+      </p:sp>
+      <p:sp>
+        <p:nvSpPr>
+          <p:cNvPr id="172" name="Google Shape;172;g11d013a7736d5df1_47:notes"/>
+          <p:cNvSpPr txBox="1">
+            <a:spLocks noGrp="1"/>
+          </p:cNvSpPr>
+          <p:nvPr>
+            <p:ph type="body" idx="1"/>
+          </p:nvPr>
+        </p:nvSpPr>
+        <p:spPr>
+          <a:xfrm>
+            <a:off x="685800" y="4343400"/>
+            <a:ext cx="5486400" cy="4114800"/>
+          </a:xfrm>
+          <a:prstGeom prst="rect">
+            <a:avLst/>
+          </a:prstGeom>
+        </p:spPr>
+        <p:txBody>
+          <a:bodyPr spcFirstLastPara="1" wrap="square" lIns="91425" tIns="91425" rIns="91425" bIns="91425" anchor="t" anchorCtr="0">
+            <a:noAutofit/>
+          </a:bodyPr>
+          <a:lstStyle/>
+          <a:p>
+            <a:pPr marL="0" lvl="0" indent="0" algn="l" rtl="0">
+              <a:spcBef>
+                <a:spcPts val="0"/>
+              </a:spcBef>
+              <a:spcAft>
+                <a:spcPts val="0"/>
+              </a:spcAft>
+              <a:buNone/>
+            </a:pPr>
+            <a:endParaRPr/>
+          </a:p>
+        </p:txBody>
+      </p:sp>
+    </p:spTree>
+  </p:cSld>
+  <p:clrMapOvr>
+    <a:masterClrMapping/>
+  </p:clrMapOvr>
+</p:notes>
+</file>
+
+<file path=ppt/notesSlides/notesSlide13.xml><?xml version="1.0" encoding="utf-8"?>
+<p:notes xmlns:a="http://schemas.openxmlformats.org/drawingml/2006/main" xmlns:r="http://schemas.openxmlformats.org/officeDocument/2006/relationships" xmlns:p="http://schemas.openxmlformats.org/presentationml/2006/main" showMasterSp="0" showMasterPhAnim="0">
+  <p:cSld>
+    <p:spTree>
+      <p:nvGrpSpPr>
         <p:cNvPr id="1" name="Shape 162"/>
         <p:cNvGrpSpPr/>
         <p:nvPr/>
@@ -1817,110 +1821,6 @@
       <p:sp>
         <p:nvSpPr>
           <p:cNvPr id="164" name="Google Shape;164;g11d013a7736d5df1_27:notes"/>
-          <p:cNvSpPr txBox="1">
-            <a:spLocks noGrp="1"/>
-          </p:cNvSpPr>
-          <p:nvPr>
-            <p:ph type="body" idx="1"/>
-          </p:nvPr>
-        </p:nvSpPr>
-        <p:spPr>
-          <a:xfrm>
-            <a:off x="685800" y="4343400"/>
-            <a:ext cx="5486400" cy="4114800"/>
-          </a:xfrm>
-          <a:prstGeom prst="rect">
-            <a:avLst/>
-          </a:prstGeom>
-        </p:spPr>
-        <p:txBody>
-          <a:bodyPr spcFirstLastPara="1" wrap="square" lIns="91425" tIns="91425" rIns="91425" bIns="91425" anchor="t" anchorCtr="0">
-            <a:noAutofit/>
-          </a:bodyPr>
-          <a:lstStyle/>
-          <a:p>
-            <a:pPr marL="0" lvl="0" indent="0" algn="l" rtl="0">
-              <a:spcBef>
-                <a:spcPts val="0"/>
-              </a:spcBef>
-              <a:spcAft>
-                <a:spcPts val="0"/>
-              </a:spcAft>
-              <a:buNone/>
-            </a:pPr>
-            <a:endParaRPr/>
-          </a:p>
-        </p:txBody>
-      </p:sp>
-    </p:spTree>
-  </p:cSld>
-  <p:clrMapOvr>
-    <a:masterClrMapping/>
-  </p:clrMapOvr>
-</p:notes>
-</file>
-
-<file path=ppt/notesSlides/notesSlide13.xml><?xml version="1.0" encoding="utf-8"?>
-<p:notes xmlns:a="http://schemas.openxmlformats.org/drawingml/2006/main" xmlns:r="http://schemas.openxmlformats.org/officeDocument/2006/relationships" xmlns:p="http://schemas.openxmlformats.org/presentationml/2006/main" showMasterSp="0" showMasterPhAnim="0">
-  <p:cSld>
-    <p:spTree>
-      <p:nvGrpSpPr>
-        <p:cNvPr id="1" name="Shape 170"/>
-        <p:cNvGrpSpPr/>
-        <p:nvPr/>
-      </p:nvGrpSpPr>
-      <p:grpSpPr>
-        <a:xfrm>
-          <a:off x="0" y="0"/>
-          <a:ext cx="0" cy="0"/>
-          <a:chOff x="0" y="0"/>
-          <a:chExt cx="0" cy="0"/>
-        </a:xfrm>
-      </p:grpSpPr>
-      <p:sp>
-        <p:nvSpPr>
-          <p:cNvPr id="171" name="Google Shape;171;g11d013a7736d5df1_47:notes"/>
-          <p:cNvSpPr>
-            <a:spLocks noGrp="1" noRot="1" noChangeAspect="1"/>
-          </p:cNvSpPr>
-          <p:nvPr>
-            <p:ph type="sldImg" idx="2"/>
-          </p:nvPr>
-        </p:nvSpPr>
-        <p:spPr>
-          <a:xfrm>
-            <a:off x="1143000" y="685800"/>
-            <a:ext cx="4572000" cy="3429000"/>
-          </a:xfrm>
-          <a:custGeom>
-            <a:avLst/>
-            <a:gdLst/>
-            <a:ahLst/>
-            <a:cxnLst/>
-            <a:rect l="l" t="t" r="r" b="b"/>
-            <a:pathLst>
-              <a:path w="120000" h="120000" extrusionOk="0">
-                <a:moveTo>
-                  <a:pt x="0" y="0"/>
-                </a:moveTo>
-                <a:lnTo>
-                  <a:pt x="120000" y="0"/>
-                </a:lnTo>
-                <a:lnTo>
-                  <a:pt x="120000" y="120000"/>
-                </a:lnTo>
-                <a:lnTo>
-                  <a:pt x="0" y="120000"/>
-                </a:lnTo>
-                <a:close/>
-              </a:path>
-            </a:pathLst>
-          </a:custGeom>
-        </p:spPr>
-      </p:sp>
-      <p:sp>
-        <p:nvSpPr>
-          <p:cNvPr id="172" name="Google Shape;172;g11d013a7736d5df1_47:notes"/>
           <p:cNvSpPr txBox="1">
             <a:spLocks noGrp="1"/>
           </p:cNvSpPr>
@@ -2201,7 +2101,7 @@
         </p:nvSpPr>
         <p:spPr>
           <a:xfrm>
-            <a:off x="1143309" y="685800"/>
+            <a:off x="1143000" y="685800"/>
             <a:ext cx="4572000" cy="3429000"/>
           </a:xfrm>
           <a:custGeom>
@@ -2617,7 +2517,7 @@
         </p:nvSpPr>
         <p:spPr>
           <a:xfrm>
-            <a:off x="1143309" y="685800"/>
+            <a:off x="1143000" y="685800"/>
             <a:ext cx="4572000" cy="3429000"/>
           </a:xfrm>
           <a:custGeom>
@@ -2901,110 +2801,6 @@
 </file>
 
 <file path=ppt/notesSlides/notesSlide22.xml><?xml version="1.0" encoding="utf-8"?>
-<p:notes xmlns:a="http://schemas.openxmlformats.org/drawingml/2006/main" xmlns:r="http://schemas.openxmlformats.org/officeDocument/2006/relationships" xmlns:p="http://schemas.openxmlformats.org/presentationml/2006/main" showMasterSp="0" showMasterPhAnim="0">
-  <p:cSld>
-    <p:spTree>
-      <p:nvGrpSpPr>
-        <p:cNvPr id="1" name="Shape 292"/>
-        <p:cNvGrpSpPr/>
-        <p:nvPr/>
-      </p:nvGrpSpPr>
-      <p:grpSpPr>
-        <a:xfrm>
-          <a:off x="0" y="0"/>
-          <a:ext cx="0" cy="0"/>
-          <a:chOff x="0" y="0"/>
-          <a:chExt cx="0" cy="0"/>
-        </a:xfrm>
-      </p:grpSpPr>
-      <p:sp>
-        <p:nvSpPr>
-          <p:cNvPr id="293" name="Google Shape;293;g59f695d65e_0_16:notes"/>
-          <p:cNvSpPr>
-            <a:spLocks noGrp="1" noRot="1" noChangeAspect="1"/>
-          </p:cNvSpPr>
-          <p:nvPr>
-            <p:ph type="sldImg" idx="2"/>
-          </p:nvPr>
-        </p:nvSpPr>
-        <p:spPr>
-          <a:xfrm>
-            <a:off x="1143000" y="685800"/>
-            <a:ext cx="4572000" cy="3429000"/>
-          </a:xfrm>
-          <a:custGeom>
-            <a:avLst/>
-            <a:gdLst/>
-            <a:ahLst/>
-            <a:cxnLst/>
-            <a:rect l="l" t="t" r="r" b="b"/>
-            <a:pathLst>
-              <a:path w="120000" h="120000" extrusionOk="0">
-                <a:moveTo>
-                  <a:pt x="0" y="0"/>
-                </a:moveTo>
-                <a:lnTo>
-                  <a:pt x="120000" y="0"/>
-                </a:lnTo>
-                <a:lnTo>
-                  <a:pt x="120000" y="120000"/>
-                </a:lnTo>
-                <a:lnTo>
-                  <a:pt x="0" y="120000"/>
-                </a:lnTo>
-                <a:close/>
-              </a:path>
-            </a:pathLst>
-          </a:custGeom>
-        </p:spPr>
-      </p:sp>
-      <p:sp>
-        <p:nvSpPr>
-          <p:cNvPr id="294" name="Google Shape;294;g59f695d65e_0_16:notes"/>
-          <p:cNvSpPr txBox="1">
-            <a:spLocks noGrp="1"/>
-          </p:cNvSpPr>
-          <p:nvPr>
-            <p:ph type="body" idx="1"/>
-          </p:nvPr>
-        </p:nvSpPr>
-        <p:spPr>
-          <a:xfrm>
-            <a:off x="685800" y="4343400"/>
-            <a:ext cx="5486400" cy="4114800"/>
-          </a:xfrm>
-          <a:prstGeom prst="rect">
-            <a:avLst/>
-          </a:prstGeom>
-        </p:spPr>
-        <p:txBody>
-          <a:bodyPr spcFirstLastPara="1" wrap="square" lIns="91425" tIns="91425" rIns="91425" bIns="91425" anchor="t" anchorCtr="0">
-            <a:noAutofit/>
-          </a:bodyPr>
-          <a:lstStyle/>
-          <a:p>
-            <a:pPr marL="0" lvl="0" indent="0" algn="l" rtl="0">
-              <a:spcBef>
-                <a:spcPts val="0"/>
-              </a:spcBef>
-              <a:spcAft>
-                <a:spcPts val="0"/>
-              </a:spcAft>
-              <a:buNone/>
-            </a:pPr>
-            <a:endParaRPr/>
-          </a:p>
-        </p:txBody>
-      </p:sp>
-    </p:spTree>
-  </p:cSld>
-  <p:clrMapOvr>
-    <a:masterClrMapping/>
-  </p:clrMapOvr>
-</p:notes>
-</file>
-
-<file path=ppt/notesSlides/notesSlide23.xml><?xml version="1.0" encoding="utf-8"?>
 <p:notes xmlns:a="http://schemas.openxmlformats.org/drawingml/2006/main" xmlns:r="http://schemas.openxmlformats.org/officeDocument/2006/relationships" xmlns:p="http://schemas.openxmlformats.org/presentationml/2006/main" showMasterSp="0" showMasterPhAnim="0">
   <p:cSld>
     <p:spTree>
@@ -9465,426 +9261,36 @@
           </a:p>
         </p:txBody>
       </p:sp>
-      <p:grpSp>
-        <p:nvGrpSpPr>
-          <p:cNvPr id="64" name="Google Shape;64;p13"/>
-          <p:cNvGrpSpPr/>
+      <p:pic>
+        <p:nvPicPr>
+          <p:cNvPr id="2" name="Immagine 1" descr="Immagine che contiene diagramma, Piano, schermata&#10;&#10;Il contenuto generato dall'IA potrebbe non essere corretto.">
+            <a:extLst>
+              <a:ext uri="{FF2B5EF4-FFF2-40B4-BE49-F238E27FC236}">
+                <a16:creationId xmlns:a16="http://schemas.microsoft.com/office/drawing/2014/main" id="{C9C945F5-3473-F33C-274F-F000E45E5C56}"/>
+              </a:ext>
+            </a:extLst>
+          </p:cNvPr>
+          <p:cNvPicPr>
+            <a:picLocks noChangeAspect="1"/>
+          </p:cNvPicPr>
           <p:nvPr/>
-        </p:nvGrpSpPr>
-        <p:grpSpPr>
+        </p:nvPicPr>
+        <p:blipFill>
+          <a:blip r:embed="rId3"/>
+          <a:stretch>
+            <a:fillRect/>
+          </a:stretch>
+        </p:blipFill>
+        <p:spPr>
           <a:xfrm>
-            <a:off x="4991502" y="202216"/>
-            <a:ext cx="3988156" cy="1681357"/>
-            <a:chOff x="596595" y="1681625"/>
-            <a:chExt cx="7590704" cy="3377576"/>
+            <a:off x="4858129" y="224198"/>
+            <a:ext cx="4040128" cy="1857600"/>
           </a:xfrm>
-        </p:grpSpPr>
-        <p:pic>
-          <p:nvPicPr>
-            <p:cNvPr id="65" name="Google Shape;65;p13"/>
-            <p:cNvPicPr preferRelativeResize="0"/>
-            <p:nvPr/>
-          </p:nvPicPr>
-          <p:blipFill>
-            <a:blip r:embed="rId3">
-              <a:alphaModFix/>
-            </a:blip>
-            <a:stretch>
-              <a:fillRect/>
-            </a:stretch>
-          </p:blipFill>
-          <p:spPr>
-            <a:xfrm>
-              <a:off x="4713500" y="3485357"/>
-              <a:ext cx="1051800" cy="715218"/>
-            </a:xfrm>
-            <a:prstGeom prst="rect">
-              <a:avLst/>
-            </a:prstGeom>
-            <a:noFill/>
-            <a:ln>
-              <a:noFill/>
-            </a:ln>
-          </p:spPr>
-        </p:pic>
-        <p:sp>
-          <p:nvSpPr>
-            <p:cNvPr id="66" name="Google Shape;66;p13"/>
-            <p:cNvSpPr/>
-            <p:nvPr/>
-          </p:nvSpPr>
-          <p:spPr>
-            <a:xfrm>
-              <a:off x="1929869" y="3438494"/>
-              <a:ext cx="2529576" cy="1548504"/>
-            </a:xfrm>
-            <a:prstGeom prst="cloud">
-              <a:avLst/>
-            </a:prstGeom>
-            <a:noFill/>
-            <a:ln w="9525" cap="flat" cmpd="sng">
-              <a:solidFill>
-                <a:srgbClr val="B7B7B7"/>
-              </a:solidFill>
-              <a:prstDash val="solid"/>
-              <a:round/>
-              <a:headEnd type="none" w="sm" len="sm"/>
-              <a:tailEnd type="none" w="sm" len="sm"/>
-            </a:ln>
-          </p:spPr>
-          <p:txBody>
-            <a:bodyPr spcFirstLastPara="1" wrap="square" lIns="91425" tIns="91425" rIns="91425" bIns="91425" anchor="ctr" anchorCtr="0">
-              <a:noAutofit/>
-            </a:bodyPr>
-            <a:lstStyle/>
-            <a:p>
-              <a:pPr marL="0" lvl="0" indent="0" algn="l" rtl="0">
-                <a:spcBef>
-                  <a:spcPts val="0"/>
-                </a:spcBef>
-                <a:spcAft>
-                  <a:spcPts val="0"/>
-                </a:spcAft>
-                <a:buNone/>
-              </a:pPr>
-              <a:endParaRPr/>
-            </a:p>
-          </p:txBody>
-        </p:sp>
-        <p:cxnSp>
-          <p:nvCxnSpPr>
-            <p:cNvPr id="67" name="Google Shape;67;p13"/>
-            <p:cNvCxnSpPr>
-              <a:stCxn id="68" idx="3"/>
-            </p:cNvCxnSpPr>
-            <p:nvPr/>
-          </p:nvCxnSpPr>
-          <p:spPr>
-            <a:xfrm>
-              <a:off x="1937776" y="3426272"/>
-              <a:ext cx="427200" cy="237900"/>
-            </a:xfrm>
-            <a:prstGeom prst="straightConnector1">
-              <a:avLst/>
-            </a:prstGeom>
-            <a:noFill/>
-            <a:ln w="9525" cap="flat" cmpd="sng">
-              <a:solidFill>
-                <a:srgbClr val="B7B7B7"/>
-              </a:solidFill>
-              <a:prstDash val="solid"/>
-              <a:round/>
-              <a:headEnd type="none" w="med" len="med"/>
-              <a:tailEnd type="none" w="med" len="med"/>
-            </a:ln>
-          </p:spPr>
-        </p:cxnSp>
-        <p:pic>
-          <p:nvPicPr>
-            <p:cNvPr id="68" name="Google Shape;68;p13"/>
-            <p:cNvPicPr preferRelativeResize="0"/>
-            <p:nvPr/>
-          </p:nvPicPr>
-          <p:blipFill>
-            <a:blip r:embed="rId4">
-              <a:alphaModFix/>
-            </a:blip>
-            <a:stretch>
-              <a:fillRect/>
-            </a:stretch>
-          </p:blipFill>
-          <p:spPr>
-            <a:xfrm>
-              <a:off x="596595" y="2978971"/>
-              <a:ext cx="1341180" cy="894600"/>
-            </a:xfrm>
-            <a:prstGeom prst="rect">
-              <a:avLst/>
-            </a:prstGeom>
-            <a:noFill/>
-            <a:ln>
-              <a:noFill/>
-            </a:ln>
-          </p:spPr>
-        </p:pic>
-        <p:pic>
-          <p:nvPicPr>
-            <p:cNvPr id="69" name="Google Shape;69;p13"/>
-            <p:cNvPicPr preferRelativeResize="0"/>
-            <p:nvPr/>
-          </p:nvPicPr>
-          <p:blipFill>
-            <a:blip r:embed="rId5">
-              <a:alphaModFix/>
-            </a:blip>
-            <a:stretch>
-              <a:fillRect/>
-            </a:stretch>
-          </p:blipFill>
-          <p:spPr>
-            <a:xfrm>
-              <a:off x="2369970" y="1681625"/>
-              <a:ext cx="921151" cy="772450"/>
-            </a:xfrm>
-            <a:prstGeom prst="rect">
-              <a:avLst/>
-            </a:prstGeom>
-            <a:noFill/>
-            <a:ln>
-              <a:noFill/>
-            </a:ln>
-          </p:spPr>
-        </p:pic>
-        <p:cxnSp>
-          <p:nvCxnSpPr>
-            <p:cNvPr id="70" name="Google Shape;70;p13"/>
-            <p:cNvCxnSpPr>
-              <a:stCxn id="69" idx="2"/>
-              <a:endCxn id="66" idx="3"/>
-            </p:cNvCxnSpPr>
-            <p:nvPr/>
-          </p:nvCxnSpPr>
-          <p:spPr>
-            <a:xfrm>
-              <a:off x="2830546" y="2454075"/>
-              <a:ext cx="364200" cy="1073100"/>
-            </a:xfrm>
-            <a:prstGeom prst="straightConnector1">
-              <a:avLst/>
-            </a:prstGeom>
-            <a:noFill/>
-            <a:ln w="9525" cap="flat" cmpd="sng">
-              <a:solidFill>
-                <a:srgbClr val="B7B7B7"/>
-              </a:solidFill>
-              <a:prstDash val="solid"/>
-              <a:round/>
-              <a:headEnd type="none" w="med" len="med"/>
-              <a:tailEnd type="none" w="med" len="med"/>
-            </a:ln>
-          </p:spPr>
-        </p:cxnSp>
-        <p:pic>
-          <p:nvPicPr>
-            <p:cNvPr id="71" name="Google Shape;71;p13"/>
-            <p:cNvPicPr preferRelativeResize="0"/>
-            <p:nvPr/>
-          </p:nvPicPr>
-          <p:blipFill rotWithShape="1">
-            <a:blip r:embed="rId6">
-              <a:alphaModFix/>
-            </a:blip>
-            <a:srcRect l="7526" t="9500" r="8376" b="35009"/>
-            <a:stretch/>
-          </p:blipFill>
-          <p:spPr>
-            <a:xfrm rot="5400000">
-              <a:off x="6395675" y="3267576"/>
-              <a:ext cx="2271976" cy="1311275"/>
-            </a:xfrm>
-            <a:prstGeom prst="rect">
-              <a:avLst/>
-            </a:prstGeom>
-            <a:noFill/>
-            <a:ln>
-              <a:noFill/>
-            </a:ln>
-          </p:spPr>
-        </p:pic>
-        <p:pic>
-          <p:nvPicPr>
-            <p:cNvPr id="72" name="Google Shape;72;p13"/>
-            <p:cNvPicPr preferRelativeResize="0"/>
-            <p:nvPr/>
-          </p:nvPicPr>
-          <p:blipFill>
-            <a:blip r:embed="rId7">
-              <a:alphaModFix/>
-            </a:blip>
-            <a:stretch>
-              <a:fillRect/>
-            </a:stretch>
-          </p:blipFill>
-          <p:spPr>
-            <a:xfrm>
-              <a:off x="6085380" y="3787000"/>
-              <a:ext cx="504057" cy="325200"/>
-            </a:xfrm>
-            <a:prstGeom prst="rect">
-              <a:avLst/>
-            </a:prstGeom>
-            <a:noFill/>
-            <a:ln>
-              <a:noFill/>
-            </a:ln>
-          </p:spPr>
-        </p:pic>
-        <p:cxnSp>
-          <p:nvCxnSpPr>
-            <p:cNvPr id="73" name="Google Shape;73;p13"/>
-            <p:cNvCxnSpPr/>
-            <p:nvPr/>
-          </p:nvCxnSpPr>
-          <p:spPr>
-            <a:xfrm>
-              <a:off x="4459430" y="3920656"/>
-              <a:ext cx="254100" cy="5100"/>
-            </a:xfrm>
-            <a:prstGeom prst="straightConnector1">
-              <a:avLst/>
-            </a:prstGeom>
-            <a:noFill/>
-            <a:ln w="9525" cap="flat" cmpd="sng">
-              <a:solidFill>
-                <a:srgbClr val="B7B7B7"/>
-              </a:solidFill>
-              <a:prstDash val="solid"/>
-              <a:round/>
-              <a:headEnd type="none" w="med" len="med"/>
-              <a:tailEnd type="none" w="med" len="med"/>
-            </a:ln>
-          </p:spPr>
-        </p:cxnSp>
-        <p:cxnSp>
-          <p:nvCxnSpPr>
-            <p:cNvPr id="74" name="Google Shape;74;p13"/>
-            <p:cNvCxnSpPr/>
-            <p:nvPr/>
-          </p:nvCxnSpPr>
-          <p:spPr>
-            <a:xfrm>
-              <a:off x="5765300" y="3919166"/>
-              <a:ext cx="365400" cy="8100"/>
-            </a:xfrm>
-            <a:prstGeom prst="straightConnector1">
-              <a:avLst/>
-            </a:prstGeom>
-            <a:noFill/>
-            <a:ln w="9525" cap="flat" cmpd="sng">
-              <a:solidFill>
-                <a:srgbClr val="B7B7B7"/>
-              </a:solidFill>
-              <a:prstDash val="solid"/>
-              <a:round/>
-              <a:headEnd type="none" w="med" len="med"/>
-              <a:tailEnd type="none" w="med" len="med"/>
-            </a:ln>
-          </p:spPr>
-        </p:cxnSp>
-        <p:cxnSp>
-          <p:nvCxnSpPr>
-            <p:cNvPr id="75" name="Google Shape;75;p13"/>
-            <p:cNvCxnSpPr>
-              <a:stCxn id="72" idx="3"/>
-              <a:endCxn id="72" idx="3"/>
-            </p:cNvCxnSpPr>
-            <p:nvPr/>
-          </p:nvCxnSpPr>
-          <p:spPr>
-            <a:xfrm>
-              <a:off x="6589437" y="3949600"/>
-              <a:ext cx="0" cy="0"/>
-            </a:xfrm>
-            <a:prstGeom prst="straightConnector1">
-              <a:avLst/>
-            </a:prstGeom>
-            <a:noFill/>
-            <a:ln w="9525" cap="flat" cmpd="sng">
-              <a:solidFill>
-                <a:srgbClr val="B7B7B7"/>
-              </a:solidFill>
-              <a:prstDash val="solid"/>
-              <a:round/>
-              <a:headEnd type="none" w="med" len="med"/>
-              <a:tailEnd type="none" w="med" len="med"/>
-            </a:ln>
-          </p:spPr>
-        </p:cxnSp>
-        <p:cxnSp>
-          <p:nvCxnSpPr>
-            <p:cNvPr id="76" name="Google Shape;76;p13"/>
-            <p:cNvCxnSpPr>
-              <a:stCxn id="72" idx="3"/>
-            </p:cNvCxnSpPr>
-            <p:nvPr/>
-          </p:nvCxnSpPr>
-          <p:spPr>
-            <a:xfrm>
-              <a:off x="6589437" y="3949600"/>
-              <a:ext cx="304200" cy="8400"/>
-            </a:xfrm>
-            <a:prstGeom prst="straightConnector1">
-              <a:avLst/>
-            </a:prstGeom>
-            <a:noFill/>
-            <a:ln w="9525" cap="flat" cmpd="sng">
-              <a:solidFill>
-                <a:srgbClr val="B7B7B7"/>
-              </a:solidFill>
-              <a:prstDash val="solid"/>
-              <a:round/>
-              <a:headEnd type="none" w="med" len="med"/>
-              <a:tailEnd type="none" w="med" len="med"/>
-            </a:ln>
-          </p:spPr>
-        </p:cxnSp>
-        <p:pic>
-          <p:nvPicPr>
-            <p:cNvPr id="77" name="Google Shape;77;p13"/>
-            <p:cNvPicPr preferRelativeResize="0"/>
-            <p:nvPr/>
-          </p:nvPicPr>
-          <p:blipFill>
-            <a:blip r:embed="rId8">
-              <a:alphaModFix/>
-            </a:blip>
-            <a:stretch>
-              <a:fillRect/>
-            </a:stretch>
-          </p:blipFill>
-          <p:spPr>
-            <a:xfrm>
-              <a:off x="2542954" y="3807661"/>
-              <a:ext cx="1311275" cy="815464"/>
-            </a:xfrm>
-            <a:prstGeom prst="rect">
-              <a:avLst/>
-            </a:prstGeom>
-            <a:noFill/>
-            <a:ln>
-              <a:noFill/>
-            </a:ln>
-          </p:spPr>
-        </p:pic>
-        <p:pic>
-          <p:nvPicPr>
-            <p:cNvPr id="78" name="Google Shape;78;p13"/>
-            <p:cNvPicPr preferRelativeResize="0"/>
-            <p:nvPr/>
-          </p:nvPicPr>
-          <p:blipFill>
-            <a:blip r:embed="rId9">
-              <a:alphaModFix/>
-            </a:blip>
-            <a:stretch>
-              <a:fillRect/>
-            </a:stretch>
-          </p:blipFill>
-          <p:spPr>
-            <a:xfrm>
-              <a:off x="5012750" y="4200575"/>
-              <a:ext cx="576750" cy="815714"/>
-            </a:xfrm>
-            <a:prstGeom prst="rect">
-              <a:avLst/>
-            </a:prstGeom>
-            <a:noFill/>
-            <a:ln>
-              <a:noFill/>
-            </a:ln>
-          </p:spPr>
-        </p:pic>
-      </p:grpSp>
+          <a:prstGeom prst="rect">
+            <a:avLst/>
+          </a:prstGeom>
+        </p:spPr>
+      </p:pic>
       <p:sp>
         <p:nvSpPr>
           <p:cNvPr id="79" name="Google Shape;79;p13"/>
@@ -9893,8 +9299,8 @@
         </p:nvSpPr>
         <p:spPr>
           <a:xfrm>
-            <a:off x="7172960" y="1409375"/>
-            <a:ext cx="561300" cy="516300"/>
+            <a:off x="6582870" y="1382480"/>
+            <a:ext cx="732330" cy="666124"/>
           </a:xfrm>
           <a:prstGeom prst="ellipse">
             <a:avLst/>
@@ -10456,36 +9862,6 @@
           </a:p>
         </p:txBody>
       </p:sp>
-      <p:pic>
-        <p:nvPicPr>
-          <p:cNvPr id="154" name="Google Shape;154;p23">
-            <a:hlinkClick r:id="rId3"/>
-          </p:cNvPr>
-          <p:cNvPicPr preferRelativeResize="0"/>
-          <p:nvPr/>
-        </p:nvPicPr>
-        <p:blipFill>
-          <a:blip r:embed="rId4">
-            <a:alphaModFix/>
-          </a:blip>
-          <a:stretch>
-            <a:fillRect/>
-          </a:stretch>
-        </p:blipFill>
-        <p:spPr>
-          <a:xfrm>
-            <a:off x="6108000" y="551175"/>
-            <a:ext cx="296550" cy="256250"/>
-          </a:xfrm>
-          <a:prstGeom prst="rect">
-            <a:avLst/>
-          </a:prstGeom>
-          <a:noFill/>
-          <a:ln>
-            <a:noFill/>
-          </a:ln>
-        </p:spPr>
-      </p:pic>
     </p:spTree>
   </p:cSld>
   <p:clrMapOvr>
@@ -11073,36 +10449,6 @@
           </a:p>
         </p:txBody>
       </p:sp>
-      <p:pic>
-        <p:nvPicPr>
-          <p:cNvPr id="161" name="Google Shape;161;p24">
-            <a:hlinkClick r:id="rId3"/>
-          </p:cNvPr>
-          <p:cNvPicPr preferRelativeResize="0"/>
-          <p:nvPr/>
-        </p:nvPicPr>
-        <p:blipFill>
-          <a:blip r:embed="rId4">
-            <a:alphaModFix/>
-          </a:blip>
-          <a:stretch>
-            <a:fillRect/>
-          </a:stretch>
-        </p:blipFill>
-        <p:spPr>
-          <a:xfrm>
-            <a:off x="1779200" y="551175"/>
-            <a:ext cx="296550" cy="256250"/>
-          </a:xfrm>
-          <a:prstGeom prst="rect">
-            <a:avLst/>
-          </a:prstGeom>
-          <a:noFill/>
-          <a:ln>
-            <a:noFill/>
-          </a:ln>
-        </p:spPr>
-      </p:pic>
     </p:spTree>
   </p:cSld>
   <p:clrMapOvr>
@@ -11112,6 +10458,549 @@
 </file>
 
 <file path=ppt/slides/slide12.xml><?xml version="1.0" encoding="utf-8"?>
+<p:sld xmlns:a="http://schemas.openxmlformats.org/drawingml/2006/main" xmlns:r="http://schemas.openxmlformats.org/officeDocument/2006/relationships" xmlns:p="http://schemas.openxmlformats.org/presentationml/2006/main">
+  <p:cSld>
+    <p:spTree>
+      <p:nvGrpSpPr>
+        <p:cNvPr id="1" name="Shape 173"/>
+        <p:cNvGrpSpPr/>
+        <p:nvPr/>
+      </p:nvGrpSpPr>
+      <p:grpSpPr>
+        <a:xfrm>
+          <a:off x="0" y="0"/>
+          <a:ext cx="0" cy="0"/>
+          <a:chOff x="0" y="0"/>
+          <a:chExt cx="0" cy="0"/>
+        </a:xfrm>
+      </p:grpSpPr>
+      <p:sp>
+        <p:nvSpPr>
+          <p:cNvPr id="174" name="Google Shape;174;p26"/>
+          <p:cNvSpPr txBox="1">
+            <a:spLocks noGrp="1"/>
+          </p:cNvSpPr>
+          <p:nvPr>
+            <p:ph type="title"/>
+          </p:nvPr>
+        </p:nvSpPr>
+        <p:spPr>
+          <a:xfrm>
+            <a:off x="311700" y="421233"/>
+            <a:ext cx="8520600" cy="622500"/>
+          </a:xfrm>
+          <a:prstGeom prst="rect">
+            <a:avLst/>
+          </a:prstGeom>
+        </p:spPr>
+        <p:txBody>
+          <a:bodyPr spcFirstLastPara="1" wrap="square" lIns="91425" tIns="91425" rIns="91425" bIns="91425" anchor="b" anchorCtr="0">
+            <a:noAutofit/>
+          </a:bodyPr>
+          <a:lstStyle/>
+          <a:p>
+            <a:pPr marL="0" lvl="0" indent="0" algn="l" rtl="0">
+              <a:spcBef>
+                <a:spcPts val="0"/>
+              </a:spcBef>
+              <a:spcAft>
+                <a:spcPts val="0"/>
+              </a:spcAft>
+              <a:buNone/>
+            </a:pPr>
+            <a:r>
+              <a:rPr lang="en-GB" dirty="0"/>
+              <a:t>Aggregation</a:t>
+            </a:r>
+            <a:endParaRPr dirty="0"/>
+          </a:p>
+        </p:txBody>
+      </p:sp>
+      <p:sp>
+        <p:nvSpPr>
+          <p:cNvPr id="175" name="Google Shape;175;p26"/>
+          <p:cNvSpPr txBox="1">
+            <a:spLocks noGrp="1"/>
+          </p:cNvSpPr>
+          <p:nvPr>
+            <p:ph type="body" idx="1"/>
+          </p:nvPr>
+        </p:nvSpPr>
+        <p:spPr>
+          <a:xfrm>
+            <a:off x="311700" y="967525"/>
+            <a:ext cx="8520600" cy="5694532"/>
+          </a:xfrm>
+          <a:prstGeom prst="rect">
+            <a:avLst/>
+          </a:prstGeom>
+        </p:spPr>
+        <p:txBody>
+          <a:bodyPr spcFirstLastPara="1" wrap="square" lIns="91425" tIns="91425" rIns="91425" bIns="91425" anchor="t" anchorCtr="0">
+            <a:noAutofit/>
+          </a:bodyPr>
+          <a:lstStyle/>
+          <a:p>
+            <a:pPr marL="457200" lvl="0" indent="-342900" algn="l" rtl="0">
+              <a:spcBef>
+                <a:spcPts val="0"/>
+              </a:spcBef>
+              <a:spcAft>
+                <a:spcPts val="0"/>
+              </a:spcAft>
+              <a:buSzPts val="1800"/>
+              <a:buChar char="●"/>
+            </a:pPr>
+            <a:r>
+              <a:rPr lang="en-GB" dirty="0"/>
+              <a:t>Process data records and return computed results</a:t>
+            </a:r>
+            <a:endParaRPr dirty="0"/>
+          </a:p>
+          <a:p>
+            <a:pPr marL="914400" lvl="1" indent="-317500" algn="l" rtl="0">
+              <a:spcBef>
+                <a:spcPts val="0"/>
+              </a:spcBef>
+              <a:spcAft>
+                <a:spcPts val="0"/>
+              </a:spcAft>
+              <a:buSzPts val="1400"/>
+              <a:buChar char="○"/>
+            </a:pPr>
+            <a:r>
+              <a:rPr lang="en-GB" dirty="0"/>
+              <a:t>groups values from multiple documents together</a:t>
+            </a:r>
+            <a:endParaRPr dirty="0"/>
+          </a:p>
+          <a:p>
+            <a:pPr marL="914400" lvl="1" indent="-317500" algn="l" rtl="0">
+              <a:spcBef>
+                <a:spcPts val="0"/>
+              </a:spcBef>
+              <a:spcAft>
+                <a:spcPts val="0"/>
+              </a:spcAft>
+              <a:buSzPts val="1400"/>
+              <a:buChar char="○"/>
+            </a:pPr>
+            <a:r>
+              <a:rPr lang="en-GB" dirty="0"/>
+              <a:t>perform a variety of operations on the grouped data</a:t>
+            </a:r>
+            <a:endParaRPr dirty="0"/>
+          </a:p>
+          <a:p>
+            <a:pPr marL="914400" lvl="1" indent="-317500" algn="l" rtl="0">
+              <a:spcBef>
+                <a:spcPts val="0"/>
+              </a:spcBef>
+              <a:spcAft>
+                <a:spcPts val="0"/>
+              </a:spcAft>
+              <a:buSzPts val="1400"/>
+              <a:buChar char="○"/>
+            </a:pPr>
+            <a:r>
+              <a:rPr lang="en-GB" dirty="0"/>
+              <a:t>return a single result</a:t>
+            </a:r>
+            <a:endParaRPr dirty="0"/>
+          </a:p>
+          <a:p>
+            <a:pPr marL="457200" lvl="0" indent="-342900" algn="l" rtl="0">
+              <a:spcBef>
+                <a:spcPts val="0"/>
+              </a:spcBef>
+              <a:spcAft>
+                <a:spcPts val="0"/>
+              </a:spcAft>
+              <a:buSzPts val="1800"/>
+              <a:buChar char="●"/>
+            </a:pPr>
+            <a:r>
+              <a:rPr lang="en-GB" dirty="0"/>
+              <a:t>MongoDB provides three ways to perform aggregation</a:t>
+            </a:r>
+          </a:p>
+          <a:p>
+            <a:pPr marL="457200" lvl="0" indent="-342900" algn="l" rtl="0">
+              <a:spcBef>
+                <a:spcPts val="0"/>
+              </a:spcBef>
+              <a:spcAft>
+                <a:spcPts val="0"/>
+              </a:spcAft>
+              <a:buSzPts val="1800"/>
+              <a:buChar char="●"/>
+            </a:pPr>
+            <a:endParaRPr sz="500" dirty="0"/>
+          </a:p>
+          <a:p>
+            <a:pPr marL="457200" lvl="0" indent="-342900" algn="l" rtl="0">
+              <a:spcBef>
+                <a:spcPts val="0"/>
+              </a:spcBef>
+              <a:spcAft>
+                <a:spcPts val="0"/>
+              </a:spcAft>
+              <a:buSzPts val="1800"/>
+              <a:buChar char="●"/>
+            </a:pPr>
+            <a:r>
+              <a:rPr lang="en-GB" b="1" dirty="0"/>
+              <a:t>Aggregation Pipeline</a:t>
+            </a:r>
+            <a:endParaRPr b="1" dirty="0"/>
+          </a:p>
+          <a:p>
+            <a:pPr marL="914400" lvl="1" indent="-317500" algn="l" rtl="0">
+              <a:spcBef>
+                <a:spcPts val="0"/>
+              </a:spcBef>
+              <a:spcAft>
+                <a:spcPts val="0"/>
+              </a:spcAft>
+              <a:buSzPts val="1400"/>
+              <a:buChar char="○"/>
+            </a:pPr>
+            <a:r>
+              <a:rPr lang="en-GB" dirty="0"/>
+              <a:t>array of data transformations applied to the data in order</a:t>
+            </a:r>
+            <a:endParaRPr dirty="0"/>
+          </a:p>
+          <a:p>
+            <a:pPr marL="1371600" lvl="2" indent="-317500" algn="l" rtl="0">
+              <a:spcBef>
+                <a:spcPts val="0"/>
+              </a:spcBef>
+              <a:spcAft>
+                <a:spcPts val="0"/>
+              </a:spcAft>
+              <a:buSzPts val="1400"/>
+              <a:buChar char="■"/>
+            </a:pPr>
+            <a:r>
+              <a:rPr lang="en-GB" dirty="0" err="1">
+                <a:latin typeface="Courier New"/>
+                <a:ea typeface="Courier New"/>
+                <a:cs typeface="Courier New"/>
+                <a:sym typeface="Courier New"/>
+              </a:rPr>
+              <a:t>db.devices.</a:t>
+            </a:r>
+            <a:r>
+              <a:rPr lang="en-GB" b="1" dirty="0" err="1">
+                <a:latin typeface="Courier New"/>
+                <a:ea typeface="Courier New"/>
+                <a:cs typeface="Courier New"/>
+                <a:sym typeface="Courier New"/>
+              </a:rPr>
+              <a:t>aggregate</a:t>
+            </a:r>
+            <a:r>
+              <a:rPr lang="en-GB" dirty="0">
+                <a:latin typeface="Courier New"/>
+                <a:ea typeface="Courier New"/>
+                <a:cs typeface="Courier New"/>
+                <a:sym typeface="Courier New"/>
+              </a:rPr>
+              <a:t>([ ... aggregation steps go here ...]);</a:t>
+            </a:r>
+            <a:endParaRPr sz="1800" dirty="0"/>
+          </a:p>
+          <a:p>
+            <a:pPr marL="914400" lvl="1" indent="-317500" algn="l" rtl="0">
+              <a:spcBef>
+                <a:spcPts val="0"/>
+              </a:spcBef>
+              <a:spcAft>
+                <a:spcPts val="0"/>
+              </a:spcAft>
+              <a:buSzPts val="1400"/>
+              <a:buChar char="○"/>
+            </a:pPr>
+            <a:r>
+              <a:rPr lang="en-GB" dirty="0"/>
+              <a:t>the first stage is </a:t>
+            </a:r>
+            <a:r>
+              <a:rPr lang="en-GB" b="1" dirty="0"/>
+              <a:t>matching</a:t>
+            </a:r>
+            <a:endParaRPr b="1" dirty="0"/>
+          </a:p>
+          <a:p>
+            <a:pPr marL="1371600" lvl="2" indent="-317500" algn="l" rtl="0">
+              <a:spcBef>
+                <a:spcPts val="0"/>
+              </a:spcBef>
+              <a:spcAft>
+                <a:spcPts val="0"/>
+              </a:spcAft>
+              <a:buSzPts val="1400"/>
+              <a:buChar char="■"/>
+            </a:pPr>
+            <a:r>
+              <a:rPr lang="en-GB" dirty="0"/>
+              <a:t>to filter out documents </a:t>
+            </a:r>
+            <a:endParaRPr dirty="0"/>
+          </a:p>
+          <a:p>
+            <a:pPr marL="914400" marR="0" lvl="1" indent="-317500" algn="l" rtl="0">
+              <a:lnSpc>
+                <a:spcPct val="115000"/>
+              </a:lnSpc>
+              <a:spcBef>
+                <a:spcPts val="0"/>
+              </a:spcBef>
+              <a:spcAft>
+                <a:spcPts val="0"/>
+              </a:spcAft>
+              <a:buClr>
+                <a:schemeClr val="dk1"/>
+              </a:buClr>
+              <a:buSzPts val="1400"/>
+              <a:buFont typeface="Open Sans"/>
+              <a:buChar char="○"/>
+            </a:pPr>
+            <a:r>
+              <a:rPr lang="en-GB" dirty="0"/>
+              <a:t>then </a:t>
+            </a:r>
+            <a:r>
+              <a:rPr lang="en-GB" b="1" dirty="0"/>
+              <a:t>grouping</a:t>
+            </a:r>
+            <a:r>
+              <a:rPr lang="en-GB" dirty="0"/>
+              <a:t> together the ones into useful subsets, or to perform operations across a common field in all documents</a:t>
+            </a:r>
+          </a:p>
+          <a:p>
+            <a:pPr lvl="2">
+              <a:spcBef>
+                <a:spcPts val="0"/>
+              </a:spcBef>
+            </a:pPr>
+            <a:r>
+              <a:rPr lang="en-GB" sz="1200" dirty="0"/>
+              <a:t>e.g. calculating the sum of some field</a:t>
+            </a:r>
+            <a:endParaRPr lang="en-GB" sz="1200" dirty="0">
+              <a:latin typeface="Courier New"/>
+              <a:ea typeface="Courier New"/>
+              <a:cs typeface="Courier New"/>
+              <a:sym typeface="Courier New"/>
+            </a:endParaRPr>
+          </a:p>
+          <a:p>
+            <a:pPr marL="1371600" lvl="2" indent="-317500" algn="l" rtl="0">
+              <a:spcBef>
+                <a:spcPts val="0"/>
+              </a:spcBef>
+              <a:spcAft>
+                <a:spcPts val="0"/>
+              </a:spcAft>
+              <a:buSzPts val="1400"/>
+              <a:buChar char="■"/>
+            </a:pPr>
+            <a:r>
+              <a:rPr lang="en-GB" sz="1200" dirty="0" err="1">
+                <a:latin typeface="Courier New"/>
+                <a:ea typeface="Courier New"/>
+                <a:cs typeface="Courier New"/>
+                <a:sym typeface="Courier New"/>
+              </a:rPr>
+              <a:t>db.devices.aggregate</a:t>
+            </a:r>
+            <a:r>
+              <a:rPr lang="en-GB" sz="1200" dirty="0">
+                <a:latin typeface="Courier New"/>
+                <a:ea typeface="Courier New"/>
+                <a:cs typeface="Courier New"/>
+                <a:sym typeface="Courier New"/>
+              </a:rPr>
+              <a:t>([{$match: {weight: {$</a:t>
+            </a:r>
+            <a:r>
+              <a:rPr lang="en-GB" sz="1200" dirty="0" err="1">
+                <a:latin typeface="Courier New"/>
+                <a:ea typeface="Courier New"/>
+                <a:cs typeface="Courier New"/>
+                <a:sym typeface="Courier New"/>
+              </a:rPr>
+              <a:t>gt</a:t>
+            </a:r>
+            <a:r>
+              <a:rPr lang="en-GB" sz="1200" dirty="0">
+                <a:latin typeface="Courier New"/>
+                <a:ea typeface="Courier New"/>
+                <a:cs typeface="Courier New"/>
+                <a:sym typeface="Courier New"/>
+              </a:rPr>
+              <a:t>: 700}}}, </a:t>
+            </a:r>
+            <a:br>
+              <a:rPr lang="en-GB" sz="1200" dirty="0">
+                <a:latin typeface="Courier New"/>
+                <a:ea typeface="Courier New"/>
+                <a:cs typeface="Courier New"/>
+                <a:sym typeface="Courier New"/>
+              </a:rPr>
+            </a:br>
+            <a:r>
+              <a:rPr lang="en-GB" sz="1200" dirty="0">
+                <a:latin typeface="Courier New"/>
+                <a:ea typeface="Courier New"/>
+                <a:cs typeface="Courier New"/>
+                <a:sym typeface="Courier New"/>
+              </a:rPr>
+              <a:t>		       {$group: {_id: null, total: {$sum: '$values'}}}])</a:t>
+            </a:r>
+          </a:p>
+          <a:p>
+            <a:pPr marL="1371600" lvl="2" indent="-317500" algn="l" rtl="0">
+              <a:spcBef>
+                <a:spcPts val="0"/>
+              </a:spcBef>
+              <a:spcAft>
+                <a:spcPts val="0"/>
+              </a:spcAft>
+              <a:buSzPts val="1400"/>
+              <a:buChar char="■"/>
+            </a:pPr>
+            <a:endParaRPr sz="500" dirty="0"/>
+          </a:p>
+          <a:p>
+            <a:pPr marL="457200" lvl="0" indent="-342900" algn="l" rtl="0">
+              <a:spcBef>
+                <a:spcPts val="0"/>
+              </a:spcBef>
+              <a:spcAft>
+                <a:spcPts val="0"/>
+              </a:spcAft>
+              <a:buSzPts val="1800"/>
+              <a:buChar char="●"/>
+            </a:pPr>
+            <a:r>
+              <a:rPr lang="en-GB" b="1" dirty="0"/>
+              <a:t>Single Purpose Aggregation Methods</a:t>
+            </a:r>
+            <a:endParaRPr b="1" dirty="0"/>
+          </a:p>
+          <a:p>
+            <a:pPr marL="1371600" lvl="2" indent="-317500" algn="l" rtl="0">
+              <a:spcBef>
+                <a:spcPts val="0"/>
+              </a:spcBef>
+              <a:spcAft>
+                <a:spcPts val="0"/>
+              </a:spcAft>
+              <a:buSzPts val="1400"/>
+              <a:buChar char="■"/>
+            </a:pPr>
+            <a:r>
+              <a:rPr lang="en-GB" dirty="0"/>
+              <a:t>simple access to common aggregation processes</a:t>
+            </a:r>
+            <a:endParaRPr dirty="0"/>
+          </a:p>
+          <a:p>
+            <a:pPr lvl="2">
+              <a:spcBef>
+                <a:spcPts val="0"/>
+              </a:spcBef>
+            </a:pPr>
+            <a:r>
+              <a:rPr lang="en-GB" dirty="0"/>
+              <a:t>lack the flexibility of the aggregation pipeline</a:t>
+            </a:r>
+          </a:p>
+          <a:p>
+            <a:pPr marL="1511300" lvl="3" indent="0">
+              <a:spcBef>
+                <a:spcPts val="0"/>
+              </a:spcBef>
+              <a:buNone/>
+            </a:pPr>
+            <a:r>
+              <a:rPr lang="en-GB" dirty="0" err="1">
+                <a:latin typeface="Courier New"/>
+                <a:ea typeface="Courier New"/>
+                <a:cs typeface="Courier New"/>
+                <a:sym typeface="Courier New"/>
+              </a:rPr>
+              <a:t>db.collection.estimatedDocumentCount</a:t>
+            </a:r>
+            <a:r>
+              <a:rPr lang="en-GB" dirty="0">
+                <a:latin typeface="Courier New"/>
+                <a:ea typeface="Courier New"/>
+                <a:cs typeface="Courier New"/>
+                <a:sym typeface="Courier New"/>
+              </a:rPr>
+              <a:t>()</a:t>
+            </a:r>
+            <a:endParaRPr dirty="0">
+              <a:latin typeface="Courier New"/>
+              <a:ea typeface="Courier New"/>
+              <a:cs typeface="Courier New"/>
+              <a:sym typeface="Courier New"/>
+            </a:endParaRPr>
+          </a:p>
+          <a:p>
+            <a:pPr marL="1511300" marR="0" lvl="3" indent="0" algn="l" rtl="0">
+              <a:lnSpc>
+                <a:spcPct val="115000"/>
+              </a:lnSpc>
+              <a:spcBef>
+                <a:spcPts val="0"/>
+              </a:spcBef>
+              <a:spcAft>
+                <a:spcPts val="0"/>
+              </a:spcAft>
+              <a:buSzPts val="1400"/>
+              <a:buNone/>
+            </a:pPr>
+            <a:r>
+              <a:rPr lang="en-GB" dirty="0" err="1">
+                <a:latin typeface="Courier New"/>
+                <a:ea typeface="Courier New"/>
+                <a:cs typeface="Courier New"/>
+                <a:sym typeface="Courier New"/>
+              </a:rPr>
+              <a:t>db.collection.distinct</a:t>
+            </a:r>
+            <a:r>
+              <a:rPr lang="en-GB" dirty="0">
+                <a:latin typeface="Courier New"/>
+                <a:ea typeface="Courier New"/>
+                <a:cs typeface="Courier New"/>
+                <a:sym typeface="Courier New"/>
+              </a:rPr>
+              <a:t>(</a:t>
+            </a:r>
+            <a:r>
+              <a:rPr lang="en-GB" dirty="0"/>
+              <a:t>)</a:t>
+            </a:r>
+            <a:endParaRPr dirty="0"/>
+          </a:p>
+        </p:txBody>
+      </p:sp>
+    </p:spTree>
+  </p:cSld>
+  <p:clrMapOvr>
+    <a:masterClrMapping/>
+  </p:clrMapOvr>
+</p:sld>
+</file>
+
+<file path=ppt/slides/slide13.xml><?xml version="1.0" encoding="utf-8"?>
 <p:sld xmlns:a="http://schemas.openxmlformats.org/drawingml/2006/main" xmlns:r="http://schemas.openxmlformats.org/officeDocument/2006/relationships" xmlns:p="http://schemas.openxmlformats.org/presentationml/2006/main">
   <p:cSld>
     <p:spTree>
@@ -11556,672 +11445,6 @@
           </a:p>
         </p:txBody>
       </p:sp>
-      <p:pic>
-        <p:nvPicPr>
-          <p:cNvPr id="168" name="Google Shape;168;p25">
-            <a:hlinkClick r:id="rId3"/>
-          </p:cNvPr>
-          <p:cNvPicPr preferRelativeResize="0"/>
-          <p:nvPr/>
-        </p:nvPicPr>
-        <p:blipFill>
-          <a:blip r:embed="rId4">
-            <a:alphaModFix/>
-          </a:blip>
-          <a:stretch>
-            <a:fillRect/>
-          </a:stretch>
-        </p:blipFill>
-        <p:spPr>
-          <a:xfrm>
-            <a:off x="3812275" y="522000"/>
-            <a:ext cx="296550" cy="256250"/>
-          </a:xfrm>
-          <a:prstGeom prst="rect">
-            <a:avLst/>
-          </a:prstGeom>
-          <a:noFill/>
-          <a:ln>
-            <a:noFill/>
-          </a:ln>
-        </p:spPr>
-      </p:pic>
-      <p:pic>
-        <p:nvPicPr>
-          <p:cNvPr id="169" name="Google Shape;169;p25">
-            <a:hlinkClick r:id="rId5"/>
-          </p:cNvPr>
-          <p:cNvPicPr preferRelativeResize="0"/>
-          <p:nvPr/>
-        </p:nvPicPr>
-        <p:blipFill>
-          <a:blip r:embed="rId4">
-            <a:alphaModFix/>
-          </a:blip>
-          <a:stretch>
-            <a:fillRect/>
-          </a:stretch>
-        </p:blipFill>
-        <p:spPr>
-          <a:xfrm>
-            <a:off x="3189364" y="4522245"/>
-            <a:ext cx="296550" cy="256250"/>
-          </a:xfrm>
-          <a:prstGeom prst="rect">
-            <a:avLst/>
-          </a:prstGeom>
-          <a:noFill/>
-          <a:ln>
-            <a:noFill/>
-          </a:ln>
-        </p:spPr>
-      </p:pic>
-    </p:spTree>
-  </p:cSld>
-  <p:clrMapOvr>
-    <a:masterClrMapping/>
-  </p:clrMapOvr>
-</p:sld>
-</file>
-
-<file path=ppt/slides/slide13.xml><?xml version="1.0" encoding="utf-8"?>
-<p:sld xmlns:a="http://schemas.openxmlformats.org/drawingml/2006/main" xmlns:r="http://schemas.openxmlformats.org/officeDocument/2006/relationships" xmlns:p="http://schemas.openxmlformats.org/presentationml/2006/main">
-  <p:cSld>
-    <p:spTree>
-      <p:nvGrpSpPr>
-        <p:cNvPr id="1" name="Shape 173"/>
-        <p:cNvGrpSpPr/>
-        <p:nvPr/>
-      </p:nvGrpSpPr>
-      <p:grpSpPr>
-        <a:xfrm>
-          <a:off x="0" y="0"/>
-          <a:ext cx="0" cy="0"/>
-          <a:chOff x="0" y="0"/>
-          <a:chExt cx="0" cy="0"/>
-        </a:xfrm>
-      </p:grpSpPr>
-      <p:sp>
-        <p:nvSpPr>
-          <p:cNvPr id="174" name="Google Shape;174;p26"/>
-          <p:cNvSpPr txBox="1">
-            <a:spLocks noGrp="1"/>
-          </p:cNvSpPr>
-          <p:nvPr>
-            <p:ph type="title"/>
-          </p:nvPr>
-        </p:nvSpPr>
-        <p:spPr>
-          <a:xfrm>
-            <a:off x="311700" y="421233"/>
-            <a:ext cx="8520600" cy="622500"/>
-          </a:xfrm>
-          <a:prstGeom prst="rect">
-            <a:avLst/>
-          </a:prstGeom>
-        </p:spPr>
-        <p:txBody>
-          <a:bodyPr spcFirstLastPara="1" wrap="square" lIns="91425" tIns="91425" rIns="91425" bIns="91425" anchor="b" anchorCtr="0">
-            <a:noAutofit/>
-          </a:bodyPr>
-          <a:lstStyle/>
-          <a:p>
-            <a:pPr marL="0" lvl="0" indent="0" algn="l" rtl="0">
-              <a:spcBef>
-                <a:spcPts val="0"/>
-              </a:spcBef>
-              <a:spcAft>
-                <a:spcPts val="0"/>
-              </a:spcAft>
-              <a:buNone/>
-            </a:pPr>
-            <a:r>
-              <a:rPr lang="en-GB" dirty="0"/>
-              <a:t>Aggregation</a:t>
-            </a:r>
-            <a:endParaRPr dirty="0"/>
-          </a:p>
-        </p:txBody>
-      </p:sp>
-      <p:sp>
-        <p:nvSpPr>
-          <p:cNvPr id="175" name="Google Shape;175;p26"/>
-          <p:cNvSpPr txBox="1">
-            <a:spLocks noGrp="1"/>
-          </p:cNvSpPr>
-          <p:nvPr>
-            <p:ph type="body" idx="1"/>
-          </p:nvPr>
-        </p:nvSpPr>
-        <p:spPr>
-          <a:xfrm>
-            <a:off x="311700" y="967525"/>
-            <a:ext cx="8520600" cy="5694532"/>
-          </a:xfrm>
-          <a:prstGeom prst="rect">
-            <a:avLst/>
-          </a:prstGeom>
-        </p:spPr>
-        <p:txBody>
-          <a:bodyPr spcFirstLastPara="1" wrap="square" lIns="91425" tIns="91425" rIns="91425" bIns="91425" anchor="t" anchorCtr="0">
-            <a:noAutofit/>
-          </a:bodyPr>
-          <a:lstStyle/>
-          <a:p>
-            <a:pPr marL="457200" lvl="0" indent="-342900" algn="l" rtl="0">
-              <a:spcBef>
-                <a:spcPts val="0"/>
-              </a:spcBef>
-              <a:spcAft>
-                <a:spcPts val="0"/>
-              </a:spcAft>
-              <a:buSzPts val="1800"/>
-              <a:buChar char="●"/>
-            </a:pPr>
-            <a:r>
-              <a:rPr lang="en-GB" dirty="0"/>
-              <a:t>Process data records and return computed results</a:t>
-            </a:r>
-            <a:endParaRPr dirty="0"/>
-          </a:p>
-          <a:p>
-            <a:pPr marL="914400" lvl="1" indent="-317500" algn="l" rtl="0">
-              <a:spcBef>
-                <a:spcPts val="0"/>
-              </a:spcBef>
-              <a:spcAft>
-                <a:spcPts val="0"/>
-              </a:spcAft>
-              <a:buSzPts val="1400"/>
-              <a:buChar char="○"/>
-            </a:pPr>
-            <a:r>
-              <a:rPr lang="en-GB" dirty="0"/>
-              <a:t>groups values from multiple documents together</a:t>
-            </a:r>
-            <a:endParaRPr dirty="0"/>
-          </a:p>
-          <a:p>
-            <a:pPr marL="914400" lvl="1" indent="-317500" algn="l" rtl="0">
-              <a:spcBef>
-                <a:spcPts val="0"/>
-              </a:spcBef>
-              <a:spcAft>
-                <a:spcPts val="0"/>
-              </a:spcAft>
-              <a:buSzPts val="1400"/>
-              <a:buChar char="○"/>
-            </a:pPr>
-            <a:r>
-              <a:rPr lang="en-GB" dirty="0"/>
-              <a:t>perform a variety of operations on the grouped data</a:t>
-            </a:r>
-            <a:endParaRPr dirty="0"/>
-          </a:p>
-          <a:p>
-            <a:pPr marL="914400" lvl="1" indent="-317500" algn="l" rtl="0">
-              <a:spcBef>
-                <a:spcPts val="0"/>
-              </a:spcBef>
-              <a:spcAft>
-                <a:spcPts val="0"/>
-              </a:spcAft>
-              <a:buSzPts val="1400"/>
-              <a:buChar char="○"/>
-            </a:pPr>
-            <a:r>
-              <a:rPr lang="en-GB" dirty="0"/>
-              <a:t>return a single result</a:t>
-            </a:r>
-            <a:endParaRPr dirty="0"/>
-          </a:p>
-          <a:p>
-            <a:pPr marL="457200" lvl="0" indent="-342900" algn="l" rtl="0">
-              <a:spcBef>
-                <a:spcPts val="0"/>
-              </a:spcBef>
-              <a:spcAft>
-                <a:spcPts val="0"/>
-              </a:spcAft>
-              <a:buSzPts val="1800"/>
-              <a:buChar char="●"/>
-            </a:pPr>
-            <a:r>
-              <a:rPr lang="en-GB" dirty="0"/>
-              <a:t>MongoDB provides three ways to perform aggregation</a:t>
-            </a:r>
-          </a:p>
-          <a:p>
-            <a:pPr marL="457200" lvl="0" indent="-342900" algn="l" rtl="0">
-              <a:spcBef>
-                <a:spcPts val="0"/>
-              </a:spcBef>
-              <a:spcAft>
-                <a:spcPts val="0"/>
-              </a:spcAft>
-              <a:buSzPts val="1800"/>
-              <a:buChar char="●"/>
-            </a:pPr>
-            <a:endParaRPr sz="500" dirty="0"/>
-          </a:p>
-          <a:p>
-            <a:pPr marL="457200" lvl="0" indent="-342900" algn="l" rtl="0">
-              <a:spcBef>
-                <a:spcPts val="0"/>
-              </a:spcBef>
-              <a:spcAft>
-                <a:spcPts val="0"/>
-              </a:spcAft>
-              <a:buSzPts val="1800"/>
-              <a:buChar char="●"/>
-            </a:pPr>
-            <a:r>
-              <a:rPr lang="en-GB" b="1" dirty="0"/>
-              <a:t>Aggregation Pipeline</a:t>
-            </a:r>
-            <a:endParaRPr b="1" dirty="0"/>
-          </a:p>
-          <a:p>
-            <a:pPr marL="914400" lvl="1" indent="-317500" algn="l" rtl="0">
-              <a:spcBef>
-                <a:spcPts val="0"/>
-              </a:spcBef>
-              <a:spcAft>
-                <a:spcPts val="0"/>
-              </a:spcAft>
-              <a:buSzPts val="1400"/>
-              <a:buChar char="○"/>
-            </a:pPr>
-            <a:r>
-              <a:rPr lang="en-GB" dirty="0"/>
-              <a:t>array of data transformations applied to the data in order</a:t>
-            </a:r>
-            <a:endParaRPr dirty="0"/>
-          </a:p>
-          <a:p>
-            <a:pPr marL="1371600" lvl="2" indent="-317500" algn="l" rtl="0">
-              <a:spcBef>
-                <a:spcPts val="0"/>
-              </a:spcBef>
-              <a:spcAft>
-                <a:spcPts val="0"/>
-              </a:spcAft>
-              <a:buSzPts val="1400"/>
-              <a:buChar char="■"/>
-            </a:pPr>
-            <a:r>
-              <a:rPr lang="en-GB" dirty="0" err="1">
-                <a:latin typeface="Courier New"/>
-                <a:ea typeface="Courier New"/>
-                <a:cs typeface="Courier New"/>
-                <a:sym typeface="Courier New"/>
-              </a:rPr>
-              <a:t>db.devices.</a:t>
-            </a:r>
-            <a:r>
-              <a:rPr lang="en-GB" b="1" dirty="0" err="1">
-                <a:latin typeface="Courier New"/>
-                <a:ea typeface="Courier New"/>
-                <a:cs typeface="Courier New"/>
-                <a:sym typeface="Courier New"/>
-              </a:rPr>
-              <a:t>aggregate</a:t>
-            </a:r>
-            <a:r>
-              <a:rPr lang="en-GB" dirty="0">
-                <a:latin typeface="Courier New"/>
-                <a:ea typeface="Courier New"/>
-                <a:cs typeface="Courier New"/>
-                <a:sym typeface="Courier New"/>
-              </a:rPr>
-              <a:t>([ ... aggregation steps go here ...]);</a:t>
-            </a:r>
-            <a:endParaRPr sz="1800" dirty="0"/>
-          </a:p>
-          <a:p>
-            <a:pPr marL="914400" lvl="1" indent="-317500" algn="l" rtl="0">
-              <a:spcBef>
-                <a:spcPts val="0"/>
-              </a:spcBef>
-              <a:spcAft>
-                <a:spcPts val="0"/>
-              </a:spcAft>
-              <a:buSzPts val="1400"/>
-              <a:buChar char="○"/>
-            </a:pPr>
-            <a:r>
-              <a:rPr lang="en-GB" dirty="0"/>
-              <a:t>the first stage is </a:t>
-            </a:r>
-            <a:r>
-              <a:rPr lang="en-GB" b="1" dirty="0"/>
-              <a:t>matching</a:t>
-            </a:r>
-            <a:endParaRPr b="1" dirty="0"/>
-          </a:p>
-          <a:p>
-            <a:pPr marL="1371600" lvl="2" indent="-317500" algn="l" rtl="0">
-              <a:spcBef>
-                <a:spcPts val="0"/>
-              </a:spcBef>
-              <a:spcAft>
-                <a:spcPts val="0"/>
-              </a:spcAft>
-              <a:buSzPts val="1400"/>
-              <a:buChar char="■"/>
-            </a:pPr>
-            <a:r>
-              <a:rPr lang="en-GB" dirty="0"/>
-              <a:t>to filter out documents </a:t>
-            </a:r>
-            <a:endParaRPr dirty="0"/>
-          </a:p>
-          <a:p>
-            <a:pPr marL="914400" marR="0" lvl="1" indent="-317500" algn="l" rtl="0">
-              <a:lnSpc>
-                <a:spcPct val="115000"/>
-              </a:lnSpc>
-              <a:spcBef>
-                <a:spcPts val="0"/>
-              </a:spcBef>
-              <a:spcAft>
-                <a:spcPts val="0"/>
-              </a:spcAft>
-              <a:buClr>
-                <a:schemeClr val="dk1"/>
-              </a:buClr>
-              <a:buSzPts val="1400"/>
-              <a:buFont typeface="Open Sans"/>
-              <a:buChar char="○"/>
-            </a:pPr>
-            <a:r>
-              <a:rPr lang="en-GB" dirty="0"/>
-              <a:t>then </a:t>
-            </a:r>
-            <a:r>
-              <a:rPr lang="en-GB" b="1" dirty="0"/>
-              <a:t>grouping</a:t>
-            </a:r>
-            <a:r>
-              <a:rPr lang="en-GB" dirty="0"/>
-              <a:t> together the ones into useful subsets, or to perform operations across a common field in all documents</a:t>
-            </a:r>
-          </a:p>
-          <a:p>
-            <a:pPr lvl="2">
-              <a:spcBef>
-                <a:spcPts val="0"/>
-              </a:spcBef>
-            </a:pPr>
-            <a:r>
-              <a:rPr lang="en-GB" sz="1200" dirty="0"/>
-              <a:t>e.g. calculating the sum of some field</a:t>
-            </a:r>
-            <a:endParaRPr lang="en-GB" sz="1200" dirty="0">
-              <a:latin typeface="Courier New"/>
-              <a:ea typeface="Courier New"/>
-              <a:cs typeface="Courier New"/>
-              <a:sym typeface="Courier New"/>
-            </a:endParaRPr>
-          </a:p>
-          <a:p>
-            <a:pPr marL="1371600" lvl="2" indent="-317500" algn="l" rtl="0">
-              <a:spcBef>
-                <a:spcPts val="0"/>
-              </a:spcBef>
-              <a:spcAft>
-                <a:spcPts val="0"/>
-              </a:spcAft>
-              <a:buSzPts val="1400"/>
-              <a:buChar char="■"/>
-            </a:pPr>
-            <a:r>
-              <a:rPr lang="en-GB" sz="1200" dirty="0" err="1">
-                <a:latin typeface="Courier New"/>
-                <a:ea typeface="Courier New"/>
-                <a:cs typeface="Courier New"/>
-                <a:sym typeface="Courier New"/>
-              </a:rPr>
-              <a:t>db.devices.aggregate</a:t>
-            </a:r>
-            <a:r>
-              <a:rPr lang="en-GB" sz="1200" dirty="0">
-                <a:latin typeface="Courier New"/>
-                <a:ea typeface="Courier New"/>
-                <a:cs typeface="Courier New"/>
-                <a:sym typeface="Courier New"/>
-              </a:rPr>
-              <a:t>([{$match: {weight: {$</a:t>
-            </a:r>
-            <a:r>
-              <a:rPr lang="en-GB" sz="1200" dirty="0" err="1">
-                <a:latin typeface="Courier New"/>
-                <a:ea typeface="Courier New"/>
-                <a:cs typeface="Courier New"/>
-                <a:sym typeface="Courier New"/>
-              </a:rPr>
-              <a:t>gt</a:t>
-            </a:r>
-            <a:r>
-              <a:rPr lang="en-GB" sz="1200" dirty="0">
-                <a:latin typeface="Courier New"/>
-                <a:ea typeface="Courier New"/>
-                <a:cs typeface="Courier New"/>
-                <a:sym typeface="Courier New"/>
-              </a:rPr>
-              <a:t>: 700}}}, </a:t>
-            </a:r>
-            <a:br>
-              <a:rPr lang="en-GB" sz="1200" dirty="0">
-                <a:latin typeface="Courier New"/>
-                <a:ea typeface="Courier New"/>
-                <a:cs typeface="Courier New"/>
-                <a:sym typeface="Courier New"/>
-              </a:rPr>
-            </a:br>
-            <a:r>
-              <a:rPr lang="en-GB" sz="1200" dirty="0">
-                <a:latin typeface="Courier New"/>
-                <a:ea typeface="Courier New"/>
-                <a:cs typeface="Courier New"/>
-                <a:sym typeface="Courier New"/>
-              </a:rPr>
-              <a:t>		       {$group: {_id: null, total: {$sum: '$values'}}}])</a:t>
-            </a:r>
-          </a:p>
-          <a:p>
-            <a:pPr marL="1371600" lvl="2" indent="-317500" algn="l" rtl="0">
-              <a:spcBef>
-                <a:spcPts val="0"/>
-              </a:spcBef>
-              <a:spcAft>
-                <a:spcPts val="0"/>
-              </a:spcAft>
-              <a:buSzPts val="1400"/>
-              <a:buChar char="■"/>
-            </a:pPr>
-            <a:endParaRPr sz="500" dirty="0"/>
-          </a:p>
-          <a:p>
-            <a:pPr marL="457200" lvl="0" indent="-342900" algn="l" rtl="0">
-              <a:spcBef>
-                <a:spcPts val="0"/>
-              </a:spcBef>
-              <a:spcAft>
-                <a:spcPts val="0"/>
-              </a:spcAft>
-              <a:buSzPts val="1800"/>
-              <a:buChar char="●"/>
-            </a:pPr>
-            <a:r>
-              <a:rPr lang="en-GB" b="1" dirty="0"/>
-              <a:t>Single Purpose Aggregation Methods</a:t>
-            </a:r>
-            <a:endParaRPr b="1" dirty="0"/>
-          </a:p>
-          <a:p>
-            <a:pPr marL="1371600" lvl="2" indent="-317500" algn="l" rtl="0">
-              <a:spcBef>
-                <a:spcPts val="0"/>
-              </a:spcBef>
-              <a:spcAft>
-                <a:spcPts val="0"/>
-              </a:spcAft>
-              <a:buSzPts val="1400"/>
-              <a:buChar char="■"/>
-            </a:pPr>
-            <a:r>
-              <a:rPr lang="en-GB" dirty="0"/>
-              <a:t>simple access to common aggregation processes</a:t>
-            </a:r>
-            <a:endParaRPr dirty="0"/>
-          </a:p>
-          <a:p>
-            <a:pPr lvl="2">
-              <a:spcBef>
-                <a:spcPts val="0"/>
-              </a:spcBef>
-            </a:pPr>
-            <a:r>
-              <a:rPr lang="en-GB" dirty="0"/>
-              <a:t>lack the flexibility of the aggregation pipeline</a:t>
-            </a:r>
-          </a:p>
-          <a:p>
-            <a:pPr marL="1511300" lvl="3" indent="0">
-              <a:spcBef>
-                <a:spcPts val="0"/>
-              </a:spcBef>
-              <a:buNone/>
-            </a:pPr>
-            <a:r>
-              <a:rPr lang="en-GB" dirty="0" err="1">
-                <a:latin typeface="Courier New"/>
-                <a:ea typeface="Courier New"/>
-                <a:cs typeface="Courier New"/>
-                <a:sym typeface="Courier New"/>
-              </a:rPr>
-              <a:t>db.collection.estimatedDocumentCount</a:t>
-            </a:r>
-            <a:r>
-              <a:rPr lang="en-GB" dirty="0">
-                <a:latin typeface="Courier New"/>
-                <a:ea typeface="Courier New"/>
-                <a:cs typeface="Courier New"/>
-                <a:sym typeface="Courier New"/>
-              </a:rPr>
-              <a:t>()</a:t>
-            </a:r>
-            <a:endParaRPr dirty="0">
-              <a:latin typeface="Courier New"/>
-              <a:ea typeface="Courier New"/>
-              <a:cs typeface="Courier New"/>
-              <a:sym typeface="Courier New"/>
-            </a:endParaRPr>
-          </a:p>
-          <a:p>
-            <a:pPr marL="1511300" marR="0" lvl="3" indent="0" algn="l" rtl="0">
-              <a:lnSpc>
-                <a:spcPct val="115000"/>
-              </a:lnSpc>
-              <a:spcBef>
-                <a:spcPts val="0"/>
-              </a:spcBef>
-              <a:spcAft>
-                <a:spcPts val="0"/>
-              </a:spcAft>
-              <a:buSzPts val="1400"/>
-              <a:buNone/>
-            </a:pPr>
-            <a:r>
-              <a:rPr lang="en-GB" dirty="0" err="1">
-                <a:latin typeface="Courier New"/>
-                <a:ea typeface="Courier New"/>
-                <a:cs typeface="Courier New"/>
-                <a:sym typeface="Courier New"/>
-              </a:rPr>
-              <a:t>db.collection.distinct</a:t>
-            </a:r>
-            <a:r>
-              <a:rPr lang="en-GB" dirty="0">
-                <a:latin typeface="Courier New"/>
-                <a:ea typeface="Courier New"/>
-                <a:cs typeface="Courier New"/>
-                <a:sym typeface="Courier New"/>
-              </a:rPr>
-              <a:t>(</a:t>
-            </a:r>
-            <a:r>
-              <a:rPr lang="en-GB" dirty="0"/>
-              <a:t>)</a:t>
-            </a:r>
-            <a:endParaRPr dirty="0"/>
-          </a:p>
-          <a:p>
-            <a:pPr marL="457200" lvl="0" indent="-342900" algn="l" rtl="0">
-              <a:spcBef>
-                <a:spcPts val="0"/>
-              </a:spcBef>
-              <a:spcAft>
-                <a:spcPts val="0"/>
-              </a:spcAft>
-              <a:buSzPts val="1800"/>
-              <a:buChar char="●"/>
-            </a:pPr>
-            <a:r>
-              <a:rPr lang="en-GB" b="1" dirty="0"/>
-              <a:t>Map-Reduce</a:t>
-            </a:r>
-            <a:r>
-              <a:rPr lang="en-GB" dirty="0"/>
-              <a:t> function...</a:t>
-            </a:r>
-            <a:endParaRPr dirty="0"/>
-          </a:p>
-          <a:p>
-            <a:pPr marL="914400" lvl="0" indent="0" algn="l" rtl="0">
-              <a:spcBef>
-                <a:spcPts val="1600"/>
-              </a:spcBef>
-              <a:spcAft>
-                <a:spcPts val="1600"/>
-              </a:spcAft>
-              <a:buNone/>
-            </a:pPr>
-            <a:endParaRPr dirty="0"/>
-          </a:p>
-        </p:txBody>
-      </p:sp>
-      <p:pic>
-        <p:nvPicPr>
-          <p:cNvPr id="176" name="Google Shape;176;p26">
-            <a:hlinkClick r:id="rId3"/>
-          </p:cNvPr>
-          <p:cNvPicPr preferRelativeResize="0"/>
-          <p:nvPr/>
-        </p:nvPicPr>
-        <p:blipFill>
-          <a:blip r:embed="rId4">
-            <a:alphaModFix/>
-          </a:blip>
-          <a:stretch>
-            <a:fillRect/>
-          </a:stretch>
-        </p:blipFill>
-        <p:spPr>
-          <a:xfrm>
-            <a:off x="2585358" y="566254"/>
-            <a:ext cx="296550" cy="256250"/>
-          </a:xfrm>
-          <a:prstGeom prst="rect">
-            <a:avLst/>
-          </a:prstGeom>
-          <a:noFill/>
-          <a:ln>
-            <a:noFill/>
-          </a:ln>
-        </p:spPr>
-      </p:pic>
     </p:spTree>
   </p:cSld>
   <p:clrMapOvr>
@@ -12758,36 +11981,6 @@
           </a:p>
         </p:txBody>
       </p:sp>
-      <p:pic>
-        <p:nvPicPr>
-          <p:cNvPr id="183" name="Google Shape;183;p27">
-            <a:hlinkClick r:id="rId3"/>
-          </p:cNvPr>
-          <p:cNvPicPr preferRelativeResize="0"/>
-          <p:nvPr/>
-        </p:nvPicPr>
-        <p:blipFill>
-          <a:blip r:embed="rId4">
-            <a:alphaModFix/>
-          </a:blip>
-          <a:stretch>
-            <a:fillRect/>
-          </a:stretch>
-        </p:blipFill>
-        <p:spPr>
-          <a:xfrm>
-            <a:off x="4023000" y="536275"/>
-            <a:ext cx="296550" cy="256250"/>
-          </a:xfrm>
-          <a:prstGeom prst="rect">
-            <a:avLst/>
-          </a:prstGeom>
-          <a:noFill/>
-          <a:ln>
-            <a:noFill/>
-          </a:ln>
-        </p:spPr>
-      </p:pic>
     </p:spTree>
   </p:cSld>
   <p:clrMapOvr>
@@ -13238,60 +12431,32 @@
       </p:sp>
       <p:pic>
         <p:nvPicPr>
-          <p:cNvPr id="190" name="Google Shape;190;p28"/>
-          <p:cNvPicPr preferRelativeResize="0"/>
+          <p:cNvPr id="2" name="Immagine 1">
+            <a:extLst>
+              <a:ext uri="{FF2B5EF4-FFF2-40B4-BE49-F238E27FC236}">
+                <a16:creationId xmlns:a16="http://schemas.microsoft.com/office/drawing/2014/main" id="{D9CEEF59-247A-BC19-20FA-9C5613DAD3AD}"/>
+              </a:ext>
+            </a:extLst>
+          </p:cNvPr>
+          <p:cNvPicPr>
+            <a:picLocks noChangeAspect="1"/>
+          </p:cNvPicPr>
           <p:nvPr/>
         </p:nvPicPr>
         <p:blipFill>
-          <a:blip r:embed="rId3">
-            <a:alphaModFix/>
-          </a:blip>
+          <a:blip r:embed="rId3"/>
           <a:stretch>
             <a:fillRect/>
           </a:stretch>
         </p:blipFill>
         <p:spPr>
           <a:xfrm>
-            <a:off x="5802424" y="635225"/>
-            <a:ext cx="2963726" cy="1121400"/>
+            <a:off x="5341336" y="619031"/>
+            <a:ext cx="3701039" cy="1084143"/>
           </a:xfrm>
           <a:prstGeom prst="rect">
             <a:avLst/>
           </a:prstGeom>
-          <a:noFill/>
-          <a:ln>
-            <a:noFill/>
-          </a:ln>
-        </p:spPr>
-      </p:pic>
-      <p:pic>
-        <p:nvPicPr>
-          <p:cNvPr id="191" name="Google Shape;191;p28">
-            <a:hlinkClick r:id="rId4"/>
-          </p:cNvPr>
-          <p:cNvPicPr preferRelativeResize="0"/>
-          <p:nvPr/>
-        </p:nvPicPr>
-        <p:blipFill>
-          <a:blip r:embed="rId5">
-            <a:alphaModFix/>
-          </a:blip>
-          <a:stretch>
-            <a:fillRect/>
-          </a:stretch>
-        </p:blipFill>
-        <p:spPr>
-          <a:xfrm>
-            <a:off x="4742850" y="507100"/>
-            <a:ext cx="296550" cy="256250"/>
-          </a:xfrm>
-          <a:prstGeom prst="rect">
-            <a:avLst/>
-          </a:prstGeom>
-          <a:noFill/>
-          <a:ln>
-            <a:noFill/>
-          </a:ln>
         </p:spPr>
       </p:pic>
     </p:spTree>
@@ -13756,36 +12921,6 @@
           </a:p>
         </p:txBody>
       </p:sp>
-      <p:pic>
-        <p:nvPicPr>
-          <p:cNvPr id="198" name="Google Shape;198;p29">
-            <a:hlinkClick r:id="rId4"/>
-          </p:cNvPr>
-          <p:cNvPicPr preferRelativeResize="0"/>
-          <p:nvPr/>
-        </p:nvPicPr>
-        <p:blipFill>
-          <a:blip r:embed="rId5">
-            <a:alphaModFix/>
-          </a:blip>
-          <a:stretch>
-            <a:fillRect/>
-          </a:stretch>
-        </p:blipFill>
-        <p:spPr>
-          <a:xfrm>
-            <a:off x="2398500" y="546025"/>
-            <a:ext cx="296550" cy="256250"/>
-          </a:xfrm>
-          <a:prstGeom prst="rect">
-            <a:avLst/>
-          </a:prstGeom>
-          <a:noFill/>
-          <a:ln>
-            <a:noFill/>
-          </a:ln>
-        </p:spPr>
-      </p:pic>
     </p:spTree>
   </p:cSld>
   <p:clrMapOvr>
@@ -14629,34 +13764,18 @@
               <a:buChar char="●"/>
             </a:pPr>
             <a:r>
-              <a:rPr lang="en-GB" dirty="0">
-                <a:highlight>
-                  <a:srgbClr val="FFFF00"/>
-                </a:highlight>
-              </a:rPr>
+              <a:rPr lang="en-GB" dirty="0"/>
               <a:t>Code: </a:t>
             </a:r>
             <a:r>
-              <a:rPr lang="en-GB" b="1" dirty="0" err="1">
-                <a:highlight>
-                  <a:srgbClr val="FFFF00"/>
-                </a:highlight>
-              </a:rPr>
+              <a:rPr lang="en-GB" b="1" dirty="0" err="1"/>
               <a:t>WoT</a:t>
             </a:r>
             <a:r>
-              <a:rPr lang="en-GB" b="1" dirty="0">
-                <a:highlight>
-                  <a:srgbClr val="FFFF00"/>
-                </a:highlight>
-              </a:rPr>
+              <a:rPr lang="en-GB" b="1" dirty="0"/>
               <a:t> Fog Server</a:t>
             </a:r>
-            <a:endParaRPr b="1" dirty="0">
-              <a:highlight>
-                <a:srgbClr val="FFFF00"/>
-              </a:highlight>
-            </a:endParaRPr>
+            <a:endParaRPr b="1" dirty="0"/>
           </a:p>
           <a:p>
             <a:pPr marL="457200" marR="0" lvl="0" indent="-342900" algn="l" rtl="0">
@@ -15001,2443 +14120,36 @@
           </a:p>
         </p:txBody>
       </p:sp>
-      <p:grpSp>
-        <p:nvGrpSpPr>
-          <p:cNvPr id="216" name="Google Shape;216;p32"/>
-          <p:cNvGrpSpPr/>
+      <p:pic>
+        <p:nvPicPr>
+          <p:cNvPr id="2" name="Immagine 1">
+            <a:extLst>
+              <a:ext uri="{FF2B5EF4-FFF2-40B4-BE49-F238E27FC236}">
+                <a16:creationId xmlns:a16="http://schemas.microsoft.com/office/drawing/2014/main" id="{24269095-D570-C41B-138B-EB727F93722A}"/>
+              </a:ext>
+            </a:extLst>
+          </p:cNvPr>
+          <p:cNvPicPr>
+            <a:picLocks noChangeAspect="1"/>
+          </p:cNvPicPr>
           <p:nvPr/>
-        </p:nvGrpSpPr>
-        <p:grpSpPr>
-          <a:xfrm>
-            <a:off x="5181125" y="2749773"/>
-            <a:ext cx="2139600" cy="1588766"/>
-            <a:chOff x="3005500" y="2960575"/>
-            <a:chExt cx="2139600" cy="1599000"/>
-          </a:xfrm>
-        </p:grpSpPr>
-        <p:sp>
-          <p:nvSpPr>
-            <p:cNvPr id="217" name="Google Shape;217;p32"/>
-            <p:cNvSpPr/>
-            <p:nvPr/>
-          </p:nvSpPr>
-          <p:spPr>
-            <a:xfrm>
-              <a:off x="3005500" y="2960575"/>
-              <a:ext cx="2139600" cy="1599000"/>
-            </a:xfrm>
-            <a:prstGeom prst="ellipse">
-              <a:avLst/>
-            </a:prstGeom>
-            <a:solidFill>
-              <a:srgbClr val="FFFFFF"/>
-            </a:solidFill>
-            <a:ln w="28575" cap="flat" cmpd="sng">
-              <a:solidFill>
-                <a:srgbClr val="4A86E8"/>
-              </a:solidFill>
-              <a:prstDash val="solid"/>
-              <a:round/>
-              <a:headEnd type="none" w="sm" len="sm"/>
-              <a:tailEnd type="none" w="sm" len="sm"/>
-            </a:ln>
-          </p:spPr>
-          <p:txBody>
-            <a:bodyPr spcFirstLastPara="1" wrap="square" lIns="91425" tIns="91425" rIns="91425" bIns="91425" anchor="ctr" anchorCtr="0">
-              <a:noAutofit/>
-            </a:bodyPr>
-            <a:lstStyle/>
-            <a:p>
-              <a:pPr marL="0" lvl="0" indent="0" algn="ctr" rtl="0">
-                <a:spcBef>
-                  <a:spcPts val="0"/>
-                </a:spcBef>
-                <a:spcAft>
-                  <a:spcPts val="0"/>
-                </a:spcAft>
-                <a:buNone/>
-              </a:pPr>
-              <a:r>
-                <a:rPr lang="en-GB" sz="1800"/>
-                <a:t>MODEL</a:t>
-              </a:r>
-              <a:endParaRPr sz="1800"/>
-            </a:p>
-          </p:txBody>
-        </p:sp>
-        <p:sp>
-          <p:nvSpPr>
-            <p:cNvPr id="218" name="Google Shape;218;p32"/>
-            <p:cNvSpPr/>
-            <p:nvPr/>
-          </p:nvSpPr>
-          <p:spPr>
-            <a:xfrm>
-              <a:off x="3028025" y="2962300"/>
-              <a:ext cx="1159868" cy="752771"/>
-            </a:xfrm>
-            <a:custGeom>
-              <a:avLst/>
-              <a:gdLst/>
-              <a:ahLst/>
-              <a:cxnLst/>
-              <a:rect l="l" t="t" r="r" b="b"/>
-              <a:pathLst>
-                <a:path w="51350" h="36035" extrusionOk="0">
-                  <a:moveTo>
-                    <a:pt x="0" y="36035"/>
-                  </a:moveTo>
-                  <a:cubicBezTo>
-                    <a:pt x="17283" y="36035"/>
-                    <a:pt x="34249" y="23857"/>
-                    <a:pt x="45044" y="10360"/>
-                  </a:cubicBezTo>
-                  <a:cubicBezTo>
-                    <a:pt x="47569" y="7203"/>
-                    <a:pt x="51350" y="4043"/>
-                    <a:pt x="51350" y="0"/>
-                  </a:cubicBezTo>
-                </a:path>
-              </a:pathLst>
-            </a:custGeom>
-            <a:noFill/>
-            <a:ln w="28575" cap="flat" cmpd="sng">
-              <a:solidFill>
-                <a:srgbClr val="4A86E8"/>
-              </a:solidFill>
-              <a:prstDash val="dash"/>
-              <a:round/>
-              <a:headEnd type="none" w="med" len="med"/>
-              <a:tailEnd type="none" w="med" len="med"/>
-            </a:ln>
-          </p:spPr>
-          <p:txBody>
-            <a:bodyPr/>
-            <a:lstStyle/>
-            <a:p>
-              <a:endParaRPr lang="en-GB"/>
-            </a:p>
-          </p:txBody>
-        </p:sp>
-        <p:sp>
-          <p:nvSpPr>
-            <p:cNvPr id="219" name="Google Shape;219;p32"/>
-            <p:cNvSpPr/>
-            <p:nvPr/>
-          </p:nvSpPr>
-          <p:spPr>
-            <a:xfrm flipH="1">
-              <a:off x="4086498" y="3174576"/>
-              <a:ext cx="1002352" cy="530525"/>
-            </a:xfrm>
-            <a:custGeom>
-              <a:avLst/>
-              <a:gdLst/>
-              <a:ahLst/>
-              <a:cxnLst/>
-              <a:rect l="l" t="t" r="r" b="b"/>
-              <a:pathLst>
-                <a:path w="51350" h="36035" extrusionOk="0">
-                  <a:moveTo>
-                    <a:pt x="0" y="36035"/>
-                  </a:moveTo>
-                  <a:cubicBezTo>
-                    <a:pt x="17283" y="36035"/>
-                    <a:pt x="34249" y="23857"/>
-                    <a:pt x="45044" y="10360"/>
-                  </a:cubicBezTo>
-                  <a:cubicBezTo>
-                    <a:pt x="47569" y="7203"/>
-                    <a:pt x="51350" y="4043"/>
-                    <a:pt x="51350" y="0"/>
-                  </a:cubicBezTo>
-                </a:path>
-              </a:pathLst>
-            </a:custGeom>
-            <a:noFill/>
-            <a:ln w="28575" cap="flat" cmpd="sng">
-              <a:solidFill>
-                <a:srgbClr val="4A86E8"/>
-              </a:solidFill>
-              <a:prstDash val="dash"/>
-              <a:round/>
-              <a:headEnd type="none" w="med" len="med"/>
-              <a:tailEnd type="none" w="med" len="med"/>
-            </a:ln>
-          </p:spPr>
-          <p:txBody>
-            <a:bodyPr/>
-            <a:lstStyle/>
-            <a:p>
-              <a:endParaRPr lang="en-GB"/>
-            </a:p>
-          </p:txBody>
-        </p:sp>
-        <p:sp>
-          <p:nvSpPr>
-            <p:cNvPr id="220" name="Google Shape;220;p32"/>
-            <p:cNvSpPr/>
-            <p:nvPr/>
-          </p:nvSpPr>
-          <p:spPr>
-            <a:xfrm rot="-173223" flipH="1">
-              <a:off x="3454269" y="3646146"/>
-              <a:ext cx="983831" cy="866591"/>
-            </a:xfrm>
-            <a:custGeom>
-              <a:avLst/>
-              <a:gdLst/>
-              <a:ahLst/>
-              <a:cxnLst/>
-              <a:rect l="l" t="t" r="r" b="b"/>
-              <a:pathLst>
-                <a:path w="51350" h="36035" extrusionOk="0">
-                  <a:moveTo>
-                    <a:pt x="0" y="36035"/>
-                  </a:moveTo>
-                  <a:cubicBezTo>
-                    <a:pt x="17283" y="36035"/>
-                    <a:pt x="34249" y="23857"/>
-                    <a:pt x="45044" y="10360"/>
-                  </a:cubicBezTo>
-                  <a:cubicBezTo>
-                    <a:pt x="47569" y="7203"/>
-                    <a:pt x="51350" y="4043"/>
-                    <a:pt x="51350" y="0"/>
-                  </a:cubicBezTo>
-                </a:path>
-              </a:pathLst>
-            </a:custGeom>
-            <a:noFill/>
-            <a:ln w="28575" cap="flat" cmpd="sng">
-              <a:solidFill>
-                <a:srgbClr val="4A86E8"/>
-              </a:solidFill>
-              <a:prstDash val="dash"/>
-              <a:round/>
-              <a:headEnd type="none" w="med" len="med"/>
-              <a:tailEnd type="none" w="med" len="med"/>
-            </a:ln>
-          </p:spPr>
-          <p:txBody>
-            <a:bodyPr/>
-            <a:lstStyle/>
-            <a:p>
-              <a:endParaRPr lang="en-GB"/>
-            </a:p>
-          </p:txBody>
-        </p:sp>
-      </p:grpSp>
-      <p:sp>
-        <p:nvSpPr>
-          <p:cNvPr id="221" name="Google Shape;221;p32"/>
-          <p:cNvSpPr/>
-          <p:nvPr/>
-        </p:nvSpPr>
+        </p:nvPicPr>
+        <p:blipFill>
+          <a:blip r:embed="rId3"/>
+          <a:stretch>
+            <a:fillRect/>
+          </a:stretch>
+        </p:blipFill>
         <p:spPr>
           <a:xfrm>
-            <a:off x="3212175" y="3043943"/>
-            <a:ext cx="1486200" cy="1006800"/>
+            <a:off x="162141" y="1378932"/>
+            <a:ext cx="8819718" cy="4393217"/>
           </a:xfrm>
           <a:prstGeom prst="rect">
             <a:avLst/>
           </a:prstGeom>
-          <a:noFill/>
-          <a:ln w="28575" cap="flat" cmpd="sng">
-            <a:solidFill>
-              <a:srgbClr val="4A86E8"/>
-            </a:solidFill>
-            <a:prstDash val="solid"/>
-            <a:round/>
-            <a:headEnd type="none" w="sm" len="sm"/>
-            <a:tailEnd type="none" w="sm" len="sm"/>
-          </a:ln>
         </p:spPr>
-        <p:txBody>
-          <a:bodyPr spcFirstLastPara="1" wrap="square" lIns="91425" tIns="91425" rIns="91425" bIns="91425" anchor="ctr" anchorCtr="0">
-            <a:noAutofit/>
-          </a:bodyPr>
-          <a:lstStyle/>
-          <a:p>
-            <a:pPr marL="0" lvl="0" indent="0" algn="ctr" rtl="0">
-              <a:spcBef>
-                <a:spcPts val="0"/>
-              </a:spcBef>
-              <a:spcAft>
-                <a:spcPts val="0"/>
-              </a:spcAft>
-              <a:buNone/>
-            </a:pPr>
-            <a:r>
-              <a:rPr lang="en-GB" sz="1800"/>
-              <a:t>SERVER</a:t>
-            </a:r>
-            <a:endParaRPr sz="1800"/>
-          </a:p>
-          <a:p>
-            <a:pPr marL="0" lvl="0" indent="0" algn="ctr" rtl="0">
-              <a:spcBef>
-                <a:spcPts val="0"/>
-              </a:spcBef>
-              <a:spcAft>
-                <a:spcPts val="0"/>
-              </a:spcAft>
-              <a:buNone/>
-            </a:pPr>
-            <a:r>
-              <a:rPr lang="en-GB" sz="1800"/>
-              <a:t>(Express)</a:t>
-            </a:r>
-            <a:endParaRPr sz="1800"/>
-          </a:p>
-        </p:txBody>
-      </p:sp>
-      <p:cxnSp>
-        <p:nvCxnSpPr>
-          <p:cNvPr id="222" name="Google Shape;222;p32"/>
-          <p:cNvCxnSpPr>
-            <a:stCxn id="221" idx="3"/>
-            <a:endCxn id="217" idx="1"/>
-          </p:cNvCxnSpPr>
-          <p:nvPr/>
-        </p:nvCxnSpPr>
-        <p:spPr>
-          <a:xfrm rot="10800000" flipH="1">
-            <a:off x="4698375" y="2982443"/>
-            <a:ext cx="796200" cy="564900"/>
-          </a:xfrm>
-          <a:prstGeom prst="curvedConnector4">
-            <a:avLst>
-              <a:gd name="adj1" fmla="val 30316"/>
-              <a:gd name="adj2" fmla="val 183341"/>
-            </a:avLst>
-          </a:prstGeom>
-          <a:noFill/>
-          <a:ln w="19050" cap="flat" cmpd="sng">
-            <a:solidFill>
-              <a:srgbClr val="B7B7B7"/>
-            </a:solidFill>
-            <a:prstDash val="solid"/>
-            <a:round/>
-            <a:headEnd type="triangle" w="med" len="med"/>
-            <a:tailEnd type="triangle" w="med" len="med"/>
-          </a:ln>
-        </p:spPr>
-      </p:cxnSp>
-      <p:cxnSp>
-        <p:nvCxnSpPr>
-          <p:cNvPr id="223" name="Google Shape;223;p32"/>
-          <p:cNvCxnSpPr>
-            <a:endCxn id="217" idx="3"/>
-          </p:cNvCxnSpPr>
-          <p:nvPr/>
-        </p:nvCxnSpPr>
-        <p:spPr>
-          <a:xfrm>
-            <a:off x="4711462" y="3852970"/>
-            <a:ext cx="783000" cy="252900"/>
-          </a:xfrm>
-          <a:prstGeom prst="curvedConnector4">
-            <a:avLst>
-              <a:gd name="adj1" fmla="val 29991"/>
-              <a:gd name="adj2" fmla="val 170287"/>
-            </a:avLst>
-          </a:prstGeom>
-          <a:noFill/>
-          <a:ln w="19050" cap="flat" cmpd="sng">
-            <a:solidFill>
-              <a:srgbClr val="B7B7B7"/>
-            </a:solidFill>
-            <a:prstDash val="solid"/>
-            <a:round/>
-            <a:headEnd type="triangle" w="med" len="med"/>
-            <a:tailEnd type="triangle" w="med" len="med"/>
-          </a:ln>
-        </p:spPr>
-      </p:cxnSp>
-      <p:cxnSp>
-        <p:nvCxnSpPr>
-          <p:cNvPr id="224" name="Google Shape;224;p32"/>
-          <p:cNvCxnSpPr>
-            <a:stCxn id="221" idx="3"/>
-          </p:cNvCxnSpPr>
-          <p:nvPr/>
-        </p:nvCxnSpPr>
-        <p:spPr>
-          <a:xfrm>
-            <a:off x="4698375" y="3547343"/>
-            <a:ext cx="1950300" cy="401400"/>
-          </a:xfrm>
-          <a:prstGeom prst="curvedConnector3">
-            <a:avLst>
-              <a:gd name="adj1" fmla="val 44555"/>
-            </a:avLst>
-          </a:prstGeom>
-          <a:noFill/>
-          <a:ln w="19050" cap="flat" cmpd="sng">
-            <a:solidFill>
-              <a:srgbClr val="B7B7B7"/>
-            </a:solidFill>
-            <a:prstDash val="solid"/>
-            <a:round/>
-            <a:headEnd type="triangle" w="med" len="med"/>
-            <a:tailEnd type="triangle" w="med" len="med"/>
-          </a:ln>
-        </p:spPr>
-      </p:cxnSp>
-      <p:cxnSp>
-        <p:nvCxnSpPr>
-          <p:cNvPr id="225" name="Google Shape;225;p32"/>
-          <p:cNvCxnSpPr/>
-          <p:nvPr/>
-        </p:nvCxnSpPr>
-        <p:spPr>
-          <a:xfrm>
-            <a:off x="4673388" y="3188416"/>
-            <a:ext cx="2194200" cy="80700"/>
-          </a:xfrm>
-          <a:prstGeom prst="curvedConnector3">
-            <a:avLst>
-              <a:gd name="adj1" fmla="val 50000"/>
-            </a:avLst>
-          </a:prstGeom>
-          <a:noFill/>
-          <a:ln w="19050" cap="flat" cmpd="sng">
-            <a:solidFill>
-              <a:srgbClr val="B7B7B7"/>
-            </a:solidFill>
-            <a:prstDash val="solid"/>
-            <a:round/>
-            <a:headEnd type="triangle" w="med" len="med"/>
-            <a:tailEnd type="triangle" w="med" len="med"/>
-          </a:ln>
-        </p:spPr>
-      </p:cxnSp>
-      <p:sp>
-        <p:nvSpPr>
-          <p:cNvPr id="226" name="Google Shape;226;p32"/>
-          <p:cNvSpPr/>
-          <p:nvPr/>
-        </p:nvSpPr>
-        <p:spPr>
-          <a:xfrm>
-            <a:off x="1350975" y="3299739"/>
-            <a:ext cx="823500" cy="622512"/>
-          </a:xfrm>
-          <a:prstGeom prst="cloud">
-            <a:avLst/>
-          </a:prstGeom>
-          <a:noFill/>
-          <a:ln w="28575" cap="flat" cmpd="sng">
-            <a:solidFill>
-              <a:srgbClr val="FF0000"/>
-            </a:solidFill>
-            <a:prstDash val="solid"/>
-            <a:round/>
-            <a:headEnd type="none" w="sm" len="sm"/>
-            <a:tailEnd type="none" w="sm" len="sm"/>
-          </a:ln>
-        </p:spPr>
-        <p:txBody>
-          <a:bodyPr spcFirstLastPara="1" wrap="square" lIns="91425" tIns="91425" rIns="91425" bIns="91425" anchor="ctr" anchorCtr="0">
-            <a:noAutofit/>
-          </a:bodyPr>
-          <a:lstStyle/>
-          <a:p>
-            <a:pPr marL="0" lvl="0" indent="0" algn="l" rtl="0">
-              <a:spcBef>
-                <a:spcPts val="0"/>
-              </a:spcBef>
-              <a:spcAft>
-                <a:spcPts val="0"/>
-              </a:spcAft>
-              <a:buNone/>
-            </a:pPr>
-            <a:endParaRPr/>
-          </a:p>
-        </p:txBody>
-      </p:sp>
-      <p:sp>
-        <p:nvSpPr>
-          <p:cNvPr id="227" name="Google Shape;227;p32"/>
-          <p:cNvSpPr/>
-          <p:nvPr/>
-        </p:nvSpPr>
-        <p:spPr>
-          <a:xfrm>
-            <a:off x="108425" y="2662721"/>
-            <a:ext cx="915000" cy="432600"/>
-          </a:xfrm>
-          <a:prstGeom prst="rect">
-            <a:avLst/>
-          </a:prstGeom>
-          <a:noFill/>
-          <a:ln w="28575" cap="flat" cmpd="sng">
-            <a:solidFill>
-              <a:srgbClr val="4A86E8"/>
-            </a:solidFill>
-            <a:prstDash val="solid"/>
-            <a:round/>
-            <a:headEnd type="none" w="sm" len="sm"/>
-            <a:tailEnd type="none" w="sm" len="sm"/>
-          </a:ln>
-        </p:spPr>
-        <p:txBody>
-          <a:bodyPr spcFirstLastPara="1" wrap="square" lIns="91425" tIns="91425" rIns="91425" bIns="91425" anchor="ctr" anchorCtr="0">
-            <a:noAutofit/>
-          </a:bodyPr>
-          <a:lstStyle/>
-          <a:p>
-            <a:pPr marL="0" lvl="0" indent="0" algn="ctr" rtl="0">
-              <a:spcBef>
-                <a:spcPts val="0"/>
-              </a:spcBef>
-              <a:spcAft>
-                <a:spcPts val="0"/>
-              </a:spcAft>
-              <a:buNone/>
-            </a:pPr>
-            <a:r>
-              <a:rPr lang="en-GB"/>
-              <a:t>Client</a:t>
-            </a:r>
-            <a:endParaRPr/>
-          </a:p>
-        </p:txBody>
-      </p:sp>
-      <p:sp>
-        <p:nvSpPr>
-          <p:cNvPr id="228" name="Google Shape;228;p32"/>
-          <p:cNvSpPr/>
-          <p:nvPr/>
-        </p:nvSpPr>
-        <p:spPr>
-          <a:xfrm>
-            <a:off x="108425" y="3394696"/>
-            <a:ext cx="915000" cy="432600"/>
-          </a:xfrm>
-          <a:prstGeom prst="rect">
-            <a:avLst/>
-          </a:prstGeom>
-          <a:noFill/>
-          <a:ln w="28575" cap="flat" cmpd="sng">
-            <a:solidFill>
-              <a:srgbClr val="4A86E8"/>
-            </a:solidFill>
-            <a:prstDash val="solid"/>
-            <a:round/>
-            <a:headEnd type="none" w="sm" len="sm"/>
-            <a:tailEnd type="none" w="sm" len="sm"/>
-          </a:ln>
-        </p:spPr>
-        <p:txBody>
-          <a:bodyPr spcFirstLastPara="1" wrap="square" lIns="91425" tIns="91425" rIns="91425" bIns="91425" anchor="ctr" anchorCtr="0">
-            <a:noAutofit/>
-          </a:bodyPr>
-          <a:lstStyle/>
-          <a:p>
-            <a:pPr marL="0" lvl="0" indent="0" algn="ctr" rtl="0">
-              <a:spcBef>
-                <a:spcPts val="0"/>
-              </a:spcBef>
-              <a:spcAft>
-                <a:spcPts val="0"/>
-              </a:spcAft>
-              <a:buNone/>
-            </a:pPr>
-            <a:r>
-              <a:rPr lang="en-GB"/>
-              <a:t>Client</a:t>
-            </a:r>
-            <a:endParaRPr/>
-          </a:p>
-        </p:txBody>
-      </p:sp>
-      <p:sp>
-        <p:nvSpPr>
-          <p:cNvPr id="229" name="Google Shape;229;p32"/>
-          <p:cNvSpPr/>
-          <p:nvPr/>
-        </p:nvSpPr>
-        <p:spPr>
-          <a:xfrm>
-            <a:off x="123050" y="4145521"/>
-            <a:ext cx="915000" cy="432600"/>
-          </a:xfrm>
-          <a:prstGeom prst="rect">
-            <a:avLst/>
-          </a:prstGeom>
-          <a:noFill/>
-          <a:ln w="28575" cap="flat" cmpd="sng">
-            <a:solidFill>
-              <a:srgbClr val="4A86E8"/>
-            </a:solidFill>
-            <a:prstDash val="solid"/>
-            <a:round/>
-            <a:headEnd type="none" w="sm" len="sm"/>
-            <a:tailEnd type="none" w="sm" len="sm"/>
-          </a:ln>
-        </p:spPr>
-        <p:txBody>
-          <a:bodyPr spcFirstLastPara="1" wrap="square" lIns="91425" tIns="91425" rIns="91425" bIns="91425" anchor="ctr" anchorCtr="0">
-            <a:noAutofit/>
-          </a:bodyPr>
-          <a:lstStyle/>
-          <a:p>
-            <a:pPr marL="0" lvl="0" indent="0" algn="ctr" rtl="0">
-              <a:spcBef>
-                <a:spcPts val="0"/>
-              </a:spcBef>
-              <a:spcAft>
-                <a:spcPts val="0"/>
-              </a:spcAft>
-              <a:buNone/>
-            </a:pPr>
-            <a:r>
-              <a:rPr lang="en-GB"/>
-              <a:t>Client</a:t>
-            </a:r>
-            <a:endParaRPr/>
-          </a:p>
-        </p:txBody>
-      </p:sp>
-      <p:cxnSp>
-        <p:nvCxnSpPr>
-          <p:cNvPr id="230" name="Google Shape;230;p32"/>
-          <p:cNvCxnSpPr>
-            <a:stCxn id="227" idx="3"/>
-            <a:endCxn id="231" idx="0"/>
-          </p:cNvCxnSpPr>
-          <p:nvPr/>
-        </p:nvCxnSpPr>
-        <p:spPr>
-          <a:xfrm>
-            <a:off x="1023425" y="2879021"/>
-            <a:ext cx="1491600" cy="668400"/>
-          </a:xfrm>
-          <a:prstGeom prst="curvedConnector3">
-            <a:avLst>
-              <a:gd name="adj1" fmla="val 50003"/>
-            </a:avLst>
-          </a:prstGeom>
-          <a:noFill/>
-          <a:ln w="19050" cap="flat" cmpd="sng">
-            <a:solidFill>
-              <a:srgbClr val="B7B7B7"/>
-            </a:solidFill>
-            <a:prstDash val="solid"/>
-            <a:round/>
-            <a:headEnd type="triangle" w="med" len="med"/>
-            <a:tailEnd type="triangle" w="med" len="med"/>
-          </a:ln>
-        </p:spPr>
-      </p:cxnSp>
-      <p:cxnSp>
-        <p:nvCxnSpPr>
-          <p:cNvPr id="232" name="Google Shape;232;p32"/>
-          <p:cNvCxnSpPr>
-            <a:stCxn id="228" idx="3"/>
-            <a:endCxn id="231" idx="0"/>
-          </p:cNvCxnSpPr>
-          <p:nvPr/>
-        </p:nvCxnSpPr>
-        <p:spPr>
-          <a:xfrm rot="10800000" flipH="1">
-            <a:off x="1023425" y="3547396"/>
-            <a:ext cx="1491600" cy="63600"/>
-          </a:xfrm>
-          <a:prstGeom prst="curvedConnector3">
-            <a:avLst>
-              <a:gd name="adj1" fmla="val 50003"/>
-            </a:avLst>
-          </a:prstGeom>
-          <a:noFill/>
-          <a:ln w="19050" cap="flat" cmpd="sng">
-            <a:solidFill>
-              <a:srgbClr val="B7B7B7"/>
-            </a:solidFill>
-            <a:prstDash val="solid"/>
-            <a:round/>
-            <a:headEnd type="triangle" w="med" len="med"/>
-            <a:tailEnd type="triangle" w="med" len="med"/>
-          </a:ln>
-        </p:spPr>
-      </p:cxnSp>
-      <p:cxnSp>
-        <p:nvCxnSpPr>
-          <p:cNvPr id="233" name="Google Shape;233;p32"/>
-          <p:cNvCxnSpPr>
-            <a:stCxn id="229" idx="3"/>
-            <a:endCxn id="231" idx="0"/>
-          </p:cNvCxnSpPr>
-          <p:nvPr/>
-        </p:nvCxnSpPr>
-        <p:spPr>
-          <a:xfrm rot="10800000" flipH="1">
-            <a:off x="1038050" y="3547321"/>
-            <a:ext cx="1477200" cy="814500"/>
-          </a:xfrm>
-          <a:prstGeom prst="curvedConnector3">
-            <a:avLst>
-              <a:gd name="adj1" fmla="val 49996"/>
-            </a:avLst>
-          </a:prstGeom>
-          <a:noFill/>
-          <a:ln w="19050" cap="flat" cmpd="sng">
-            <a:solidFill>
-              <a:srgbClr val="B7B7B7"/>
-            </a:solidFill>
-            <a:prstDash val="solid"/>
-            <a:round/>
-            <a:headEnd type="triangle" w="med" len="med"/>
-            <a:tailEnd type="triangle" w="med" len="med"/>
-          </a:ln>
-        </p:spPr>
-      </p:cxnSp>
-      <p:sp>
-        <p:nvSpPr>
-          <p:cNvPr id="234" name="Google Shape;234;p32"/>
-          <p:cNvSpPr txBox="1"/>
-          <p:nvPr/>
-        </p:nvSpPr>
-        <p:spPr>
-          <a:xfrm>
-            <a:off x="1023425" y="4578125"/>
-            <a:ext cx="1746600" cy="622500"/>
-          </a:xfrm>
-          <a:prstGeom prst="rect">
-            <a:avLst/>
-          </a:prstGeom>
-          <a:noFill/>
-          <a:ln>
-            <a:noFill/>
-          </a:ln>
-        </p:spPr>
-        <p:txBody>
-          <a:bodyPr spcFirstLastPara="1" wrap="square" lIns="91425" tIns="91425" rIns="91425" bIns="91425" anchor="t" anchorCtr="0">
-            <a:noAutofit/>
-          </a:bodyPr>
-          <a:lstStyle/>
-          <a:p>
-            <a:pPr marL="0" lvl="0" indent="0" algn="l" rtl="0">
-              <a:spcBef>
-                <a:spcPts val="0"/>
-              </a:spcBef>
-              <a:spcAft>
-                <a:spcPts val="0"/>
-              </a:spcAft>
-              <a:buNone/>
-            </a:pPr>
-            <a:r>
-              <a:rPr lang="en-GB" sz="1200"/>
-              <a:t>Resources, Verbs, Representations</a:t>
-            </a:r>
-            <a:endParaRPr sz="1200"/>
-          </a:p>
-        </p:txBody>
-      </p:sp>
-      <p:grpSp>
-        <p:nvGrpSpPr>
-          <p:cNvPr id="235" name="Google Shape;235;p32"/>
-          <p:cNvGrpSpPr/>
-          <p:nvPr/>
-        </p:nvGrpSpPr>
-        <p:grpSpPr>
-          <a:xfrm>
-            <a:off x="3454825" y="1517650"/>
-            <a:ext cx="1000900" cy="1364700"/>
-            <a:chOff x="3539875" y="4560750"/>
-            <a:chExt cx="1000900" cy="1364700"/>
-          </a:xfrm>
-        </p:grpSpPr>
-        <p:sp>
-          <p:nvSpPr>
-            <p:cNvPr id="236" name="Google Shape;236;p32"/>
-            <p:cNvSpPr/>
-            <p:nvPr/>
-          </p:nvSpPr>
-          <p:spPr>
-            <a:xfrm rot="-5400000">
-              <a:off x="2976925" y="5123700"/>
-              <a:ext cx="1364700" cy="238800"/>
-            </a:xfrm>
-            <a:prstGeom prst="rect">
-              <a:avLst/>
-            </a:prstGeom>
-            <a:noFill/>
-            <a:ln w="28575" cap="flat" cmpd="sng">
-              <a:solidFill>
-                <a:srgbClr val="4A86E8"/>
-              </a:solidFill>
-              <a:prstDash val="solid"/>
-              <a:round/>
-              <a:headEnd type="none" w="sm" len="sm"/>
-              <a:tailEnd type="none" w="sm" len="sm"/>
-            </a:ln>
-          </p:spPr>
-          <p:txBody>
-            <a:bodyPr spcFirstLastPara="1" wrap="square" lIns="91425" tIns="91425" rIns="91425" bIns="91425" anchor="ctr" anchorCtr="0">
-              <a:noAutofit/>
-            </a:bodyPr>
-            <a:lstStyle/>
-            <a:p>
-              <a:pPr marL="0" lvl="0" indent="0" algn="ctr" rtl="0">
-                <a:spcBef>
-                  <a:spcPts val="0"/>
-                </a:spcBef>
-                <a:spcAft>
-                  <a:spcPts val="0"/>
-                </a:spcAft>
-                <a:buNone/>
-              </a:pPr>
-              <a:r>
-                <a:rPr lang="en-GB"/>
-                <a:t>BodyParser </a:t>
-              </a:r>
-              <a:endParaRPr/>
-            </a:p>
-          </p:txBody>
-        </p:sp>
-        <p:sp>
-          <p:nvSpPr>
-            <p:cNvPr id="237" name="Google Shape;237;p32"/>
-            <p:cNvSpPr/>
-            <p:nvPr/>
-          </p:nvSpPr>
-          <p:spPr>
-            <a:xfrm rot="-5400000">
-              <a:off x="3339050" y="5104650"/>
-              <a:ext cx="1364700" cy="276900"/>
-            </a:xfrm>
-            <a:prstGeom prst="rect">
-              <a:avLst/>
-            </a:prstGeom>
-            <a:noFill/>
-            <a:ln w="28575" cap="flat" cmpd="sng">
-              <a:solidFill>
-                <a:srgbClr val="4A86E8"/>
-              </a:solidFill>
-              <a:prstDash val="solid"/>
-              <a:round/>
-              <a:headEnd type="none" w="sm" len="sm"/>
-              <a:tailEnd type="none" w="sm" len="sm"/>
-            </a:ln>
-          </p:spPr>
-          <p:txBody>
-            <a:bodyPr spcFirstLastPara="1" wrap="square" lIns="91425" tIns="91425" rIns="91425" bIns="91425" anchor="ctr" anchorCtr="0">
-              <a:noAutofit/>
-            </a:bodyPr>
-            <a:lstStyle/>
-            <a:p>
-              <a:pPr marL="0" lvl="0" indent="0" algn="ctr" rtl="0">
-                <a:spcBef>
-                  <a:spcPts val="0"/>
-                </a:spcBef>
-                <a:spcAft>
-                  <a:spcPts val="0"/>
-                </a:spcAft>
-                <a:buNone/>
-              </a:pPr>
-              <a:r>
-                <a:rPr lang="en-GB"/>
-                <a:t>Middleware x </a:t>
-              </a:r>
-              <a:endParaRPr/>
-            </a:p>
-          </p:txBody>
-        </p:sp>
-        <p:sp>
-          <p:nvSpPr>
-            <p:cNvPr id="238" name="Google Shape;238;p32"/>
-            <p:cNvSpPr/>
-            <p:nvPr/>
-          </p:nvSpPr>
-          <p:spPr>
-            <a:xfrm rot="-5400000">
-              <a:off x="3723575" y="5108250"/>
-              <a:ext cx="1364700" cy="269700"/>
-            </a:xfrm>
-            <a:prstGeom prst="rect">
-              <a:avLst/>
-            </a:prstGeom>
-            <a:noFill/>
-            <a:ln w="28575" cap="flat" cmpd="sng">
-              <a:solidFill>
-                <a:srgbClr val="4A86E8"/>
-              </a:solidFill>
-              <a:prstDash val="solid"/>
-              <a:round/>
-              <a:headEnd type="none" w="sm" len="sm"/>
-              <a:tailEnd type="none" w="sm" len="sm"/>
-            </a:ln>
-          </p:spPr>
-          <p:txBody>
-            <a:bodyPr spcFirstLastPara="1" wrap="square" lIns="91425" tIns="91425" rIns="91425" bIns="91425" anchor="ctr" anchorCtr="0">
-              <a:noAutofit/>
-            </a:bodyPr>
-            <a:lstStyle/>
-            <a:p>
-              <a:pPr marL="0" lvl="0" indent="0" algn="ctr" rtl="0">
-                <a:spcBef>
-                  <a:spcPts val="0"/>
-                </a:spcBef>
-                <a:spcAft>
-                  <a:spcPts val="0"/>
-                </a:spcAft>
-                <a:buNone/>
-              </a:pPr>
-              <a:r>
-                <a:rPr lang="en-GB"/>
-                <a:t>Routers</a:t>
-              </a:r>
-              <a:endParaRPr/>
-            </a:p>
-          </p:txBody>
-        </p:sp>
-        <p:cxnSp>
-          <p:nvCxnSpPr>
-            <p:cNvPr id="239" name="Google Shape;239;p32"/>
-            <p:cNvCxnSpPr>
-              <a:stCxn id="236" idx="3"/>
-              <a:endCxn id="237" idx="3"/>
-            </p:cNvCxnSpPr>
-            <p:nvPr/>
-          </p:nvCxnSpPr>
-          <p:spPr>
-            <a:xfrm rot="-5400000" flipH="1">
-              <a:off x="3840025" y="4380000"/>
-              <a:ext cx="600" cy="362100"/>
-            </a:xfrm>
-            <a:prstGeom prst="curvedConnector3">
-              <a:avLst>
-                <a:gd name="adj1" fmla="val -39687500"/>
-              </a:avLst>
-            </a:prstGeom>
-            <a:noFill/>
-            <a:ln w="9525" cap="flat" cmpd="sng">
-              <a:solidFill>
-                <a:srgbClr val="B7B7B7"/>
-              </a:solidFill>
-              <a:prstDash val="solid"/>
-              <a:round/>
-              <a:headEnd type="none" w="med" len="med"/>
-              <a:tailEnd type="triangle" w="med" len="med"/>
-            </a:ln>
-          </p:spPr>
-        </p:cxnSp>
-        <p:cxnSp>
-          <p:nvCxnSpPr>
-            <p:cNvPr id="240" name="Google Shape;240;p32"/>
-            <p:cNvCxnSpPr>
-              <a:stCxn id="237" idx="3"/>
-              <a:endCxn id="238" idx="3"/>
-            </p:cNvCxnSpPr>
-            <p:nvPr/>
-          </p:nvCxnSpPr>
-          <p:spPr>
-            <a:xfrm rot="-5400000" flipH="1">
-              <a:off x="4213400" y="4368750"/>
-              <a:ext cx="600" cy="384600"/>
-            </a:xfrm>
-            <a:prstGeom prst="curvedConnector3">
-              <a:avLst>
-                <a:gd name="adj1" fmla="val -39687500"/>
-              </a:avLst>
-            </a:prstGeom>
-            <a:noFill/>
-            <a:ln w="9525" cap="flat" cmpd="sng">
-              <a:solidFill>
-                <a:srgbClr val="B7B7B7"/>
-              </a:solidFill>
-              <a:prstDash val="solid"/>
-              <a:round/>
-              <a:headEnd type="none" w="med" len="med"/>
-              <a:tailEnd type="triangle" w="med" len="med"/>
-            </a:ln>
-          </p:spPr>
-        </p:cxnSp>
-      </p:grpSp>
-      <p:cxnSp>
-        <p:nvCxnSpPr>
-          <p:cNvPr id="241" name="Google Shape;241;p32"/>
-          <p:cNvCxnSpPr>
-            <a:endCxn id="236" idx="0"/>
-          </p:cNvCxnSpPr>
-          <p:nvPr/>
-        </p:nvCxnSpPr>
-        <p:spPr>
-          <a:xfrm rot="-5400000">
-            <a:off x="2952925" y="2533000"/>
-            <a:ext cx="834900" cy="168900"/>
-          </a:xfrm>
-          <a:prstGeom prst="curvedConnector2">
-            <a:avLst/>
-          </a:prstGeom>
-          <a:noFill/>
-          <a:ln w="19050" cap="flat" cmpd="sng">
-            <a:solidFill>
-              <a:srgbClr val="B7B7B7"/>
-            </a:solidFill>
-            <a:prstDash val="solid"/>
-            <a:round/>
-            <a:headEnd type="none" w="med" len="med"/>
-            <a:tailEnd type="triangle" w="med" len="med"/>
-          </a:ln>
-        </p:spPr>
-      </p:cxnSp>
-      <p:cxnSp>
-        <p:nvCxnSpPr>
-          <p:cNvPr id="242" name="Google Shape;242;p32"/>
-          <p:cNvCxnSpPr>
-            <a:stCxn id="238" idx="2"/>
-          </p:cNvCxnSpPr>
-          <p:nvPr/>
-        </p:nvCxnSpPr>
-        <p:spPr>
-          <a:xfrm>
-            <a:off x="4455725" y="2200000"/>
-            <a:ext cx="135000" cy="828000"/>
-          </a:xfrm>
-          <a:prstGeom prst="curvedConnector2">
-            <a:avLst/>
-          </a:prstGeom>
-          <a:noFill/>
-          <a:ln w="19050" cap="flat" cmpd="sng">
-            <a:solidFill>
-              <a:srgbClr val="B7B7B7"/>
-            </a:solidFill>
-            <a:prstDash val="solid"/>
-            <a:round/>
-            <a:headEnd type="none" w="med" len="med"/>
-            <a:tailEnd type="triangle" w="med" len="med"/>
-          </a:ln>
-        </p:spPr>
-      </p:cxnSp>
-      <p:sp>
-        <p:nvSpPr>
-          <p:cNvPr id="243" name="Google Shape;243;p32"/>
-          <p:cNvSpPr txBox="1"/>
-          <p:nvPr/>
-        </p:nvSpPr>
-        <p:spPr>
-          <a:xfrm>
-            <a:off x="3681800" y="1013088"/>
-            <a:ext cx="823500" cy="333300"/>
-          </a:xfrm>
-          <a:prstGeom prst="rect">
-            <a:avLst/>
-          </a:prstGeom>
-          <a:noFill/>
-          <a:ln>
-            <a:noFill/>
-          </a:ln>
-        </p:spPr>
-        <p:txBody>
-          <a:bodyPr spcFirstLastPara="1" wrap="square" lIns="91425" tIns="91425" rIns="91425" bIns="91425" anchor="t" anchorCtr="0">
-            <a:noAutofit/>
-          </a:bodyPr>
-          <a:lstStyle/>
-          <a:p>
-            <a:pPr marL="0" lvl="0" indent="0" algn="l" rtl="0">
-              <a:spcBef>
-                <a:spcPts val="0"/>
-              </a:spcBef>
-              <a:spcAft>
-                <a:spcPts val="0"/>
-              </a:spcAft>
-              <a:buNone/>
-            </a:pPr>
-            <a:r>
-              <a:rPr lang="en-GB" sz="1200"/>
-              <a:t>Next</a:t>
-            </a:r>
-            <a:endParaRPr sz="1200"/>
-          </a:p>
-        </p:txBody>
-      </p:sp>
-      <p:sp>
-        <p:nvSpPr>
-          <p:cNvPr id="244" name="Google Shape;244;p32"/>
-          <p:cNvSpPr/>
-          <p:nvPr/>
-        </p:nvSpPr>
-        <p:spPr>
-          <a:xfrm>
-            <a:off x="7666750" y="5377400"/>
-            <a:ext cx="1397100" cy="432600"/>
-          </a:xfrm>
-          <a:prstGeom prst="rect">
-            <a:avLst/>
-          </a:prstGeom>
-          <a:noFill/>
-          <a:ln w="28575" cap="flat" cmpd="sng">
-            <a:solidFill>
-              <a:srgbClr val="4A86E8"/>
-            </a:solidFill>
-            <a:prstDash val="solid"/>
-            <a:round/>
-            <a:headEnd type="none" w="sm" len="sm"/>
-            <a:tailEnd type="none" w="sm" len="sm"/>
-          </a:ln>
-        </p:spPr>
-        <p:txBody>
-          <a:bodyPr spcFirstLastPara="1" wrap="square" lIns="91425" tIns="91425" rIns="91425" bIns="91425" anchor="ctr" anchorCtr="0">
-            <a:noAutofit/>
-          </a:bodyPr>
-          <a:lstStyle/>
-          <a:p>
-            <a:pPr marL="0" lvl="0" indent="0" algn="ctr" rtl="0">
-              <a:spcBef>
-                <a:spcPts val="0"/>
-              </a:spcBef>
-              <a:spcAft>
-                <a:spcPts val="0"/>
-              </a:spcAft>
-              <a:buNone/>
-            </a:pPr>
-            <a:r>
-              <a:rPr lang="en-GB"/>
-              <a:t>Driver</a:t>
-            </a:r>
-            <a:endParaRPr/>
-          </a:p>
-        </p:txBody>
-      </p:sp>
-      <p:grpSp>
-        <p:nvGrpSpPr>
-          <p:cNvPr id="245" name="Google Shape;245;p32"/>
-          <p:cNvGrpSpPr/>
-          <p:nvPr/>
-        </p:nvGrpSpPr>
-        <p:grpSpPr>
-          <a:xfrm>
-            <a:off x="7666750" y="3378538"/>
-            <a:ext cx="1000900" cy="1364700"/>
-            <a:chOff x="3539875" y="4560750"/>
-            <a:chExt cx="1000900" cy="1364700"/>
-          </a:xfrm>
-        </p:grpSpPr>
-        <p:sp>
-          <p:nvSpPr>
-            <p:cNvPr id="246" name="Google Shape;246;p32"/>
-            <p:cNvSpPr/>
-            <p:nvPr/>
-          </p:nvSpPr>
-          <p:spPr>
-            <a:xfrm rot="-5400000">
-              <a:off x="2976925" y="5123700"/>
-              <a:ext cx="1364700" cy="238800"/>
-            </a:xfrm>
-            <a:prstGeom prst="rect">
-              <a:avLst/>
-            </a:prstGeom>
-            <a:noFill/>
-            <a:ln w="28575" cap="flat" cmpd="sng">
-              <a:solidFill>
-                <a:srgbClr val="4A86E8"/>
-              </a:solidFill>
-              <a:prstDash val="solid"/>
-              <a:round/>
-              <a:headEnd type="none" w="sm" len="sm"/>
-              <a:tailEnd type="none" w="sm" len="sm"/>
-            </a:ln>
-          </p:spPr>
-          <p:txBody>
-            <a:bodyPr spcFirstLastPara="1" wrap="square" lIns="91425" tIns="91425" rIns="91425" bIns="91425" anchor="ctr" anchorCtr="0">
-              <a:noAutofit/>
-            </a:bodyPr>
-            <a:lstStyle/>
-            <a:p>
-              <a:pPr marL="0" lvl="0" indent="0" algn="ctr" rtl="0">
-                <a:spcBef>
-                  <a:spcPts val="0"/>
-                </a:spcBef>
-                <a:spcAft>
-                  <a:spcPts val="0"/>
-                </a:spcAft>
-                <a:buNone/>
-              </a:pPr>
-              <a:r>
-                <a:rPr lang="en-GB"/>
-                <a:t>Plugin 1</a:t>
-              </a:r>
-              <a:endParaRPr/>
-            </a:p>
-          </p:txBody>
-        </p:sp>
-        <p:sp>
-          <p:nvSpPr>
-            <p:cNvPr id="247" name="Google Shape;247;p32"/>
-            <p:cNvSpPr/>
-            <p:nvPr/>
-          </p:nvSpPr>
-          <p:spPr>
-            <a:xfrm rot="-5400000">
-              <a:off x="3339050" y="5104650"/>
-              <a:ext cx="1364700" cy="276900"/>
-            </a:xfrm>
-            <a:prstGeom prst="rect">
-              <a:avLst/>
-            </a:prstGeom>
-            <a:noFill/>
-            <a:ln w="28575" cap="flat" cmpd="sng">
-              <a:solidFill>
-                <a:srgbClr val="4A86E8"/>
-              </a:solidFill>
-              <a:prstDash val="solid"/>
-              <a:round/>
-              <a:headEnd type="none" w="sm" len="sm"/>
-              <a:tailEnd type="none" w="sm" len="sm"/>
-            </a:ln>
-          </p:spPr>
-          <p:txBody>
-            <a:bodyPr spcFirstLastPara="1" wrap="square" lIns="91425" tIns="91425" rIns="91425" bIns="91425" anchor="ctr" anchorCtr="0">
-              <a:noAutofit/>
-            </a:bodyPr>
-            <a:lstStyle/>
-            <a:p>
-              <a:pPr marL="0" lvl="0" indent="0" algn="ctr" rtl="0">
-                <a:spcBef>
-                  <a:spcPts val="0"/>
-                </a:spcBef>
-                <a:spcAft>
-                  <a:spcPts val="0"/>
-                </a:spcAft>
-                <a:buNone/>
-              </a:pPr>
-              <a:r>
-                <a:rPr lang="en-GB"/>
-                <a:t>Plugin 2</a:t>
-              </a:r>
-              <a:endParaRPr/>
-            </a:p>
-          </p:txBody>
-        </p:sp>
-        <p:sp>
-          <p:nvSpPr>
-            <p:cNvPr id="248" name="Google Shape;248;p32"/>
-            <p:cNvSpPr/>
-            <p:nvPr/>
-          </p:nvSpPr>
-          <p:spPr>
-            <a:xfrm rot="-5400000">
-              <a:off x="3723575" y="5108250"/>
-              <a:ext cx="1364700" cy="269700"/>
-            </a:xfrm>
-            <a:prstGeom prst="rect">
-              <a:avLst/>
-            </a:prstGeom>
-            <a:noFill/>
-            <a:ln w="28575" cap="flat" cmpd="sng">
-              <a:solidFill>
-                <a:srgbClr val="4A86E8"/>
-              </a:solidFill>
-              <a:prstDash val="solid"/>
-              <a:round/>
-              <a:headEnd type="none" w="sm" len="sm"/>
-              <a:tailEnd type="none" w="sm" len="sm"/>
-            </a:ln>
-          </p:spPr>
-          <p:txBody>
-            <a:bodyPr spcFirstLastPara="1" wrap="square" lIns="91425" tIns="91425" rIns="91425" bIns="91425" anchor="ctr" anchorCtr="0">
-              <a:noAutofit/>
-            </a:bodyPr>
-            <a:lstStyle/>
-            <a:p>
-              <a:pPr marL="0" lvl="0" indent="0" algn="ctr" rtl="0">
-                <a:spcBef>
-                  <a:spcPts val="0"/>
-                </a:spcBef>
-                <a:spcAft>
-                  <a:spcPts val="0"/>
-                </a:spcAft>
-                <a:buNone/>
-              </a:pPr>
-              <a:r>
-                <a:rPr lang="en-GB"/>
-                <a:t>Plugin 3 </a:t>
-              </a:r>
-              <a:endParaRPr/>
-            </a:p>
-          </p:txBody>
-        </p:sp>
-      </p:grpSp>
-      <p:cxnSp>
-        <p:nvCxnSpPr>
-          <p:cNvPr id="249" name="Google Shape;249;p32"/>
-          <p:cNvCxnSpPr>
-            <a:stCxn id="217" idx="5"/>
-            <a:endCxn id="246" idx="1"/>
-          </p:cNvCxnSpPr>
-          <p:nvPr/>
-        </p:nvCxnSpPr>
-        <p:spPr>
-          <a:xfrm rot="-5400000" flipH="1">
-            <a:off x="7078038" y="4035220"/>
-            <a:ext cx="637500" cy="778800"/>
-          </a:xfrm>
-          <a:prstGeom prst="curvedConnector3">
-            <a:avLst>
-              <a:gd name="adj1" fmla="val 137332"/>
-            </a:avLst>
-          </a:prstGeom>
-          <a:noFill/>
-          <a:ln w="19050" cap="flat" cmpd="sng">
-            <a:solidFill>
-              <a:srgbClr val="B7B7B7"/>
-            </a:solidFill>
-            <a:prstDash val="solid"/>
-            <a:round/>
-            <a:headEnd type="triangle" w="med" len="med"/>
-            <a:tailEnd type="triangle" w="med" len="med"/>
-          </a:ln>
-        </p:spPr>
-      </p:cxnSp>
-      <p:cxnSp>
-        <p:nvCxnSpPr>
-          <p:cNvPr id="250" name="Google Shape;250;p32"/>
-          <p:cNvCxnSpPr>
-            <a:stCxn id="217" idx="7"/>
-            <a:endCxn id="248" idx="3"/>
-          </p:cNvCxnSpPr>
-          <p:nvPr/>
-        </p:nvCxnSpPr>
-        <p:spPr>
-          <a:xfrm rot="-5400000" flipH="1">
-            <a:off x="7572138" y="2417693"/>
-            <a:ext cx="396000" cy="1525500"/>
-          </a:xfrm>
-          <a:prstGeom prst="curvedConnector3">
-            <a:avLst>
-              <a:gd name="adj1" fmla="val -62530"/>
-            </a:avLst>
-          </a:prstGeom>
-          <a:noFill/>
-          <a:ln w="19050" cap="flat" cmpd="sng">
-            <a:solidFill>
-              <a:srgbClr val="B7B7B7"/>
-            </a:solidFill>
-            <a:prstDash val="solid"/>
-            <a:round/>
-            <a:headEnd type="triangle" w="med" len="med"/>
-            <a:tailEnd type="triangle" w="med" len="med"/>
-          </a:ln>
-        </p:spPr>
-      </p:cxnSp>
-      <p:cxnSp>
-        <p:nvCxnSpPr>
-          <p:cNvPr id="251" name="Google Shape;251;p32"/>
-          <p:cNvCxnSpPr>
-            <a:stCxn id="217" idx="1"/>
-            <a:endCxn id="252" idx="3"/>
-          </p:cNvCxnSpPr>
-          <p:nvPr/>
-        </p:nvCxnSpPr>
-        <p:spPr>
-          <a:xfrm rot="-5400000" flipH="1">
-            <a:off x="6987562" y="1489343"/>
-            <a:ext cx="396000" cy="3382200"/>
-          </a:xfrm>
-          <a:prstGeom prst="curvedConnector3">
-            <a:avLst>
-              <a:gd name="adj1" fmla="val -168237"/>
-            </a:avLst>
-          </a:prstGeom>
-          <a:noFill/>
-          <a:ln w="19050" cap="flat" cmpd="sng">
-            <a:solidFill>
-              <a:srgbClr val="B7B7B7"/>
-            </a:solidFill>
-            <a:prstDash val="solid"/>
-            <a:round/>
-            <a:headEnd type="triangle" w="med" len="med"/>
-            <a:tailEnd type="triangle" w="med" len="med"/>
-          </a:ln>
-        </p:spPr>
-      </p:cxnSp>
-      <p:sp>
-        <p:nvSpPr>
-          <p:cNvPr id="252" name="Google Shape;252;p32"/>
-          <p:cNvSpPr/>
-          <p:nvPr/>
-        </p:nvSpPr>
-        <p:spPr>
-          <a:xfrm rot="-5400000">
-            <a:off x="8194275" y="3926038"/>
-            <a:ext cx="1364700" cy="269700"/>
-          </a:xfrm>
-          <a:prstGeom prst="rect">
-            <a:avLst/>
-          </a:prstGeom>
-          <a:noFill/>
-          <a:ln w="28575" cap="flat" cmpd="sng">
-            <a:solidFill>
-              <a:srgbClr val="4A86E8"/>
-            </a:solidFill>
-            <a:prstDash val="solid"/>
-            <a:round/>
-            <a:headEnd type="none" w="sm" len="sm"/>
-            <a:tailEnd type="none" w="sm" len="sm"/>
-          </a:ln>
-        </p:spPr>
-        <p:txBody>
-          <a:bodyPr spcFirstLastPara="1" wrap="square" lIns="91425" tIns="91425" rIns="91425" bIns="91425" anchor="ctr" anchorCtr="0">
-            <a:noAutofit/>
-          </a:bodyPr>
-          <a:lstStyle/>
-          <a:p>
-            <a:pPr marL="0" lvl="0" indent="0" algn="ctr" rtl="0">
-              <a:spcBef>
-                <a:spcPts val="0"/>
-              </a:spcBef>
-              <a:spcAft>
-                <a:spcPts val="0"/>
-              </a:spcAft>
-              <a:buNone/>
-            </a:pPr>
-            <a:r>
-              <a:rPr lang="en-GB"/>
-              <a:t>Plugin m </a:t>
-            </a:r>
-            <a:endParaRPr/>
-          </a:p>
-        </p:txBody>
-      </p:sp>
-      <p:cxnSp>
-        <p:nvCxnSpPr>
-          <p:cNvPr id="253" name="Google Shape;253;p32"/>
-          <p:cNvCxnSpPr>
-            <a:stCxn id="217" idx="3"/>
-            <a:endCxn id="247" idx="1"/>
-          </p:cNvCxnSpPr>
-          <p:nvPr/>
-        </p:nvCxnSpPr>
-        <p:spPr>
-          <a:xfrm rot="-5400000" flipH="1">
-            <a:off x="6502612" y="3097720"/>
-            <a:ext cx="637500" cy="2653800"/>
-          </a:xfrm>
-          <a:prstGeom prst="curvedConnector3">
-            <a:avLst>
-              <a:gd name="adj1" fmla="val 181095"/>
-            </a:avLst>
-          </a:prstGeom>
-          <a:noFill/>
-          <a:ln w="19050" cap="flat" cmpd="sng">
-            <a:solidFill>
-              <a:srgbClr val="B7B7B7"/>
-            </a:solidFill>
-            <a:prstDash val="solid"/>
-            <a:round/>
-            <a:headEnd type="triangle" w="med" len="med"/>
-            <a:tailEnd type="triangle" w="med" len="med"/>
-          </a:ln>
-        </p:spPr>
-      </p:cxnSp>
-      <p:cxnSp>
-        <p:nvCxnSpPr>
-          <p:cNvPr id="254" name="Google Shape;254;p32"/>
-          <p:cNvCxnSpPr>
-            <a:stCxn id="252" idx="1"/>
-            <a:endCxn id="244" idx="0"/>
-          </p:cNvCxnSpPr>
-          <p:nvPr/>
-        </p:nvCxnSpPr>
-        <p:spPr>
-          <a:xfrm rot="5400000">
-            <a:off x="8303925" y="4804738"/>
-            <a:ext cx="634200" cy="511200"/>
-          </a:xfrm>
-          <a:prstGeom prst="curvedConnector3">
-            <a:avLst>
-              <a:gd name="adj1" fmla="val 49997"/>
-            </a:avLst>
-          </a:prstGeom>
-          <a:noFill/>
-          <a:ln w="19050" cap="flat" cmpd="sng">
-            <a:solidFill>
-              <a:srgbClr val="B7B7B7"/>
-            </a:solidFill>
-            <a:prstDash val="solid"/>
-            <a:round/>
-            <a:headEnd type="triangle" w="med" len="med"/>
-            <a:tailEnd type="triangle" w="med" len="med"/>
-          </a:ln>
-        </p:spPr>
-      </p:cxnSp>
-      <p:cxnSp>
-        <p:nvCxnSpPr>
-          <p:cNvPr id="255" name="Google Shape;255;p32"/>
-          <p:cNvCxnSpPr>
-            <a:stCxn id="247" idx="1"/>
-            <a:endCxn id="244" idx="0"/>
-          </p:cNvCxnSpPr>
-          <p:nvPr/>
-        </p:nvCxnSpPr>
-        <p:spPr>
-          <a:xfrm rot="-5400000" flipH="1">
-            <a:off x="7939625" y="4951888"/>
-            <a:ext cx="634200" cy="216900"/>
-          </a:xfrm>
-          <a:prstGeom prst="curvedConnector3">
-            <a:avLst>
-              <a:gd name="adj1" fmla="val 49997"/>
-            </a:avLst>
-          </a:prstGeom>
-          <a:noFill/>
-          <a:ln w="19050" cap="flat" cmpd="sng">
-            <a:solidFill>
-              <a:srgbClr val="B7B7B7"/>
-            </a:solidFill>
-            <a:prstDash val="solid"/>
-            <a:round/>
-            <a:headEnd type="triangle" w="med" len="med"/>
-            <a:tailEnd type="triangle" w="med" len="med"/>
-          </a:ln>
-        </p:spPr>
-      </p:cxnSp>
-      <p:cxnSp>
-        <p:nvCxnSpPr>
-          <p:cNvPr id="256" name="Google Shape;256;p32"/>
-          <p:cNvCxnSpPr>
-            <a:stCxn id="248" idx="1"/>
-            <a:endCxn id="244" idx="0"/>
-          </p:cNvCxnSpPr>
-          <p:nvPr/>
-        </p:nvCxnSpPr>
-        <p:spPr>
-          <a:xfrm rot="5400000">
-            <a:off x="8132000" y="4976638"/>
-            <a:ext cx="634200" cy="167400"/>
-          </a:xfrm>
-          <a:prstGeom prst="curvedConnector3">
-            <a:avLst>
-              <a:gd name="adj1" fmla="val 49997"/>
-            </a:avLst>
-          </a:prstGeom>
-          <a:noFill/>
-          <a:ln w="19050" cap="flat" cmpd="sng">
-            <a:solidFill>
-              <a:srgbClr val="B7B7B7"/>
-            </a:solidFill>
-            <a:prstDash val="solid"/>
-            <a:round/>
-            <a:headEnd type="triangle" w="med" len="med"/>
-            <a:tailEnd type="triangle" w="med" len="med"/>
-          </a:ln>
-        </p:spPr>
-      </p:cxnSp>
-      <p:cxnSp>
-        <p:nvCxnSpPr>
-          <p:cNvPr id="257" name="Google Shape;257;p32"/>
-          <p:cNvCxnSpPr>
-            <a:stCxn id="246" idx="1"/>
-            <a:endCxn id="244" idx="0"/>
-          </p:cNvCxnSpPr>
-          <p:nvPr/>
-        </p:nvCxnSpPr>
-        <p:spPr>
-          <a:xfrm rot="-5400000" flipH="1">
-            <a:off x="7758700" y="4770688"/>
-            <a:ext cx="634200" cy="579300"/>
-          </a:xfrm>
-          <a:prstGeom prst="curvedConnector3">
-            <a:avLst>
-              <a:gd name="adj1" fmla="val 49997"/>
-            </a:avLst>
-          </a:prstGeom>
-          <a:noFill/>
-          <a:ln w="19050" cap="flat" cmpd="sng">
-            <a:solidFill>
-              <a:srgbClr val="B7B7B7"/>
-            </a:solidFill>
-            <a:prstDash val="solid"/>
-            <a:round/>
-            <a:headEnd type="triangle" w="med" len="med"/>
-            <a:tailEnd type="triangle" w="med" len="med"/>
-          </a:ln>
-        </p:spPr>
-      </p:cxnSp>
-      <p:sp>
-        <p:nvSpPr>
-          <p:cNvPr id="258" name="Google Shape;258;p32"/>
-          <p:cNvSpPr txBox="1"/>
-          <p:nvPr/>
-        </p:nvSpPr>
-        <p:spPr>
-          <a:xfrm>
-            <a:off x="6639395" y="2276225"/>
-            <a:ext cx="833700" cy="333300"/>
-          </a:xfrm>
-          <a:prstGeom prst="rect">
-            <a:avLst/>
-          </a:prstGeom>
-          <a:noFill/>
-          <a:ln>
-            <a:noFill/>
-          </a:ln>
-        </p:spPr>
-        <p:txBody>
-          <a:bodyPr spcFirstLastPara="1" wrap="square" lIns="91425" tIns="91425" rIns="91425" bIns="91425" anchor="t" anchorCtr="0">
-            <a:noAutofit/>
-          </a:bodyPr>
-          <a:lstStyle/>
-          <a:p>
-            <a:pPr marL="0" lvl="0" indent="0" algn="l" rtl="0">
-              <a:spcBef>
-                <a:spcPts val="0"/>
-              </a:spcBef>
-              <a:spcAft>
-                <a:spcPts val="0"/>
-              </a:spcAft>
-              <a:buNone/>
-            </a:pPr>
-            <a:r>
-              <a:rPr lang="en-GB" sz="1200" dirty="0"/>
-              <a:t>Observe</a:t>
-            </a:r>
-            <a:endParaRPr sz="1200" dirty="0"/>
-          </a:p>
-        </p:txBody>
-      </p:sp>
-      <p:sp>
-        <p:nvSpPr>
-          <p:cNvPr id="259" name="Google Shape;259;p32"/>
-          <p:cNvSpPr/>
-          <p:nvPr/>
-        </p:nvSpPr>
-        <p:spPr>
-          <a:xfrm>
-            <a:off x="7666750" y="6137525"/>
-            <a:ext cx="1397100" cy="432600"/>
-          </a:xfrm>
-          <a:prstGeom prst="rect">
-            <a:avLst/>
-          </a:prstGeom>
-          <a:noFill/>
-          <a:ln w="28575" cap="flat" cmpd="sng">
-            <a:solidFill>
-              <a:srgbClr val="4A86E8"/>
-            </a:solidFill>
-            <a:prstDash val="solid"/>
-            <a:round/>
-            <a:headEnd type="none" w="sm" len="sm"/>
-            <a:tailEnd type="none" w="sm" len="sm"/>
-          </a:ln>
-        </p:spPr>
-        <p:txBody>
-          <a:bodyPr spcFirstLastPara="1" wrap="square" lIns="91425" tIns="91425" rIns="91425" bIns="91425" anchor="ctr" anchorCtr="0">
-            <a:noAutofit/>
-          </a:bodyPr>
-          <a:lstStyle/>
-          <a:p>
-            <a:pPr marL="0" lvl="0" indent="0" algn="ctr" rtl="0">
-              <a:spcBef>
-                <a:spcPts val="0"/>
-              </a:spcBef>
-              <a:spcAft>
-                <a:spcPts val="0"/>
-              </a:spcAft>
-              <a:buNone/>
-            </a:pPr>
-            <a:r>
-              <a:rPr lang="en-GB"/>
-              <a:t>Devices</a:t>
-            </a:r>
-            <a:endParaRPr/>
-          </a:p>
-        </p:txBody>
-      </p:sp>
-      <p:cxnSp>
-        <p:nvCxnSpPr>
-          <p:cNvPr id="260" name="Google Shape;260;p32"/>
-          <p:cNvCxnSpPr>
-            <a:stCxn id="244" idx="2"/>
-            <a:endCxn id="259" idx="0"/>
-          </p:cNvCxnSpPr>
-          <p:nvPr/>
-        </p:nvCxnSpPr>
-        <p:spPr>
-          <a:xfrm rot="-5400000" flipH="1">
-            <a:off x="8201800" y="5973500"/>
-            <a:ext cx="327600" cy="600"/>
-          </a:xfrm>
-          <a:prstGeom prst="curvedConnector3">
-            <a:avLst>
-              <a:gd name="adj1" fmla="val 49989"/>
-            </a:avLst>
-          </a:prstGeom>
-          <a:noFill/>
-          <a:ln w="19050" cap="flat" cmpd="sng">
-            <a:solidFill>
-              <a:srgbClr val="B7B7B7"/>
-            </a:solidFill>
-            <a:prstDash val="solid"/>
-            <a:round/>
-            <a:headEnd type="triangle" w="med" len="med"/>
-            <a:tailEnd type="triangle" w="med" len="med"/>
-          </a:ln>
-        </p:spPr>
-      </p:cxnSp>
-      <p:sp>
-        <p:nvSpPr>
-          <p:cNvPr id="231" name="Google Shape;231;p32"/>
-          <p:cNvSpPr/>
-          <p:nvPr/>
-        </p:nvSpPr>
-        <p:spPr>
-          <a:xfrm rot="-5400000">
-            <a:off x="2050125" y="3331100"/>
-            <a:ext cx="1362600" cy="432600"/>
-          </a:xfrm>
-          <a:prstGeom prst="rect">
-            <a:avLst/>
-          </a:prstGeom>
-          <a:noFill/>
-          <a:ln w="28575" cap="flat" cmpd="sng">
-            <a:solidFill>
-              <a:srgbClr val="4A86E8"/>
-            </a:solidFill>
-            <a:prstDash val="solid"/>
-            <a:round/>
-            <a:headEnd type="none" w="sm" len="sm"/>
-            <a:tailEnd type="none" w="sm" len="sm"/>
-          </a:ln>
-        </p:spPr>
-        <p:txBody>
-          <a:bodyPr spcFirstLastPara="1" wrap="square" lIns="91425" tIns="91425" rIns="91425" bIns="91425" anchor="ctr" anchorCtr="0">
-            <a:noAutofit/>
-          </a:bodyPr>
-          <a:lstStyle/>
-          <a:p>
-            <a:pPr marL="0" lvl="0" indent="0" algn="ctr" rtl="0">
-              <a:spcBef>
-                <a:spcPts val="0"/>
-              </a:spcBef>
-              <a:spcAft>
-                <a:spcPts val="0"/>
-              </a:spcAft>
-              <a:buNone/>
-            </a:pPr>
-            <a:r>
-              <a:rPr lang="en-GB" sz="1800"/>
-              <a:t>WebSocket</a:t>
-            </a:r>
-            <a:endParaRPr sz="1800"/>
-          </a:p>
-        </p:txBody>
-      </p:sp>
-      <p:cxnSp>
-        <p:nvCxnSpPr>
-          <p:cNvPr id="261" name="Google Shape;261;p32"/>
-          <p:cNvCxnSpPr>
-            <a:stCxn id="231" idx="1"/>
-            <a:endCxn id="217" idx="4"/>
-          </p:cNvCxnSpPr>
-          <p:nvPr/>
-        </p:nvCxnSpPr>
-        <p:spPr>
-          <a:xfrm rot="-5400000" flipH="1">
-            <a:off x="4436325" y="2523800"/>
-            <a:ext cx="109800" cy="3519600"/>
-          </a:xfrm>
-          <a:prstGeom prst="curvedConnector3">
-            <a:avLst>
-              <a:gd name="adj1" fmla="val 2019740"/>
-            </a:avLst>
-          </a:prstGeom>
-          <a:noFill/>
-          <a:ln w="19050" cap="flat" cmpd="sng">
-            <a:solidFill>
-              <a:srgbClr val="B7B7B7"/>
-            </a:solidFill>
-            <a:prstDash val="solid"/>
-            <a:round/>
-            <a:headEnd type="triangle" w="med" len="med"/>
-            <a:tailEnd type="triangle" w="med" len="med"/>
-          </a:ln>
-        </p:spPr>
-      </p:cxnSp>
-      <p:sp>
-        <p:nvSpPr>
-          <p:cNvPr id="262" name="Google Shape;262;p32"/>
-          <p:cNvSpPr txBox="1"/>
-          <p:nvPr/>
-        </p:nvSpPr>
-        <p:spPr>
-          <a:xfrm>
-            <a:off x="6487000" y="4873950"/>
-            <a:ext cx="823500" cy="333300"/>
-          </a:xfrm>
-          <a:prstGeom prst="rect">
-            <a:avLst/>
-          </a:prstGeom>
-          <a:noFill/>
-          <a:ln>
-            <a:noFill/>
-          </a:ln>
-        </p:spPr>
-        <p:txBody>
-          <a:bodyPr spcFirstLastPara="1" wrap="square" lIns="91425" tIns="91425" rIns="91425" bIns="91425" anchor="t" anchorCtr="0">
-            <a:noAutofit/>
-          </a:bodyPr>
-          <a:lstStyle/>
-          <a:p>
-            <a:pPr marL="0" lvl="0" indent="0" algn="l" rtl="0">
-              <a:spcBef>
-                <a:spcPts val="0"/>
-              </a:spcBef>
-              <a:spcAft>
-                <a:spcPts val="0"/>
-              </a:spcAft>
-              <a:buNone/>
-            </a:pPr>
-            <a:r>
-              <a:rPr lang="en-GB" sz="1200"/>
-              <a:t>Observe</a:t>
-            </a:r>
-            <a:endParaRPr sz="1200"/>
-          </a:p>
-        </p:txBody>
-      </p:sp>
-      <p:cxnSp>
-        <p:nvCxnSpPr>
-          <p:cNvPr id="263" name="Google Shape;263;p32"/>
-          <p:cNvCxnSpPr>
-            <a:stCxn id="228" idx="3"/>
-            <a:endCxn id="231" idx="0"/>
-          </p:cNvCxnSpPr>
-          <p:nvPr/>
-        </p:nvCxnSpPr>
-        <p:spPr>
-          <a:xfrm rot="10800000" flipH="1">
-            <a:off x="1023425" y="3547396"/>
-            <a:ext cx="1491600" cy="63600"/>
-          </a:xfrm>
-          <a:prstGeom prst="curvedConnector3">
-            <a:avLst>
-              <a:gd name="adj1" fmla="val 50003"/>
-            </a:avLst>
-          </a:prstGeom>
-          <a:noFill/>
-          <a:ln w="19050" cap="flat" cmpd="sng">
-            <a:solidFill>
-              <a:srgbClr val="B7B7B7"/>
-            </a:solidFill>
-            <a:prstDash val="solid"/>
-            <a:round/>
-            <a:headEnd type="triangle" w="med" len="med"/>
-            <a:tailEnd type="triangle" w="med" len="med"/>
-          </a:ln>
-        </p:spPr>
-      </p:cxnSp>
-      <p:cxnSp>
-        <p:nvCxnSpPr>
-          <p:cNvPr id="264" name="Google Shape;264;p32"/>
-          <p:cNvCxnSpPr>
-            <a:stCxn id="231" idx="2"/>
-            <a:endCxn id="221" idx="1"/>
-          </p:cNvCxnSpPr>
-          <p:nvPr/>
-        </p:nvCxnSpPr>
-        <p:spPr>
-          <a:xfrm>
-            <a:off x="2947725" y="3547400"/>
-            <a:ext cx="264600" cy="600"/>
-          </a:xfrm>
-          <a:prstGeom prst="curvedConnector3">
-            <a:avLst>
-              <a:gd name="adj1" fmla="val 49972"/>
-            </a:avLst>
-          </a:prstGeom>
-          <a:noFill/>
-          <a:ln w="19050" cap="flat" cmpd="sng">
-            <a:solidFill>
-              <a:srgbClr val="B7B7B7"/>
-            </a:solidFill>
-            <a:prstDash val="solid"/>
-            <a:round/>
-            <a:headEnd type="none" w="med" len="med"/>
-            <a:tailEnd type="triangle" w="med" len="med"/>
-          </a:ln>
-        </p:spPr>
-      </p:cxnSp>
-      <p:grpSp>
-        <p:nvGrpSpPr>
-          <p:cNvPr id="265" name="Google Shape;265;p32"/>
-          <p:cNvGrpSpPr/>
-          <p:nvPr/>
-        </p:nvGrpSpPr>
-        <p:grpSpPr>
-          <a:xfrm rot="10800000">
-            <a:off x="3522275" y="4361825"/>
-            <a:ext cx="1000900" cy="1365300"/>
-            <a:chOff x="3539875" y="4560150"/>
-            <a:chExt cx="1000900" cy="1365300"/>
-          </a:xfrm>
-        </p:grpSpPr>
-        <p:sp>
-          <p:nvSpPr>
-            <p:cNvPr id="266" name="Google Shape;266;p32"/>
-            <p:cNvSpPr/>
-            <p:nvPr/>
-          </p:nvSpPr>
-          <p:spPr>
-            <a:xfrm rot="-5400000">
-              <a:off x="2989225" y="5111400"/>
-              <a:ext cx="1364700" cy="263400"/>
-            </a:xfrm>
-            <a:prstGeom prst="rect">
-              <a:avLst/>
-            </a:prstGeom>
-            <a:noFill/>
-            <a:ln w="28575" cap="flat" cmpd="sng">
-              <a:solidFill>
-                <a:srgbClr val="4A86E8"/>
-              </a:solidFill>
-              <a:prstDash val="solid"/>
-              <a:round/>
-              <a:headEnd type="none" w="sm" len="sm"/>
-              <a:tailEnd type="none" w="sm" len="sm"/>
-            </a:ln>
-          </p:spPr>
-          <p:txBody>
-            <a:bodyPr spcFirstLastPara="1" wrap="square" lIns="91425" tIns="91425" rIns="91425" bIns="91425" anchor="ctr" anchorCtr="0">
-              <a:noAutofit/>
-            </a:bodyPr>
-            <a:lstStyle/>
-            <a:p>
-              <a:pPr marL="0" lvl="0" indent="0" algn="ctr" rtl="0">
-                <a:spcBef>
-                  <a:spcPts val="0"/>
-                </a:spcBef>
-                <a:spcAft>
-                  <a:spcPts val="0"/>
-                </a:spcAft>
-                <a:buNone/>
-              </a:pPr>
-              <a:r>
-                <a:rPr lang="en-GB"/>
-                <a:t>Middleware y</a:t>
-              </a:r>
-              <a:endParaRPr/>
-            </a:p>
-          </p:txBody>
-        </p:sp>
-        <p:sp>
-          <p:nvSpPr>
-            <p:cNvPr id="267" name="Google Shape;267;p32"/>
-            <p:cNvSpPr/>
-            <p:nvPr/>
-          </p:nvSpPr>
-          <p:spPr>
-            <a:xfrm rot="-5400000">
-              <a:off x="3339050" y="5104650"/>
-              <a:ext cx="1364700" cy="276900"/>
-            </a:xfrm>
-            <a:prstGeom prst="rect">
-              <a:avLst/>
-            </a:prstGeom>
-            <a:noFill/>
-            <a:ln w="28575" cap="flat" cmpd="sng">
-              <a:solidFill>
-                <a:srgbClr val="4A86E8"/>
-              </a:solidFill>
-              <a:prstDash val="solid"/>
-              <a:round/>
-              <a:headEnd type="none" w="sm" len="sm"/>
-              <a:tailEnd type="none" w="sm" len="sm"/>
-            </a:ln>
-          </p:spPr>
-          <p:txBody>
-            <a:bodyPr spcFirstLastPara="1" wrap="square" lIns="91425" tIns="91425" rIns="91425" bIns="91425" anchor="ctr" anchorCtr="0">
-              <a:noAutofit/>
-            </a:bodyPr>
-            <a:lstStyle/>
-            <a:p>
-              <a:pPr marL="0" lvl="0" indent="0" algn="ctr" rtl="0">
-                <a:spcBef>
-                  <a:spcPts val="0"/>
-                </a:spcBef>
-                <a:spcAft>
-                  <a:spcPts val="0"/>
-                </a:spcAft>
-                <a:buNone/>
-              </a:pPr>
-              <a:r>
-                <a:rPr lang="en-GB"/>
-                <a:t>Middleware k</a:t>
-              </a:r>
-              <a:endParaRPr/>
-            </a:p>
-          </p:txBody>
-        </p:sp>
-        <p:sp>
-          <p:nvSpPr>
-            <p:cNvPr id="268" name="Google Shape;268;p32"/>
-            <p:cNvSpPr/>
-            <p:nvPr/>
-          </p:nvSpPr>
-          <p:spPr>
-            <a:xfrm rot="-5400000">
-              <a:off x="3723575" y="5108250"/>
-              <a:ext cx="1364700" cy="269700"/>
-            </a:xfrm>
-            <a:prstGeom prst="rect">
-              <a:avLst/>
-            </a:prstGeom>
-            <a:noFill/>
-            <a:ln w="28575" cap="flat" cmpd="sng">
-              <a:solidFill>
-                <a:srgbClr val="4A86E8"/>
-              </a:solidFill>
-              <a:prstDash val="solid"/>
-              <a:round/>
-              <a:headEnd type="none" w="sm" len="sm"/>
-              <a:tailEnd type="none" w="sm" len="sm"/>
-            </a:ln>
-          </p:spPr>
-          <p:txBody>
-            <a:bodyPr spcFirstLastPara="1" wrap="square" lIns="91425" tIns="91425" rIns="91425" bIns="91425" anchor="ctr" anchorCtr="0">
-              <a:noAutofit/>
-            </a:bodyPr>
-            <a:lstStyle/>
-            <a:p>
-              <a:pPr marL="0" lvl="0" indent="0" algn="ctr" rtl="0">
-                <a:spcBef>
-                  <a:spcPts val="0"/>
-                </a:spcBef>
-                <a:spcAft>
-                  <a:spcPts val="0"/>
-                </a:spcAft>
-                <a:buNone/>
-              </a:pPr>
-              <a:r>
-                <a:rPr lang="en-GB"/>
-                <a:t>Converter </a:t>
-              </a:r>
-              <a:endParaRPr/>
-            </a:p>
-          </p:txBody>
-        </p:sp>
-        <p:cxnSp>
-          <p:nvCxnSpPr>
-            <p:cNvPr id="269" name="Google Shape;269;p32"/>
-            <p:cNvCxnSpPr>
-              <a:stCxn id="266" idx="3"/>
-              <a:endCxn id="267" idx="3"/>
-            </p:cNvCxnSpPr>
-            <p:nvPr/>
-          </p:nvCxnSpPr>
-          <p:spPr>
-            <a:xfrm rot="-5400000">
-              <a:off x="3846175" y="4385550"/>
-              <a:ext cx="600" cy="349800"/>
-            </a:xfrm>
-            <a:prstGeom prst="curvedConnector3">
-              <a:avLst>
-                <a:gd name="adj1" fmla="val 39687500"/>
-              </a:avLst>
-            </a:prstGeom>
-            <a:noFill/>
-            <a:ln w="9525" cap="flat" cmpd="sng">
-              <a:solidFill>
-                <a:srgbClr val="B7B7B7"/>
-              </a:solidFill>
-              <a:prstDash val="solid"/>
-              <a:round/>
-              <a:headEnd type="none" w="med" len="med"/>
-              <a:tailEnd type="triangle" w="med" len="med"/>
-            </a:ln>
-          </p:spPr>
-        </p:cxnSp>
-        <p:cxnSp>
-          <p:nvCxnSpPr>
-            <p:cNvPr id="270" name="Google Shape;270;p32"/>
-            <p:cNvCxnSpPr>
-              <a:stCxn id="267" idx="3"/>
-              <a:endCxn id="268" idx="3"/>
-            </p:cNvCxnSpPr>
-            <p:nvPr/>
-          </p:nvCxnSpPr>
-          <p:spPr>
-            <a:xfrm rot="-5400000">
-              <a:off x="4213400" y="4368150"/>
-              <a:ext cx="600" cy="384600"/>
-            </a:xfrm>
-            <a:prstGeom prst="curvedConnector3">
-              <a:avLst>
-                <a:gd name="adj1" fmla="val 39687500"/>
-              </a:avLst>
-            </a:prstGeom>
-            <a:noFill/>
-            <a:ln w="9525" cap="flat" cmpd="sng">
-              <a:solidFill>
-                <a:srgbClr val="B7B7B7"/>
-              </a:solidFill>
-              <a:prstDash val="solid"/>
-              <a:round/>
-              <a:headEnd type="none" w="med" len="med"/>
-              <a:tailEnd type="triangle" w="med" len="med"/>
-            </a:ln>
-          </p:spPr>
-        </p:cxnSp>
-      </p:grpSp>
-      <p:cxnSp>
-        <p:nvCxnSpPr>
-          <p:cNvPr id="271" name="Google Shape;271;p32"/>
-          <p:cNvCxnSpPr>
-            <a:stCxn id="266" idx="0"/>
-          </p:cNvCxnSpPr>
-          <p:nvPr/>
-        </p:nvCxnSpPr>
-        <p:spPr>
-          <a:xfrm rot="10800000" flipH="1">
-            <a:off x="4523175" y="4051775"/>
-            <a:ext cx="129600" cy="992400"/>
-          </a:xfrm>
-          <a:prstGeom prst="curvedConnector2">
-            <a:avLst/>
-          </a:prstGeom>
-          <a:noFill/>
-          <a:ln w="19050" cap="flat" cmpd="sng">
-            <a:solidFill>
-              <a:srgbClr val="B7B7B7"/>
-            </a:solidFill>
-            <a:prstDash val="solid"/>
-            <a:round/>
-            <a:headEnd type="triangle" w="med" len="med"/>
-            <a:tailEnd type="none" w="med" len="med"/>
-          </a:ln>
-        </p:spPr>
-      </p:cxnSp>
-      <p:cxnSp>
-        <p:nvCxnSpPr>
-          <p:cNvPr id="272" name="Google Shape;272;p32"/>
-          <p:cNvCxnSpPr>
-            <a:stCxn id="268" idx="2"/>
-          </p:cNvCxnSpPr>
-          <p:nvPr/>
-        </p:nvCxnSpPr>
-        <p:spPr>
-          <a:xfrm rot="10800000">
-            <a:off x="3335075" y="4066775"/>
-            <a:ext cx="187200" cy="977400"/>
-          </a:xfrm>
-          <a:prstGeom prst="curvedConnector2">
-            <a:avLst/>
-          </a:prstGeom>
-          <a:noFill/>
-          <a:ln w="19050" cap="flat" cmpd="sng">
-            <a:solidFill>
-              <a:srgbClr val="B7B7B7"/>
-            </a:solidFill>
-            <a:prstDash val="solid"/>
-            <a:round/>
-            <a:headEnd type="none" w="med" len="med"/>
-            <a:tailEnd type="triangle" w="med" len="med"/>
-          </a:ln>
-        </p:spPr>
-      </p:cxnSp>
-      <p:sp>
-        <p:nvSpPr>
-          <p:cNvPr id="273" name="Google Shape;273;p32"/>
-          <p:cNvSpPr txBox="1"/>
-          <p:nvPr/>
-        </p:nvSpPr>
-        <p:spPr>
-          <a:xfrm>
-            <a:off x="3773025" y="5852147"/>
-            <a:ext cx="579000" cy="243300"/>
-          </a:xfrm>
-          <a:prstGeom prst="rect">
-            <a:avLst/>
-          </a:prstGeom>
-          <a:noFill/>
-          <a:ln>
-            <a:noFill/>
-          </a:ln>
-        </p:spPr>
-        <p:txBody>
-          <a:bodyPr spcFirstLastPara="1" wrap="square" lIns="91425" tIns="91425" rIns="91425" bIns="91425" anchor="t" anchorCtr="0">
-            <a:noAutofit/>
-          </a:bodyPr>
-          <a:lstStyle/>
-          <a:p>
-            <a:pPr marL="0" lvl="0" indent="0" algn="l" rtl="0">
-              <a:spcBef>
-                <a:spcPts val="0"/>
-              </a:spcBef>
-              <a:spcAft>
-                <a:spcPts val="0"/>
-              </a:spcAft>
-              <a:buNone/>
-            </a:pPr>
-            <a:r>
-              <a:rPr lang="en-GB" sz="1200"/>
-              <a:t>Next</a:t>
-            </a:r>
-            <a:endParaRPr sz="1200"/>
-          </a:p>
-        </p:txBody>
-      </p:sp>
-      <p:sp>
-        <p:nvSpPr>
-          <p:cNvPr id="274" name="Google Shape;274;p32"/>
-          <p:cNvSpPr txBox="1"/>
-          <p:nvPr/>
-        </p:nvSpPr>
-        <p:spPr>
-          <a:xfrm>
-            <a:off x="1217050" y="2430888"/>
-            <a:ext cx="766800" cy="297600"/>
-          </a:xfrm>
-          <a:prstGeom prst="rect">
-            <a:avLst/>
-          </a:prstGeom>
-          <a:noFill/>
-          <a:ln>
-            <a:noFill/>
-          </a:ln>
-        </p:spPr>
-        <p:txBody>
-          <a:bodyPr spcFirstLastPara="1" wrap="square" lIns="91425" tIns="91425" rIns="91425" bIns="91425" anchor="t" anchorCtr="0">
-            <a:noAutofit/>
-          </a:bodyPr>
-          <a:lstStyle/>
-          <a:p>
-            <a:pPr marL="0" lvl="0" indent="0" algn="l" rtl="0">
-              <a:spcBef>
-                <a:spcPts val="0"/>
-              </a:spcBef>
-              <a:spcAft>
-                <a:spcPts val="0"/>
-              </a:spcAft>
-              <a:buNone/>
-            </a:pPr>
-            <a:r>
-              <a:rPr lang="en-GB" sz="1200"/>
-              <a:t>GETs / PUTs</a:t>
-            </a:r>
-            <a:endParaRPr sz="1200"/>
-          </a:p>
-        </p:txBody>
-      </p:sp>
-      <p:sp>
-        <p:nvSpPr>
-          <p:cNvPr id="275" name="Google Shape;275;p32"/>
-          <p:cNvSpPr/>
-          <p:nvPr/>
-        </p:nvSpPr>
-        <p:spPr>
-          <a:xfrm>
-            <a:off x="5541250" y="1082450"/>
-            <a:ext cx="1972500" cy="1006800"/>
-          </a:xfrm>
-          <a:prstGeom prst="rect">
-            <a:avLst/>
-          </a:prstGeom>
-          <a:noFill/>
-          <a:ln w="28575" cap="flat" cmpd="sng">
-            <a:solidFill>
-              <a:srgbClr val="4A86E8"/>
-            </a:solidFill>
-            <a:prstDash val="solid"/>
-            <a:round/>
-            <a:headEnd type="none" w="sm" len="sm"/>
-            <a:tailEnd type="none" w="sm" len="sm"/>
-          </a:ln>
-        </p:spPr>
-        <p:txBody>
-          <a:bodyPr spcFirstLastPara="1" wrap="square" lIns="91425" tIns="91425" rIns="91425" bIns="91425" anchor="ctr" anchorCtr="0">
-            <a:noAutofit/>
-          </a:bodyPr>
-          <a:lstStyle/>
-          <a:p>
-            <a:pPr marL="0" lvl="0" indent="0" algn="ctr" rtl="0">
-              <a:spcBef>
-                <a:spcPts val="0"/>
-              </a:spcBef>
-              <a:spcAft>
-                <a:spcPts val="0"/>
-              </a:spcAft>
-              <a:buNone/>
-            </a:pPr>
-            <a:r>
-              <a:rPr lang="en-GB" sz="1800"/>
-              <a:t>PERSISTENCE</a:t>
-            </a:r>
-            <a:endParaRPr sz="1800"/>
-          </a:p>
-          <a:p>
-            <a:pPr marL="0" lvl="0" indent="0" algn="ctr" rtl="0">
-              <a:spcBef>
-                <a:spcPts val="0"/>
-              </a:spcBef>
-              <a:spcAft>
-                <a:spcPts val="0"/>
-              </a:spcAft>
-              <a:buNone/>
-            </a:pPr>
-            <a:r>
-              <a:rPr lang="en-GB" sz="1800"/>
-              <a:t>(Mongoose)</a:t>
-            </a:r>
-            <a:endParaRPr sz="1800"/>
-          </a:p>
-        </p:txBody>
-      </p:sp>
-      <p:cxnSp>
-        <p:nvCxnSpPr>
-          <p:cNvPr id="276" name="Google Shape;276;p32"/>
-          <p:cNvCxnSpPr>
-            <a:endCxn id="275" idx="1"/>
-          </p:cNvCxnSpPr>
-          <p:nvPr/>
-        </p:nvCxnSpPr>
-        <p:spPr>
-          <a:xfrm rot="10800000" flipH="1">
-            <a:off x="4478950" y="1585850"/>
-            <a:ext cx="1062300" cy="374700"/>
-          </a:xfrm>
-          <a:prstGeom prst="curvedConnector3">
-            <a:avLst>
-              <a:gd name="adj1" fmla="val 50000"/>
-            </a:avLst>
-          </a:prstGeom>
-          <a:noFill/>
-          <a:ln w="19050" cap="flat" cmpd="sng">
-            <a:solidFill>
-              <a:srgbClr val="B7B7B7"/>
-            </a:solidFill>
-            <a:prstDash val="solid"/>
-            <a:round/>
-            <a:headEnd type="none" w="med" len="med"/>
-            <a:tailEnd type="triangle" w="med" len="med"/>
-          </a:ln>
-        </p:spPr>
-      </p:cxnSp>
-      <p:cxnSp>
-        <p:nvCxnSpPr>
-          <p:cNvPr id="277" name="Google Shape;277;p32"/>
-          <p:cNvCxnSpPr>
-            <a:cxnSpLocks/>
-            <a:stCxn id="247" idx="3"/>
-            <a:endCxn id="275" idx="3"/>
-          </p:cNvCxnSpPr>
-          <p:nvPr/>
-        </p:nvCxnSpPr>
-        <p:spPr>
-          <a:xfrm rot="5400000" flipH="1">
-            <a:off x="6934625" y="2164888"/>
-            <a:ext cx="1792800" cy="634500"/>
-          </a:xfrm>
-          <a:prstGeom prst="curvedConnector2">
-            <a:avLst/>
-          </a:prstGeom>
-          <a:noFill/>
-          <a:ln w="19050" cap="flat" cmpd="sng">
-            <a:solidFill>
-              <a:srgbClr val="B7B7B7"/>
-            </a:solidFill>
-            <a:prstDash val="solid"/>
-            <a:round/>
-            <a:headEnd type="none" w="med" len="med"/>
-            <a:tailEnd type="triangle" w="med" len="med"/>
-          </a:ln>
-        </p:spPr>
-      </p:cxnSp>
-      <p:sp>
-        <p:nvSpPr>
-          <p:cNvPr id="278" name="Google Shape;278;p32"/>
-          <p:cNvSpPr/>
-          <p:nvPr/>
-        </p:nvSpPr>
-        <p:spPr>
-          <a:xfrm>
-            <a:off x="5541350" y="111550"/>
-            <a:ext cx="1972500" cy="668400"/>
-          </a:xfrm>
-          <a:prstGeom prst="can">
-            <a:avLst>
-              <a:gd name="adj" fmla="val 25000"/>
-            </a:avLst>
-          </a:prstGeom>
-          <a:noFill/>
-          <a:ln w="28575" cap="flat" cmpd="sng">
-            <a:solidFill>
-              <a:srgbClr val="4A86E8"/>
-            </a:solidFill>
-            <a:prstDash val="solid"/>
-            <a:round/>
-            <a:headEnd type="none" w="sm" len="sm"/>
-            <a:tailEnd type="none" w="sm" len="sm"/>
-          </a:ln>
-        </p:spPr>
-        <p:txBody>
-          <a:bodyPr spcFirstLastPara="1" wrap="square" lIns="91425" tIns="91425" rIns="91425" bIns="91425" anchor="ctr" anchorCtr="0">
-            <a:noAutofit/>
-          </a:bodyPr>
-          <a:lstStyle/>
-          <a:p>
-            <a:pPr marL="0" marR="0" lvl="0" indent="0" algn="ctr" rtl="0">
-              <a:lnSpc>
-                <a:spcPct val="100000"/>
-              </a:lnSpc>
-              <a:spcBef>
-                <a:spcPts val="0"/>
-              </a:spcBef>
-              <a:spcAft>
-                <a:spcPts val="0"/>
-              </a:spcAft>
-              <a:buNone/>
-            </a:pPr>
-            <a:r>
-              <a:rPr lang="en-GB"/>
-              <a:t>Database </a:t>
-            </a:r>
-            <a:br>
-              <a:rPr lang="en-GB"/>
-            </a:br>
-            <a:r>
-              <a:rPr lang="en-GB"/>
-              <a:t>(MongoDB)</a:t>
-            </a:r>
-            <a:endParaRPr/>
-          </a:p>
-        </p:txBody>
-      </p:sp>
-      <p:cxnSp>
-        <p:nvCxnSpPr>
-          <p:cNvPr id="279" name="Google Shape;279;p32"/>
-          <p:cNvCxnSpPr>
-            <a:stCxn id="275" idx="0"/>
-            <a:endCxn id="278" idx="3"/>
-          </p:cNvCxnSpPr>
-          <p:nvPr/>
-        </p:nvCxnSpPr>
-        <p:spPr>
-          <a:xfrm rot="-5400000">
-            <a:off x="6376600" y="930950"/>
-            <a:ext cx="302400" cy="600"/>
-          </a:xfrm>
-          <a:prstGeom prst="curvedConnector3">
-            <a:avLst>
-              <a:gd name="adj1" fmla="val 50017"/>
-            </a:avLst>
-          </a:prstGeom>
-          <a:noFill/>
-          <a:ln w="19050" cap="flat" cmpd="sng">
-            <a:solidFill>
-              <a:srgbClr val="B7B7B7"/>
-            </a:solidFill>
-            <a:prstDash val="solid"/>
-            <a:round/>
-            <a:headEnd type="triangle" w="med" len="med"/>
-            <a:tailEnd type="triangle" w="med" len="med"/>
-          </a:ln>
-        </p:spPr>
-      </p:cxnSp>
+      </p:pic>
     </p:spTree>
   </p:cSld>
   <p:clrMapOvr>
@@ -17891,36 +14603,6 @@
           </a:p>
         </p:txBody>
       </p:sp>
-      <p:pic>
-        <p:nvPicPr>
-          <p:cNvPr id="86" name="Google Shape;86;p14">
-            <a:hlinkClick r:id="rId3"/>
-          </p:cNvPr>
-          <p:cNvPicPr preferRelativeResize="0"/>
-          <p:nvPr/>
-        </p:nvPicPr>
-        <p:blipFill>
-          <a:blip r:embed="rId4">
-            <a:alphaModFix/>
-          </a:blip>
-          <a:stretch>
-            <a:fillRect/>
-          </a:stretch>
-        </p:blipFill>
-        <p:spPr>
-          <a:xfrm>
-            <a:off x="6180800" y="3300875"/>
-            <a:ext cx="296550" cy="256250"/>
-          </a:xfrm>
-          <a:prstGeom prst="rect">
-            <a:avLst/>
-          </a:prstGeom>
-          <a:noFill/>
-          <a:ln>
-            <a:noFill/>
-          </a:ln>
-        </p:spPr>
-      </p:pic>
     </p:spTree>
   </p:cSld>
   <p:clrMapOvr>
@@ -19310,324 +15992,6 @@
   <p:cSld>
     <p:spTree>
       <p:nvGrpSpPr>
-        <p:cNvPr id="1" name="Shape 295"/>
-        <p:cNvGrpSpPr/>
-        <p:nvPr/>
-      </p:nvGrpSpPr>
-      <p:grpSpPr>
-        <a:xfrm>
-          <a:off x="0" y="0"/>
-          <a:ext cx="0" cy="0"/>
-          <a:chOff x="0" y="0"/>
-          <a:chExt cx="0" cy="0"/>
-        </a:xfrm>
-      </p:grpSpPr>
-      <p:sp>
-        <p:nvSpPr>
-          <p:cNvPr id="296" name="Google Shape;296;p35"/>
-          <p:cNvSpPr txBox="1">
-            <a:spLocks noGrp="1"/>
-          </p:cNvSpPr>
-          <p:nvPr>
-            <p:ph type="title"/>
-          </p:nvPr>
-        </p:nvSpPr>
-        <p:spPr>
-          <a:xfrm>
-            <a:off x="311700" y="421233"/>
-            <a:ext cx="8520600" cy="622500"/>
-          </a:xfrm>
-          <a:prstGeom prst="rect">
-            <a:avLst/>
-          </a:prstGeom>
-        </p:spPr>
-        <p:txBody>
-          <a:bodyPr spcFirstLastPara="1" wrap="square" lIns="91425" tIns="91425" rIns="91425" bIns="91425" anchor="b" anchorCtr="0">
-            <a:noAutofit/>
-          </a:bodyPr>
-          <a:lstStyle/>
-          <a:p>
-            <a:pPr marL="0" lvl="0" indent="0" algn="l" rtl="0">
-              <a:spcBef>
-                <a:spcPts val="0"/>
-              </a:spcBef>
-              <a:spcAft>
-                <a:spcPts val="0"/>
-              </a:spcAft>
-              <a:buNone/>
-            </a:pPr>
-            <a:r>
-              <a:rPr lang="en-GB"/>
-              <a:t>More...</a:t>
-            </a:r>
-            <a:endParaRPr/>
-          </a:p>
-        </p:txBody>
-      </p:sp>
-      <p:sp>
-        <p:nvSpPr>
-          <p:cNvPr id="297" name="Google Shape;297;p35"/>
-          <p:cNvSpPr txBox="1">
-            <a:spLocks noGrp="1"/>
-          </p:cNvSpPr>
-          <p:nvPr>
-            <p:ph type="body" idx="1"/>
-          </p:nvPr>
-        </p:nvSpPr>
-        <p:spPr>
-          <a:xfrm>
-            <a:off x="366350" y="1192958"/>
-            <a:ext cx="8520600" cy="4472100"/>
-          </a:xfrm>
-          <a:prstGeom prst="rect">
-            <a:avLst/>
-          </a:prstGeom>
-        </p:spPr>
-        <p:txBody>
-          <a:bodyPr spcFirstLastPara="1" wrap="square" lIns="91425" tIns="91425" rIns="91425" bIns="91425" anchor="t" anchorCtr="0">
-            <a:noAutofit/>
-          </a:bodyPr>
-          <a:lstStyle/>
-          <a:p>
-            <a:pPr marL="457200" lvl="0" indent="-342900" algn="l" rtl="0">
-              <a:spcBef>
-                <a:spcPts val="0"/>
-              </a:spcBef>
-              <a:spcAft>
-                <a:spcPts val="0"/>
-              </a:spcAft>
-              <a:buSzPts val="1800"/>
-              <a:buChar char="●"/>
-            </a:pPr>
-            <a:r>
-              <a:rPr lang="en-GB" dirty="0"/>
-              <a:t>Updates and delete values</a:t>
-            </a:r>
-            <a:endParaRPr dirty="0"/>
-          </a:p>
-          <a:p>
-            <a:pPr marL="914400" marR="0" lvl="1" indent="-317500" algn="l" rtl="0">
-              <a:lnSpc>
-                <a:spcPct val="115000"/>
-              </a:lnSpc>
-              <a:spcBef>
-                <a:spcPts val="0"/>
-              </a:spcBef>
-              <a:spcAft>
-                <a:spcPts val="0"/>
-              </a:spcAft>
-              <a:buSzPts val="1400"/>
-              <a:buChar char="○"/>
-            </a:pPr>
-            <a:r>
-              <a:rPr lang="en-GB" dirty="0" err="1">
-                <a:latin typeface="Courier New"/>
-                <a:ea typeface="Courier New"/>
-                <a:cs typeface="Courier New"/>
-                <a:sym typeface="Courier New"/>
-              </a:rPr>
-              <a:t>findOneAndUpdate</a:t>
-            </a:r>
-            <a:r>
-              <a:rPr lang="en-GB" dirty="0"/>
-              <a:t> method</a:t>
-            </a:r>
-            <a:endParaRPr sz="1200" dirty="0">
-              <a:latin typeface="Courier New"/>
-              <a:ea typeface="Courier New"/>
-              <a:cs typeface="Courier New"/>
-              <a:sym typeface="Courier New"/>
-            </a:endParaRPr>
-          </a:p>
-          <a:p>
-            <a:pPr marL="914400" marR="0" lvl="1" indent="-317500" algn="l" rtl="0">
-              <a:lnSpc>
-                <a:spcPct val="115000"/>
-              </a:lnSpc>
-              <a:spcBef>
-                <a:spcPts val="0"/>
-              </a:spcBef>
-              <a:spcAft>
-                <a:spcPts val="0"/>
-              </a:spcAft>
-              <a:buSzPts val="1400"/>
-              <a:buChar char="○"/>
-            </a:pPr>
-            <a:r>
-              <a:rPr lang="en-GB" dirty="0" err="1">
-                <a:latin typeface="Courier New"/>
-                <a:ea typeface="Courier New"/>
-                <a:cs typeface="Courier New"/>
-                <a:sym typeface="Courier New"/>
-              </a:rPr>
-              <a:t>findOneAndRemove</a:t>
-            </a:r>
-            <a:r>
-              <a:rPr lang="en-GB" dirty="0"/>
-              <a:t> method</a:t>
-            </a:r>
-          </a:p>
-          <a:p>
-            <a:pPr marL="914400" marR="0" lvl="1" indent="-317500" algn="l" rtl="0">
-              <a:lnSpc>
-                <a:spcPct val="115000"/>
-              </a:lnSpc>
-              <a:spcBef>
-                <a:spcPts val="0"/>
-              </a:spcBef>
-              <a:spcAft>
-                <a:spcPts val="0"/>
-              </a:spcAft>
-              <a:buSzPts val="1400"/>
-              <a:buChar char="○"/>
-            </a:pPr>
-            <a:endParaRPr dirty="0"/>
-          </a:p>
-          <a:p>
-            <a:pPr marL="457200" lvl="0" indent="-342900" algn="l" rtl="0">
-              <a:spcBef>
-                <a:spcPts val="0"/>
-              </a:spcBef>
-              <a:spcAft>
-                <a:spcPts val="0"/>
-              </a:spcAft>
-              <a:buSzPts val="1800"/>
-              <a:buChar char="●"/>
-            </a:pPr>
-            <a:r>
-              <a:rPr lang="en-GB" dirty="0"/>
-              <a:t>References</a:t>
-            </a:r>
-            <a:endParaRPr dirty="0"/>
-          </a:p>
-          <a:p>
-            <a:pPr marL="914400" lvl="1" indent="-317500" algn="l" rtl="0">
-              <a:spcBef>
-                <a:spcPts val="0"/>
-              </a:spcBef>
-              <a:spcAft>
-                <a:spcPts val="0"/>
-              </a:spcAft>
-              <a:buSzPts val="1400"/>
-              <a:buChar char="○"/>
-            </a:pPr>
-            <a:r>
-              <a:rPr lang="en-GB" dirty="0"/>
-              <a:t>to other schemas</a:t>
-            </a:r>
-          </a:p>
-          <a:p>
-            <a:pPr marL="914400" lvl="1" indent="-317500" algn="l" rtl="0">
-              <a:spcBef>
-                <a:spcPts val="0"/>
-              </a:spcBef>
-              <a:spcAft>
-                <a:spcPts val="0"/>
-              </a:spcAft>
-              <a:buSzPts val="1400"/>
-              <a:buChar char="○"/>
-            </a:pPr>
-            <a:endParaRPr dirty="0"/>
-          </a:p>
-          <a:p>
-            <a:pPr marL="457200" lvl="0" indent="-342900" algn="l" rtl="0">
-              <a:spcBef>
-                <a:spcPts val="0"/>
-              </a:spcBef>
-              <a:spcAft>
-                <a:spcPts val="0"/>
-              </a:spcAft>
-              <a:buSzPts val="1800"/>
-              <a:buChar char="●"/>
-            </a:pPr>
-            <a:r>
-              <a:rPr lang="en-GB" dirty="0"/>
-              <a:t>Virtual properties</a:t>
-            </a:r>
-            <a:endParaRPr dirty="0"/>
-          </a:p>
-          <a:p>
-            <a:pPr marL="914400" lvl="1" indent="-317500" algn="l" rtl="0">
-              <a:spcBef>
-                <a:spcPts val="0"/>
-              </a:spcBef>
-              <a:spcAft>
-                <a:spcPts val="0"/>
-              </a:spcAft>
-              <a:buSzPts val="1400"/>
-              <a:buChar char="○"/>
-            </a:pPr>
-            <a:r>
-              <a:rPr lang="en-GB" dirty="0"/>
-              <a:t>not persisted to the database, but added to the schema as a helper to get and </a:t>
-            </a:r>
-            <a:r>
-              <a:rPr lang="en-GB"/>
-              <a:t>set values</a:t>
-            </a:r>
-          </a:p>
-          <a:p>
-            <a:pPr marL="914400" lvl="1" indent="-317500" algn="l" rtl="0">
-              <a:spcBef>
-                <a:spcPts val="0"/>
-              </a:spcBef>
-              <a:spcAft>
-                <a:spcPts val="0"/>
-              </a:spcAft>
-              <a:buSzPts val="1400"/>
-              <a:buChar char="○"/>
-            </a:pPr>
-            <a:endParaRPr dirty="0"/>
-          </a:p>
-          <a:p>
-            <a:pPr marL="457200" lvl="0" indent="-342900" algn="l" rtl="0">
-              <a:spcBef>
-                <a:spcPts val="0"/>
-              </a:spcBef>
-              <a:spcAft>
-                <a:spcPts val="0"/>
-              </a:spcAft>
-              <a:buSzPts val="1800"/>
-              <a:buChar char="●"/>
-            </a:pPr>
-            <a:r>
-              <a:rPr lang="en-GB" dirty="0"/>
-              <a:t>Plugins</a:t>
-            </a:r>
-            <a:endParaRPr dirty="0"/>
-          </a:p>
-          <a:p>
-            <a:pPr marL="914400" lvl="1" indent="-317500" algn="l" rtl="0">
-              <a:spcBef>
-                <a:spcPts val="0"/>
-              </a:spcBef>
-              <a:spcAft>
-                <a:spcPts val="0"/>
-              </a:spcAft>
-              <a:buSzPts val="1400"/>
-              <a:buChar char="○"/>
-            </a:pPr>
-            <a:r>
-              <a:rPr lang="en-GB" dirty="0"/>
-              <a:t>E.g. “mongoose-paginate”</a:t>
-            </a:r>
-            <a:endParaRPr dirty="0"/>
-          </a:p>
-        </p:txBody>
-      </p:sp>
-    </p:spTree>
-  </p:cSld>
-  <p:clrMapOvr>
-    <a:masterClrMapping/>
-  </p:clrMapOvr>
-</p:sld>
-</file>
-
-<file path=ppt/slides/slide23.xml><?xml version="1.0" encoding="utf-8"?>
-<p:sld xmlns:a="http://schemas.openxmlformats.org/drawingml/2006/main" xmlns:r="http://schemas.openxmlformats.org/officeDocument/2006/relationships" xmlns:p="http://schemas.openxmlformats.org/presentationml/2006/main">
-  <p:cSld>
-    <p:spTree>
-      <p:nvGrpSpPr>
         <p:cNvPr id="1" name="Shape 301"/>
         <p:cNvGrpSpPr/>
         <p:nvPr/>
@@ -19927,7 +16291,7 @@
         </p:nvSpPr>
         <p:spPr>
           <a:xfrm>
-            <a:off x="311700" y="1241098"/>
+            <a:off x="311700" y="1043733"/>
             <a:ext cx="8520600" cy="5345700"/>
           </a:xfrm>
           <a:prstGeom prst="rect">
@@ -20235,158 +16599,6 @@
             <a:endParaRPr lang="en-GB" sz="1200" dirty="0"/>
           </a:p>
           <a:p>
-            <a:pPr marL="457200" marR="0" lvl="0" indent="-342900" algn="l" rtl="0">
-              <a:lnSpc>
-                <a:spcPct val="115000"/>
-              </a:lnSpc>
-              <a:spcBef>
-                <a:spcPts val="0"/>
-              </a:spcBef>
-              <a:spcAft>
-                <a:spcPts val="0"/>
-              </a:spcAft>
-              <a:buSzPts val="1800"/>
-              <a:buChar char="●"/>
-            </a:pPr>
-            <a:r>
-              <a:rPr lang="en-GB" dirty="0"/>
-              <a:t>Data Model</a:t>
-            </a:r>
-            <a:endParaRPr dirty="0"/>
-          </a:p>
-          <a:p>
-            <a:pPr marL="914400" marR="0" lvl="1" indent="-317500" algn="l" rtl="0">
-              <a:lnSpc>
-                <a:spcPct val="115000"/>
-              </a:lnSpc>
-              <a:spcBef>
-                <a:spcPts val="0"/>
-              </a:spcBef>
-              <a:spcAft>
-                <a:spcPts val="0"/>
-              </a:spcAft>
-              <a:buSzPts val="1400"/>
-              <a:buChar char="○"/>
-            </a:pPr>
-            <a:r>
-              <a:rPr lang="en-GB" dirty="0"/>
-              <a:t>Database -&gt; </a:t>
-            </a:r>
-            <a:r>
-              <a:rPr lang="en-GB" b="1" dirty="0"/>
-              <a:t>Database</a:t>
-            </a:r>
-            <a:endParaRPr b="1" dirty="0"/>
-          </a:p>
-          <a:p>
-            <a:pPr marL="914400" marR="0" lvl="1" indent="-317500" algn="l" rtl="0">
-              <a:lnSpc>
-                <a:spcPct val="115000"/>
-              </a:lnSpc>
-              <a:spcBef>
-                <a:spcPts val="0"/>
-              </a:spcBef>
-              <a:spcAft>
-                <a:spcPts val="0"/>
-              </a:spcAft>
-              <a:buSzPts val="1400"/>
-              <a:buChar char="○"/>
-            </a:pPr>
-            <a:r>
-              <a:rPr lang="en-GB" dirty="0"/>
-              <a:t>Table -&gt; </a:t>
-            </a:r>
-            <a:r>
-              <a:rPr lang="en-GB" b="1" dirty="0"/>
-              <a:t>Collection</a:t>
-            </a:r>
-            <a:endParaRPr b="1" dirty="0"/>
-          </a:p>
-          <a:p>
-            <a:pPr marL="914400" marR="0" lvl="1" indent="-317500" algn="l" rtl="0">
-              <a:lnSpc>
-                <a:spcPct val="115000"/>
-              </a:lnSpc>
-              <a:spcBef>
-                <a:spcPts val="0"/>
-              </a:spcBef>
-              <a:spcAft>
-                <a:spcPts val="0"/>
-              </a:spcAft>
-              <a:buSzPts val="1400"/>
-              <a:buChar char="○"/>
-            </a:pPr>
-            <a:r>
-              <a:rPr lang="en-GB" dirty="0"/>
-              <a:t>Row -&gt; </a:t>
-            </a:r>
-            <a:r>
-              <a:rPr lang="en-GB" b="1" dirty="0"/>
-              <a:t>Document</a:t>
-            </a:r>
-            <a:endParaRPr b="1" dirty="0"/>
-          </a:p>
-          <a:p>
-            <a:pPr marL="914400" marR="0" lvl="1" indent="-317500" algn="l" rtl="0">
-              <a:lnSpc>
-                <a:spcPct val="115000"/>
-              </a:lnSpc>
-              <a:spcBef>
-                <a:spcPts val="0"/>
-              </a:spcBef>
-              <a:spcAft>
-                <a:spcPts val="0"/>
-              </a:spcAft>
-              <a:buSzPts val="1400"/>
-              <a:buChar char="○"/>
-            </a:pPr>
-            <a:r>
-              <a:rPr lang="en-GB" dirty="0"/>
-              <a:t>Column -&gt; </a:t>
-            </a:r>
-            <a:r>
-              <a:rPr lang="en-GB" b="1" dirty="0"/>
-              <a:t>Field</a:t>
-            </a:r>
-            <a:endParaRPr b="1" dirty="0"/>
-          </a:p>
-          <a:p>
-            <a:pPr marL="914400" marR="0" lvl="1" indent="-317500" algn="l" rtl="0">
-              <a:lnSpc>
-                <a:spcPct val="115000"/>
-              </a:lnSpc>
-              <a:spcBef>
-                <a:spcPts val="0"/>
-              </a:spcBef>
-              <a:spcAft>
-                <a:spcPts val="0"/>
-              </a:spcAft>
-              <a:buSzPts val="1400"/>
-              <a:buChar char="○"/>
-            </a:pPr>
-            <a:r>
-              <a:rPr lang="en-GB" dirty="0"/>
-              <a:t>Join -&gt; </a:t>
-            </a:r>
-            <a:r>
-              <a:rPr lang="en-GB" b="1" dirty="0"/>
-              <a:t>Embedding</a:t>
-            </a:r>
-            <a:r>
-              <a:rPr lang="en-GB" dirty="0"/>
-              <a:t>, </a:t>
-            </a:r>
-            <a:r>
-              <a:rPr lang="en-GB" b="1" dirty="0"/>
-              <a:t>Linking</a:t>
-            </a:r>
-            <a:r>
-              <a:rPr lang="en-GB" dirty="0"/>
-              <a:t>, etc. </a:t>
-            </a:r>
-            <a:endParaRPr dirty="0"/>
-          </a:p>
-          <a:p>
             <a:pPr marL="0" marR="0" lvl="0" indent="0" algn="l" rtl="0">
               <a:lnSpc>
                 <a:spcPct val="115000"/>
@@ -20420,62 +16632,32 @@
       </p:sp>
       <p:pic>
         <p:nvPicPr>
-          <p:cNvPr id="93" name="Google Shape;93;p15">
-            <a:hlinkClick r:id="rId3"/>
+          <p:cNvPr id="2" name="Immagine 1">
+            <a:extLst>
+              <a:ext uri="{FF2B5EF4-FFF2-40B4-BE49-F238E27FC236}">
+                <a16:creationId xmlns:a16="http://schemas.microsoft.com/office/drawing/2014/main" id="{C58F3FFF-9113-D911-166A-F74E3F4EBDAD}"/>
+              </a:ext>
+            </a:extLst>
           </p:cNvPr>
-          <p:cNvPicPr preferRelativeResize="0"/>
+          <p:cNvPicPr>
+            <a:picLocks noChangeAspect="1"/>
+          </p:cNvPicPr>
           <p:nvPr/>
         </p:nvPicPr>
         <p:blipFill>
-          <a:blip r:embed="rId4">
-            <a:alphaModFix/>
-          </a:blip>
+          <a:blip r:embed="rId3"/>
           <a:stretch>
             <a:fillRect/>
           </a:stretch>
         </p:blipFill>
         <p:spPr>
           <a:xfrm>
-            <a:off x="3165225" y="1666625"/>
-            <a:ext cx="296550" cy="256250"/>
+            <a:off x="1183340" y="4095788"/>
+            <a:ext cx="6649687" cy="2491010"/>
           </a:xfrm>
           <a:prstGeom prst="rect">
             <a:avLst/>
           </a:prstGeom>
-          <a:noFill/>
-          <a:ln>
-            <a:noFill/>
-          </a:ln>
-        </p:spPr>
-      </p:pic>
-      <p:pic>
-        <p:nvPicPr>
-          <p:cNvPr id="94" name="Google Shape;94;p15">
-            <a:hlinkClick r:id="rId5"/>
-          </p:cNvPr>
-          <p:cNvPicPr preferRelativeResize="0"/>
-          <p:nvPr/>
-        </p:nvPicPr>
-        <p:blipFill>
-          <a:blip r:embed="rId4">
-            <a:alphaModFix/>
-          </a:blip>
-          <a:stretch>
-            <a:fillRect/>
-          </a:stretch>
-        </p:blipFill>
-        <p:spPr>
-          <a:xfrm>
-            <a:off x="3682491" y="4095180"/>
-            <a:ext cx="296550" cy="256250"/>
-          </a:xfrm>
-          <a:prstGeom prst="rect">
-            <a:avLst/>
-          </a:prstGeom>
-          <a:noFill/>
-          <a:ln>
-            <a:noFill/>
-          </a:ln>
         </p:spPr>
       </p:pic>
     </p:spTree>
@@ -21098,96 +17280,6 @@
           </a:p>
         </p:txBody>
       </p:sp>
-      <p:pic>
-        <p:nvPicPr>
-          <p:cNvPr id="101" name="Google Shape;101;p16">
-            <a:hlinkClick r:id="rId5"/>
-          </p:cNvPr>
-          <p:cNvPicPr preferRelativeResize="0"/>
-          <p:nvPr/>
-        </p:nvPicPr>
-        <p:blipFill>
-          <a:blip r:embed="rId6">
-            <a:alphaModFix/>
-          </a:blip>
-          <a:stretch>
-            <a:fillRect/>
-          </a:stretch>
-        </p:blipFill>
-        <p:spPr>
-          <a:xfrm>
-            <a:off x="2638270" y="2032264"/>
-            <a:ext cx="296550" cy="256250"/>
-          </a:xfrm>
-          <a:prstGeom prst="rect">
-            <a:avLst/>
-          </a:prstGeom>
-          <a:noFill/>
-          <a:ln>
-            <a:noFill/>
-          </a:ln>
-        </p:spPr>
-      </p:pic>
-      <p:pic>
-        <p:nvPicPr>
-          <p:cNvPr id="102" name="Google Shape;102;p16">
-            <a:hlinkClick r:id="rId7"/>
-          </p:cNvPr>
-          <p:cNvPicPr preferRelativeResize="0"/>
-          <p:nvPr/>
-        </p:nvPicPr>
-        <p:blipFill>
-          <a:blip r:embed="rId6">
-            <a:alphaModFix/>
-          </a:blip>
-          <a:stretch>
-            <a:fillRect/>
-          </a:stretch>
-        </p:blipFill>
-        <p:spPr>
-          <a:xfrm>
-            <a:off x="5438638" y="3376450"/>
-            <a:ext cx="296550" cy="256250"/>
-          </a:xfrm>
-          <a:prstGeom prst="rect">
-            <a:avLst/>
-          </a:prstGeom>
-          <a:noFill/>
-          <a:ln>
-            <a:noFill/>
-          </a:ln>
-        </p:spPr>
-      </p:pic>
-      <p:pic>
-        <p:nvPicPr>
-          <p:cNvPr id="103" name="Google Shape;103;p16">
-            <a:hlinkClick r:id="rId8"/>
-          </p:cNvPr>
-          <p:cNvPicPr preferRelativeResize="0"/>
-          <p:nvPr/>
-        </p:nvPicPr>
-        <p:blipFill>
-          <a:blip r:embed="rId6">
-            <a:alphaModFix/>
-          </a:blip>
-          <a:stretch>
-            <a:fillRect/>
-          </a:stretch>
-        </p:blipFill>
-        <p:spPr>
-          <a:xfrm>
-            <a:off x="5207445" y="5772485"/>
-            <a:ext cx="296550" cy="256250"/>
-          </a:xfrm>
-          <a:prstGeom prst="rect">
-            <a:avLst/>
-          </a:prstGeom>
-          <a:noFill/>
-          <a:ln>
-            <a:noFill/>
-          </a:ln>
-        </p:spPr>
-      </p:pic>
     </p:spTree>
   </p:cSld>
   <p:clrMapOvr>
@@ -21822,36 +17914,6 @@
           </a:p>
         </p:txBody>
       </p:sp>
-      <p:pic>
-        <p:nvPicPr>
-          <p:cNvPr id="110" name="Google Shape;110;p17">
-            <a:hlinkClick r:id="rId3"/>
-          </p:cNvPr>
-          <p:cNvPicPr preferRelativeResize="0"/>
-          <p:nvPr/>
-        </p:nvPicPr>
-        <p:blipFill>
-          <a:blip r:embed="rId4">
-            <a:alphaModFix/>
-          </a:blip>
-          <a:stretch>
-            <a:fillRect/>
-          </a:stretch>
-        </p:blipFill>
-        <p:spPr>
-          <a:xfrm>
-            <a:off x="1980200" y="557675"/>
-            <a:ext cx="296550" cy="256250"/>
-          </a:xfrm>
-          <a:prstGeom prst="rect">
-            <a:avLst/>
-          </a:prstGeom>
-          <a:noFill/>
-          <a:ln>
-            <a:noFill/>
-          </a:ln>
-        </p:spPr>
-      </p:pic>
     </p:spTree>
   </p:cSld>
   <p:clrMapOvr>
@@ -22659,66 +18721,6 @@
           </a:p>
         </p:txBody>
       </p:sp>
-      <p:pic>
-        <p:nvPicPr>
-          <p:cNvPr id="117" name="Google Shape;117;p18">
-            <a:hlinkClick r:id="rId3"/>
-          </p:cNvPr>
-          <p:cNvPicPr preferRelativeResize="0"/>
-          <p:nvPr/>
-        </p:nvPicPr>
-        <p:blipFill>
-          <a:blip r:embed="rId4">
-            <a:alphaModFix/>
-          </a:blip>
-          <a:stretch>
-            <a:fillRect/>
-          </a:stretch>
-        </p:blipFill>
-        <p:spPr>
-          <a:xfrm>
-            <a:off x="3342100" y="547950"/>
-            <a:ext cx="296550" cy="256250"/>
-          </a:xfrm>
-          <a:prstGeom prst="rect">
-            <a:avLst/>
-          </a:prstGeom>
-          <a:noFill/>
-          <a:ln>
-            <a:noFill/>
-          </a:ln>
-        </p:spPr>
-      </p:pic>
-      <p:pic>
-        <p:nvPicPr>
-          <p:cNvPr id="118" name="Google Shape;118;p18">
-            <a:hlinkClick r:id="rId5"/>
-          </p:cNvPr>
-          <p:cNvPicPr preferRelativeResize="0"/>
-          <p:nvPr/>
-        </p:nvPicPr>
-        <p:blipFill>
-          <a:blip r:embed="rId4">
-            <a:alphaModFix/>
-          </a:blip>
-          <a:stretch>
-            <a:fillRect/>
-          </a:stretch>
-        </p:blipFill>
-        <p:spPr>
-          <a:xfrm>
-            <a:off x="7794100" y="4182850"/>
-            <a:ext cx="296550" cy="256250"/>
-          </a:xfrm>
-          <a:prstGeom prst="rect">
-            <a:avLst/>
-          </a:prstGeom>
-          <a:noFill/>
-          <a:ln>
-            <a:noFill/>
-          </a:ln>
-        </p:spPr>
-      </p:pic>
     </p:spTree>
   </p:cSld>
   <p:clrMapOvr>
@@ -23228,36 +19230,6 @@
           </a:p>
         </p:txBody>
       </p:sp>
-      <p:pic>
-        <p:nvPicPr>
-          <p:cNvPr id="125" name="Google Shape;125;p19">
-            <a:hlinkClick r:id="rId3"/>
-          </p:cNvPr>
-          <p:cNvPicPr preferRelativeResize="0"/>
-          <p:nvPr/>
-        </p:nvPicPr>
-        <p:blipFill>
-          <a:blip r:embed="rId4">
-            <a:alphaModFix/>
-          </a:blip>
-          <a:stretch>
-            <a:fillRect/>
-          </a:stretch>
-        </p:blipFill>
-        <p:spPr>
-          <a:xfrm>
-            <a:off x="7768150" y="3573250"/>
-            <a:ext cx="296550" cy="256250"/>
-          </a:xfrm>
-          <a:prstGeom prst="rect">
-            <a:avLst/>
-          </a:prstGeom>
-          <a:noFill/>
-          <a:ln>
-            <a:noFill/>
-          </a:ln>
-        </p:spPr>
-      </p:pic>
     </p:spTree>
   </p:cSld>
   <p:clrMapOvr>
@@ -23362,80 +19334,8 @@
             </a:pPr>
             <a:r>
               <a:rPr lang="en-GB" dirty="0"/>
-              <a:t>Simplest form takes two parameters</a:t>
-            </a:r>
-            <a:endParaRPr dirty="0"/>
-          </a:p>
-          <a:p>
-            <a:pPr marL="914400" lvl="1" indent="-317500" algn="l" rtl="0">
-              <a:spcBef>
-                <a:spcPts val="0"/>
-              </a:spcBef>
-              <a:spcAft>
-                <a:spcPts val="0"/>
-              </a:spcAft>
-              <a:buSzPts val="1400"/>
-              <a:buChar char="○"/>
-            </a:pPr>
-            <a:r>
-              <a:rPr lang="en-GB" dirty="0"/>
-              <a:t>the selector (where) and what updates to apply to fields</a:t>
-            </a:r>
-            <a:endParaRPr dirty="0"/>
-          </a:p>
-          <a:p>
-            <a:pPr marL="914400" lvl="1" indent="-317500" algn="l" rtl="0">
-              <a:spcBef>
-                <a:spcPts val="0"/>
-              </a:spcBef>
-              <a:spcAft>
-                <a:spcPts val="0"/>
-              </a:spcAft>
-              <a:buSzPts val="1400"/>
-              <a:buChar char="○"/>
-            </a:pPr>
-            <a:r>
-              <a:rPr lang="en-GB" dirty="0" err="1">
-                <a:latin typeface="Courier New"/>
-                <a:ea typeface="Courier New"/>
-                <a:cs typeface="Courier New"/>
-                <a:sym typeface="Courier New"/>
-              </a:rPr>
-              <a:t>db.devices.update</a:t>
-            </a:r>
-            <a:r>
-              <a:rPr lang="en-GB" dirty="0">
-                <a:latin typeface="Courier New"/>
-                <a:ea typeface="Courier New"/>
-                <a:cs typeface="Courier New"/>
-                <a:sym typeface="Courier New"/>
-              </a:rPr>
-              <a:t>({name: 'Device 1'}, {weight: 620, </a:t>
-            </a:r>
-            <a:r>
-              <a:rPr lang="en-GB" dirty="0" err="1">
-                <a:latin typeface="Courier New"/>
-                <a:ea typeface="Courier New"/>
-                <a:cs typeface="Courier New"/>
-                <a:sym typeface="Courier New"/>
-              </a:rPr>
-              <a:t>pippo</a:t>
-            </a:r>
-            <a:r>
-              <a:rPr lang="en-GB" dirty="0">
-                <a:latin typeface="Courier New"/>
-                <a:ea typeface="Courier New"/>
-                <a:cs typeface="Courier New"/>
-                <a:sym typeface="Courier New"/>
-              </a:rPr>
-              <a:t>: 56})</a:t>
-            </a:r>
-            <a:endParaRPr dirty="0">
-              <a:latin typeface="Courier New"/>
-              <a:ea typeface="Courier New"/>
-              <a:cs typeface="Courier New"/>
-              <a:sym typeface="Courier New"/>
-            </a:endParaRPr>
+              <a:t>The simplest form uses two parameters:</a:t>
+            </a:r>
           </a:p>
           <a:p>
             <a:pPr marL="914400" lvl="1" indent="-317500" algn="l" rtl="0">
@@ -23450,49 +19350,93 @@
               <a:buChar char="○"/>
             </a:pPr>
             <a:r>
-              <a:rPr lang="en-GB" dirty="0" err="1"/>
-              <a:t>Ooops</a:t>
-            </a:r>
-            <a:r>
-              <a:rPr lang="en-GB" dirty="0"/>
-              <a:t>, what happens?</a:t>
-            </a:r>
-            <a:endParaRPr dirty="0"/>
-          </a:p>
-          <a:p>
-            <a:pPr marL="1371600" lvl="2" indent="-317500" algn="l" rtl="0">
-              <a:spcBef>
-                <a:spcPts val="0"/>
-              </a:spcBef>
-              <a:spcAft>
-                <a:spcPts val="0"/>
-              </a:spcAft>
-              <a:buSzPts val="1400"/>
-              <a:buChar char="■"/>
-            </a:pPr>
-            <a:r>
-              <a:rPr lang="en-GB" dirty="0"/>
-              <a:t>update found a document (by selector) and </a:t>
-            </a:r>
-            <a:r>
-              <a:rPr lang="en-GB" b="1" dirty="0"/>
-              <a:t>replaced</a:t>
-            </a:r>
-            <a:r>
-              <a:rPr lang="en-GB" dirty="0"/>
-              <a:t> it with the new document (the second parameter)</a:t>
-            </a:r>
-          </a:p>
-          <a:p>
-            <a:pPr marL="1371600" lvl="2" indent="-317500" algn="l" rtl="0">
-              <a:spcBef>
-                <a:spcPts val="0"/>
-              </a:spcBef>
-              <a:spcAft>
-                <a:spcPts val="0"/>
-              </a:spcAft>
-              <a:buSzPts val="1400"/>
-              <a:buChar char="■"/>
+              <a:rPr lang="it-IT" dirty="0"/>
+              <a:t>a </a:t>
+            </a:r>
+            <a:r>
+              <a:rPr lang="it-IT" b="1" dirty="0"/>
+              <a:t>filter</a:t>
+            </a:r>
+            <a:r>
+              <a:rPr lang="it-IT" dirty="0"/>
+              <a:t> (to </a:t>
+            </a:r>
+            <a:r>
+              <a:rPr lang="it-IT" dirty="0" err="1"/>
+              <a:t>select</a:t>
+            </a:r>
+            <a:r>
+              <a:rPr lang="it-IT" dirty="0"/>
+              <a:t> </a:t>
+            </a:r>
+            <a:r>
+              <a:rPr lang="it-IT" dirty="0" err="1"/>
+              <a:t>documents</a:t>
+            </a:r>
+            <a:r>
+              <a:rPr lang="it-IT" dirty="0"/>
+              <a:t>) </a:t>
+            </a:r>
+          </a:p>
+          <a:p>
+            <a:pPr marL="914400" lvl="1" indent="-317500" algn="l" rtl="0">
+              <a:spcBef>
+                <a:spcPts val="0"/>
+              </a:spcBef>
+              <a:spcAft>
+                <a:spcPts val="0"/>
+              </a:spcAft>
+              <a:buSzPts val="1400"/>
+              <a:buFont typeface="Courier New"/>
+              <a:buChar char="○"/>
+            </a:pPr>
+            <a:r>
+              <a:rPr lang="it-IT" dirty="0"/>
+              <a:t>an </a:t>
+            </a:r>
+            <a:r>
+              <a:rPr lang="it-IT" b="1" dirty="0"/>
+              <a:t>update </a:t>
+            </a:r>
+            <a:r>
+              <a:rPr lang="it-IT" b="1" dirty="0" err="1"/>
+              <a:t>document</a:t>
+            </a:r>
+            <a:r>
+              <a:rPr lang="it-IT" b="1" dirty="0"/>
+              <a:t> </a:t>
+            </a:r>
+            <a:r>
+              <a:rPr lang="it-IT" dirty="0"/>
+              <a:t>(with </a:t>
+            </a:r>
+            <a:r>
+              <a:rPr lang="it-IT" b="1" dirty="0" err="1"/>
+              <a:t>atomic</a:t>
+            </a:r>
+            <a:r>
+              <a:rPr lang="it-IT" b="1" dirty="0"/>
+              <a:t> </a:t>
+            </a:r>
+            <a:r>
+              <a:rPr lang="it-IT" b="1" dirty="0" err="1"/>
+              <a:t>operators</a:t>
+            </a:r>
+            <a:r>
+              <a:rPr lang="it-IT" dirty="0"/>
+              <a:t>)</a:t>
+            </a:r>
+          </a:p>
+          <a:p>
+            <a:pPr marL="1054100" lvl="2" indent="0" algn="l" rtl="0">
+              <a:spcBef>
+                <a:spcPts val="0"/>
+              </a:spcBef>
+              <a:spcAft>
+                <a:spcPts val="0"/>
+              </a:spcAft>
+              <a:buSzPts val="1400"/>
+              <a:buNone/>
             </a:pPr>
             <a:endParaRPr sz="500" dirty="0"/>
           </a:p>
@@ -23508,23 +19452,17 @@
               <a:buChar char="●"/>
             </a:pPr>
             <a:r>
-              <a:rPr lang="en-GB" dirty="0"/>
-              <a:t>To change the value of just one ( or few) field, use </a:t>
-            </a:r>
-            <a:r>
-              <a:rPr lang="en-GB" dirty="0">
-                <a:latin typeface="Courier New"/>
-                <a:ea typeface="Courier New"/>
-                <a:cs typeface="Courier New"/>
-                <a:sym typeface="Courier New"/>
-              </a:rPr>
-              <a:t>$set</a:t>
-            </a:r>
-            <a:r>
-              <a:rPr lang="en-GB" dirty="0"/>
-              <a:t> operator</a:t>
-            </a:r>
-            <a:endParaRPr dirty="0"/>
+              <a:rPr lang="it-IT" dirty="0"/>
+              <a:t>To </a:t>
+            </a:r>
+            <a:r>
+              <a:rPr lang="it-IT" dirty="0" err="1"/>
+              <a:t>change</a:t>
+            </a:r>
+            <a:r>
+              <a:rPr lang="it-IT" dirty="0"/>
+              <a:t> a single field, use $set:</a:t>
+            </a:r>
           </a:p>
           <a:p>
             <a:pPr marL="914400" lvl="1" indent="-317500" algn="l" rtl="0">
@@ -23639,7 +19577,7 @@
                 <a:cs typeface="Courier New"/>
                 <a:sym typeface="Courier New"/>
               </a:rPr>
-              <a:t>db.devices.update</a:t>
+              <a:t>db.devices.updateOne</a:t>
             </a:r>
             <a:r>
               <a:rPr lang="en-GB" dirty="0">
@@ -23790,7 +19728,7 @@
                 <a:cs typeface="Courier New"/>
                 <a:sym typeface="Courier New"/>
               </a:rPr>
-              <a:t>db.devices.update</a:t>
+              <a:t>db.devices.updateOne</a:t>
             </a:r>
             <a:r>
               <a:rPr lang="en-GB" dirty="0">
@@ -23817,7 +19755,7 @@
                 <a:cs typeface="Courier New"/>
                 <a:sym typeface="Courier New"/>
               </a:rPr>
-              <a:t> 15'}, {$set: {hits:1}},{</a:t>
+              <a:t> 15'},{$set: {hits:1}},{</a:t>
             </a:r>
             <a:r>
               <a:rPr lang="en-GB" dirty="0" err="1">
@@ -23891,7 +19829,15 @@
             </a:pPr>
             <a:r>
               <a:rPr lang="en-GB" dirty="0"/>
-              <a:t>by default, update updates only the first matching document</a:t>
+              <a:t>use </a:t>
+            </a:r>
+            <a:r>
+              <a:rPr lang="en-GB" dirty="0" err="1"/>
+              <a:t>updateMany</a:t>
+            </a:r>
+            <a:r>
+              <a:rPr lang="en-GB" dirty="0"/>
+              <a:t>() to modify all matching documents.</a:t>
             </a:r>
             <a:endParaRPr dirty="0"/>
           </a:p>
@@ -23907,8 +19853,13 @@
               <a:buChar char="○"/>
             </a:pPr>
             <a:r>
-              <a:rPr lang="en-GB" dirty="0"/>
-              <a:t>pass the parameter </a:t>
+              <a:rPr lang="en-GB" dirty="0" err="1">
+                <a:latin typeface="Courier New"/>
+                <a:ea typeface="Courier New"/>
+                <a:cs typeface="Courier New"/>
+                <a:sym typeface="Courier New"/>
+              </a:rPr>
+              <a:t>db.devices.updateMany</a:t>
             </a:r>
             <a:r>
               <a:rPr lang="en-GB" dirty="0">
@@ -23917,91 +19868,12 @@
                 <a:cs typeface="Courier New"/>
                 <a:sym typeface="Courier New"/>
               </a:rPr>
-              <a:t>{multi: true}</a:t>
-            </a:r>
-            <a:endParaRPr dirty="0"/>
-          </a:p>
-          <a:p>
-            <a:pPr marL="914400" lvl="1" indent="-317500" algn="l" rtl="0">
-              <a:spcBef>
-                <a:spcPts val="0"/>
-              </a:spcBef>
-              <a:spcAft>
-                <a:spcPts val="0"/>
-              </a:spcAft>
-              <a:buSzPts val="1400"/>
-              <a:buChar char="○"/>
-            </a:pPr>
-            <a:r>
-              <a:rPr lang="en-GB" dirty="0" err="1">
-                <a:latin typeface="Courier New"/>
-                <a:ea typeface="Courier New"/>
-                <a:cs typeface="Courier New"/>
-                <a:sym typeface="Courier New"/>
-              </a:rPr>
-              <a:t>db.devices.update</a:t>
-            </a:r>
-            <a:r>
-              <a:rPr lang="en-GB" dirty="0">
-                <a:latin typeface="Courier New"/>
-                <a:ea typeface="Courier New"/>
-                <a:cs typeface="Courier New"/>
-                <a:sym typeface="Courier New"/>
-              </a:rPr>
-              <a:t>({}, {$set: {verified: true }}, {</a:t>
-            </a:r>
-            <a:r>
-              <a:rPr lang="en-GB" dirty="0" err="1">
-                <a:latin typeface="Courier New"/>
-                <a:ea typeface="Courier New"/>
-                <a:cs typeface="Courier New"/>
-                <a:sym typeface="Courier New"/>
-              </a:rPr>
-              <a:t>multi:true</a:t>
-            </a:r>
-            <a:r>
-              <a:rPr lang="en-GB" dirty="0">
-                <a:latin typeface="Courier New"/>
-                <a:ea typeface="Courier New"/>
-                <a:cs typeface="Courier New"/>
-                <a:sym typeface="Courier New"/>
-              </a:rPr>
-              <a:t>});</a:t>
+              <a:t>({}, {$set: {verified: true }});</a:t>
             </a:r>
             <a:endParaRPr dirty="0"/>
           </a:p>
         </p:txBody>
       </p:sp>
-      <p:pic>
-        <p:nvPicPr>
-          <p:cNvPr id="138" name="Google Shape;138;p21">
-            <a:hlinkClick r:id="rId3"/>
-          </p:cNvPr>
-          <p:cNvPicPr preferRelativeResize="0"/>
-          <p:nvPr/>
-        </p:nvPicPr>
-        <p:blipFill>
-          <a:blip r:embed="rId4">
-            <a:alphaModFix/>
-          </a:blip>
-          <a:stretch>
-            <a:fillRect/>
-          </a:stretch>
-        </p:blipFill>
-        <p:spPr>
-          <a:xfrm>
-            <a:off x="2145575" y="557675"/>
-            <a:ext cx="296550" cy="256250"/>
-          </a:xfrm>
-          <a:prstGeom prst="rect">
-            <a:avLst/>
-          </a:prstGeom>
-          <a:noFill/>
-          <a:ln>
-            <a:noFill/>
-          </a:ln>
-        </p:spPr>
-      </p:pic>
     </p:spTree>
   </p:cSld>
   <p:clrMapOvr>
@@ -24566,96 +20438,6 @@
           </a:p>
         </p:txBody>
       </p:sp>
-      <p:pic>
-        <p:nvPicPr>
-          <p:cNvPr id="145" name="Google Shape;145;p22">
-            <a:hlinkClick r:id="rId3"/>
-          </p:cNvPr>
-          <p:cNvPicPr preferRelativeResize="0"/>
-          <p:nvPr/>
-        </p:nvPicPr>
-        <p:blipFill>
-          <a:blip r:embed="rId4">
-            <a:alphaModFix/>
-          </a:blip>
-          <a:stretch>
-            <a:fillRect/>
-          </a:stretch>
-        </p:blipFill>
-        <p:spPr>
-          <a:xfrm>
-            <a:off x="2906573" y="1696126"/>
-            <a:ext cx="296550" cy="256250"/>
-          </a:xfrm>
-          <a:prstGeom prst="rect">
-            <a:avLst/>
-          </a:prstGeom>
-          <a:noFill/>
-          <a:ln>
-            <a:noFill/>
-          </a:ln>
-        </p:spPr>
-      </p:pic>
-      <p:pic>
-        <p:nvPicPr>
-          <p:cNvPr id="146" name="Google Shape;146;p22">
-            <a:hlinkClick r:id="rId5"/>
-          </p:cNvPr>
-          <p:cNvPicPr preferRelativeResize="0"/>
-          <p:nvPr/>
-        </p:nvPicPr>
-        <p:blipFill>
-          <a:blip r:embed="rId4">
-            <a:alphaModFix/>
-          </a:blip>
-          <a:stretch>
-            <a:fillRect/>
-          </a:stretch>
-        </p:blipFill>
-        <p:spPr>
-          <a:xfrm>
-            <a:off x="7732500" y="3063595"/>
-            <a:ext cx="296550" cy="256250"/>
-          </a:xfrm>
-          <a:prstGeom prst="rect">
-            <a:avLst/>
-          </a:prstGeom>
-          <a:noFill/>
-          <a:ln>
-            <a:noFill/>
-          </a:ln>
-        </p:spPr>
-      </p:pic>
-      <p:pic>
-        <p:nvPicPr>
-          <p:cNvPr id="147" name="Google Shape;147;p22">
-            <a:hlinkClick r:id="rId6"/>
-          </p:cNvPr>
-          <p:cNvPicPr preferRelativeResize="0"/>
-          <p:nvPr/>
-        </p:nvPicPr>
-        <p:blipFill>
-          <a:blip r:embed="rId4">
-            <a:alphaModFix/>
-          </a:blip>
-          <a:stretch>
-            <a:fillRect/>
-          </a:stretch>
-        </p:blipFill>
-        <p:spPr>
-          <a:xfrm>
-            <a:off x="7732500" y="5120493"/>
-            <a:ext cx="296550" cy="256250"/>
-          </a:xfrm>
-          <a:prstGeom prst="rect">
-            <a:avLst/>
-          </a:prstGeom>
-          <a:noFill/>
-          <a:ln>
-            <a:noFill/>
-          </a:ln>
-        </p:spPr>
-      </p:pic>
     </p:spTree>
   </p:cSld>
   <p:clrMapOvr>
@@ -25227,6 +21009,26 @@
 </file>
 
 <file path=customXml/item1.xml><?xml version="1.0" encoding="utf-8"?>
+<p:properties xmlns:p="http://schemas.microsoft.com/office/2006/metadata/properties" xmlns:xsi="http://www.w3.org/2001/XMLSchema-instance" xmlns:pc="http://schemas.microsoft.com/office/infopath/2007/PartnerControls">
+  <documentManagement>
+    <TaxCatchAll xmlns="e9b5433c-2372-4cb7-8bab-09518096b29b" xsi:nil="true"/>
+    <lcf76f155ced4ddcb4097134ff3c332f xmlns="3bd0d43f-5e5b-43cd-b6fc-691bd77672c6">
+      <Terms xmlns="http://schemas.microsoft.com/office/infopath/2007/PartnerControls"/>
+    </lcf76f155ced4ddcb4097134ff3c332f>
+  </documentManagement>
+</p:properties>
+</file>
+
+<file path=customXml/item2.xml><?xml version="1.0" encoding="utf-8"?>
+<?mso-contentType ?>
+<FormTemplates xmlns="http://schemas.microsoft.com/sharepoint/v3/contenttype/forms">
+  <Display>DocumentLibraryForm</Display>
+  <Edit>DocumentLibraryForm</Edit>
+  <New>DocumentLibraryForm</New>
+</FormTemplates>
+</file>
+
+<file path=customXml/item3.xml><?xml version="1.0" encoding="utf-8"?>
 <ct:contentTypeSchema xmlns:ct="http://schemas.microsoft.com/office/2006/metadata/contentType" xmlns:ma="http://schemas.microsoft.com/office/2006/metadata/properties/metaAttributes" ct:_="" ma:_="" ma:contentTypeName="Documento" ma:contentTypeID="0x010100B8FA822B18A0634FB7342CF29752587A" ma:contentTypeVersion="13" ma:contentTypeDescription="Creare un nuovo documento." ma:contentTypeScope="" ma:versionID="5c5a1a1f66437ceed8e2102d49525b77">
   <xsd:schema xmlns:xsd="http://www.w3.org/2001/XMLSchema" xmlns:xs="http://www.w3.org/2001/XMLSchema" xmlns:p="http://schemas.microsoft.com/office/2006/metadata/properties" xmlns:ns2="3bd0d43f-5e5b-43cd-b6fc-691bd77672c6" xmlns:ns3="e9b5433c-2372-4cb7-8bab-09518096b29b" targetNamespace="http://schemas.microsoft.com/office/2006/metadata/properties" ma:root="true" ma:fieldsID="79bbaae61552c66980d55f32a6cab4b6" ns2:_="" ns3:_="">
     <xsd:import namespace="3bd0d43f-5e5b-43cd-b6fc-691bd77672c6"/>
@@ -25433,34 +21235,46 @@
 </ct:contentTypeSchema>
 </file>
 
-<file path=customXml/item2.xml><?xml version="1.0" encoding="utf-8"?>
-<?mso-contentType ?>
-<FormTemplates xmlns="http://schemas.microsoft.com/sharepoint/v3/contenttype/forms">
-  <Display>DocumentLibraryForm</Display>
-  <Edit>DocumentLibraryForm</Edit>
-  <New>DocumentLibraryForm</New>
-</FormTemplates>
-</file>
-
-<file path=customXml/item3.xml><?xml version="1.0" encoding="utf-8"?>
-<p:properties xmlns:p="http://schemas.microsoft.com/office/2006/metadata/properties" xmlns:xsi="http://www.w3.org/2001/XMLSchema-instance" xmlns:pc="http://schemas.microsoft.com/office/infopath/2007/PartnerControls">
-  <documentManagement>
-    <TaxCatchAll xmlns="e9b5433c-2372-4cb7-8bab-09518096b29b" xsi:nil="true"/>
-    <lcf76f155ced4ddcb4097134ff3c332f xmlns="3bd0d43f-5e5b-43cd-b6fc-691bd77672c6">
-      <Terms xmlns="http://schemas.microsoft.com/office/infopath/2007/PartnerControls"/>
-    </lcf76f155ced4ddcb4097134ff3c332f>
-  </documentManagement>
-</p:properties>
-</file>
-
 <file path=customXml/itemProps1.xml><?xml version="1.0" encoding="utf-8"?>
-<ds:datastoreItem xmlns:ds="http://schemas.openxmlformats.org/officeDocument/2006/customXml" ds:itemID="{7BE1EE01-1F45-4B86-950A-89F2D6928414}"/>
+<ds:datastoreItem xmlns:ds="http://schemas.openxmlformats.org/officeDocument/2006/customXml" ds:itemID="{10716466-962F-46DA-9921-2BD92E633557}">
+  <ds:schemaRefs>
+    <ds:schemaRef ds:uri="http://purl.org/dc/terms/"/>
+    <ds:schemaRef ds:uri="3bd0d43f-5e5b-43cd-b6fc-691bd77672c6"/>
+    <ds:schemaRef ds:uri="http://purl.org/dc/elements/1.1/"/>
+    <ds:schemaRef ds:uri="http://schemas.microsoft.com/office/infopath/2007/PartnerControls"/>
+    <ds:schemaRef ds:uri="http://schemas.microsoft.com/office/2006/documentManagement/types"/>
+    <ds:schemaRef ds:uri="http://www.w3.org/XML/1998/namespace"/>
+    <ds:schemaRef ds:uri="http://schemas.microsoft.com/office/2006/metadata/properties"/>
+    <ds:schemaRef ds:uri="http://schemas.openxmlformats.org/package/2006/metadata/core-properties"/>
+    <ds:schemaRef ds:uri="e9b5433c-2372-4cb7-8bab-09518096b29b"/>
+    <ds:schemaRef ds:uri="http://purl.org/dc/dcmitype/"/>
+  </ds:schemaRefs>
+</ds:datastoreItem>
 </file>
 
 <file path=customXml/itemProps2.xml><?xml version="1.0" encoding="utf-8"?>
-<ds:datastoreItem xmlns:ds="http://schemas.openxmlformats.org/officeDocument/2006/customXml" ds:itemID="{9D701534-58DE-430C-8C7E-64F63CAC4C07}"/>
+<ds:datastoreItem xmlns:ds="http://schemas.openxmlformats.org/officeDocument/2006/customXml" ds:itemID="{9D701534-58DE-430C-8C7E-64F63CAC4C07}">
+  <ds:schemaRefs>
+    <ds:schemaRef ds:uri="http://schemas.microsoft.com/sharepoint/v3/contenttype/forms"/>
+  </ds:schemaRefs>
+</ds:datastoreItem>
 </file>
 
 <file path=customXml/itemProps3.xml><?xml version="1.0" encoding="utf-8"?>
-<ds:datastoreItem xmlns:ds="http://schemas.openxmlformats.org/officeDocument/2006/customXml" ds:itemID="{10716466-962F-46DA-9921-2BD92E633557}"/>
+<ds:datastoreItem xmlns:ds="http://schemas.openxmlformats.org/officeDocument/2006/customXml" ds:itemID="{7BE1EE01-1F45-4B86-950A-89F2D6928414}">
+  <ds:schemaRefs>
+    <ds:schemaRef ds:uri="http://schemas.microsoft.com/office/2006/metadata/contentType"/>
+    <ds:schemaRef ds:uri="http://schemas.microsoft.com/office/2006/metadata/properties/metaAttributes"/>
+    <ds:schemaRef ds:uri="http://www.w3.org/2001/XMLSchema"/>
+    <ds:schemaRef ds:uri="http://schemas.microsoft.com/office/2006/metadata/properties"/>
+    <ds:schemaRef ds:uri="3bd0d43f-5e5b-43cd-b6fc-691bd77672c6"/>
+    <ds:schemaRef ds:uri="e9b5433c-2372-4cb7-8bab-09518096b29b"/>
+    <ds:schemaRef ds:uri="http://schemas.microsoft.com/office/2006/documentManagement/types"/>
+    <ds:schemaRef ds:uri="http://schemas.microsoft.com/office/infopath/2007/PartnerControls"/>
+    <ds:schemaRef ds:uri="http://schemas.openxmlformats.org/package/2006/metadata/core-properties"/>
+    <ds:schemaRef ds:uri="http://purl.org/dc/elements/1.1/"/>
+    <ds:schemaRef ds:uri="http://purl.org/dc/terms/"/>
+    <ds:schemaRef ds:uri="http://schemas.microsoft.com/internal/obd"/>
+  </ds:schemaRefs>
+</ds:datastoreItem>
 </file>
--- a/09 - Persisting Data/slides.pptx
+++ b/09 - Persisting Data/slides.pptx
@@ -562,7 +562,7 @@
   <pc:docChgLst>
     <pc:chgData name="Riccardo Berta" userId="c8694f89-bba4-4576-b0a8-456619ca5a8c" providerId="ADAL" clId="{C2A3F98E-1757-7245-99EC-903D3FFCEC31}"/>
     <pc:docChg chg="undo custSel addSld delSld modSld sldOrd">
-      <pc:chgData name="Riccardo Berta" userId="c8694f89-bba4-4576-b0a8-456619ca5a8c" providerId="ADAL" clId="{C2A3F98E-1757-7245-99EC-903D3FFCEC31}" dt="2025-05-21T11:54:45.870" v="203" actId="1076"/>
+      <pc:chgData name="Riccardo Berta" userId="c8694f89-bba4-4576-b0a8-456619ca5a8c" providerId="ADAL" clId="{C2A3F98E-1757-7245-99EC-903D3FFCEC31}" dt="2025-05-30T12:56:02.846" v="204" actId="20577"/>
       <pc:docMkLst>
         <pc:docMk/>
       </pc:docMkLst>
@@ -619,12 +619,20 @@
           </ac:picMkLst>
         </pc:picChg>
       </pc:sldChg>
-      <pc:sldChg chg="delSp mod">
-        <pc:chgData name="Riccardo Berta" userId="c8694f89-bba4-4576-b0a8-456619ca5a8c" providerId="ADAL" clId="{C2A3F98E-1757-7245-99EC-903D3FFCEC31}" dt="2025-05-19T11:32:25.410" v="25" actId="478"/>
+      <pc:sldChg chg="delSp modSp mod">
+        <pc:chgData name="Riccardo Berta" userId="c8694f89-bba4-4576-b0a8-456619ca5a8c" providerId="ADAL" clId="{C2A3F98E-1757-7245-99EC-903D3FFCEC31}" dt="2025-05-30T12:56:02.846" v="204" actId="20577"/>
         <pc:sldMkLst>
           <pc:docMk/>
           <pc:sldMk cId="0" sldId="259"/>
         </pc:sldMkLst>
+        <pc:spChg chg="mod">
+          <ac:chgData name="Riccardo Berta" userId="c8694f89-bba4-4576-b0a8-456619ca5a8c" providerId="ADAL" clId="{C2A3F98E-1757-7245-99EC-903D3FFCEC31}" dt="2025-05-30T12:56:02.846" v="204" actId="20577"/>
+          <ac:spMkLst>
+            <pc:docMk/>
+            <pc:sldMk cId="0" sldId="259"/>
+            <ac:spMk id="100" creationId="{00000000-0000-0000-0000-000000000000}"/>
+          </ac:spMkLst>
+        </pc:spChg>
       </pc:sldChg>
       <pc:sldChg chg="delSp mod">
         <pc:chgData name="Riccardo Berta" userId="c8694f89-bba4-4576-b0a8-456619ca5a8c" providerId="ADAL" clId="{C2A3F98E-1757-7245-99EC-903D3FFCEC31}" dt="2025-05-19T11:32:28.136" v="26" actId="478"/>
@@ -726,14 +734,6 @@
             <ac:picMk id="2" creationId="{D9CEEF59-247A-BC19-20FA-9C5613DAD3AD}"/>
           </ac:picMkLst>
         </pc:picChg>
-        <pc:picChg chg="del">
-          <ac:chgData name="Riccardo Berta" userId="c8694f89-bba4-4576-b0a8-456619ca5a8c" providerId="ADAL" clId="{C2A3F98E-1757-7245-99EC-903D3FFCEC31}" dt="2025-05-21T11:48:46.172" v="192" actId="478"/>
-          <ac:picMkLst>
-            <pc:docMk/>
-            <pc:sldMk cId="0" sldId="271"/>
-            <ac:picMk id="190" creationId="{00000000-0000-0000-0000-000000000000}"/>
-          </ac:picMkLst>
-        </pc:picChg>
       </pc:sldChg>
       <pc:sldChg chg="delSp mod">
         <pc:chgData name="Riccardo Berta" userId="c8694f89-bba4-4576-b0a8-456619ca5a8c" providerId="ADAL" clId="{C2A3F98E-1757-7245-99EC-903D3FFCEC31}" dt="2025-05-19T11:33:09.975" v="41" actId="478"/>
@@ -763,110 +763,6 @@
           <pc:docMk/>
           <pc:sldMk cId="0" sldId="275"/>
         </pc:sldMkLst>
-        <pc:spChg chg="del">
-          <ac:chgData name="Riccardo Berta" userId="c8694f89-bba4-4576-b0a8-456619ca5a8c" providerId="ADAL" clId="{C2A3F98E-1757-7245-99EC-903D3FFCEC31}" dt="2025-05-21T11:52:55.144" v="198" actId="478"/>
-          <ac:spMkLst>
-            <pc:docMk/>
-            <pc:sldMk cId="0" sldId="275"/>
-            <ac:spMk id="221" creationId="{00000000-0000-0000-0000-000000000000}"/>
-          </ac:spMkLst>
-        </pc:spChg>
-        <pc:spChg chg="del">
-          <ac:chgData name="Riccardo Berta" userId="c8694f89-bba4-4576-b0a8-456619ca5a8c" providerId="ADAL" clId="{C2A3F98E-1757-7245-99EC-903D3FFCEC31}" dt="2025-05-21T11:52:55.144" v="198" actId="478"/>
-          <ac:spMkLst>
-            <pc:docMk/>
-            <pc:sldMk cId="0" sldId="275"/>
-            <ac:spMk id="226" creationId="{00000000-0000-0000-0000-000000000000}"/>
-          </ac:spMkLst>
-        </pc:spChg>
-        <pc:spChg chg="del">
-          <ac:chgData name="Riccardo Berta" userId="c8694f89-bba4-4576-b0a8-456619ca5a8c" providerId="ADAL" clId="{C2A3F98E-1757-7245-99EC-903D3FFCEC31}" dt="2025-05-21T11:52:55.144" v="198" actId="478"/>
-          <ac:spMkLst>
-            <pc:docMk/>
-            <pc:sldMk cId="0" sldId="275"/>
-            <ac:spMk id="227" creationId="{00000000-0000-0000-0000-000000000000}"/>
-          </ac:spMkLst>
-        </pc:spChg>
-        <pc:spChg chg="del">
-          <ac:chgData name="Riccardo Berta" userId="c8694f89-bba4-4576-b0a8-456619ca5a8c" providerId="ADAL" clId="{C2A3F98E-1757-7245-99EC-903D3FFCEC31}" dt="2025-05-21T11:52:55.144" v="198" actId="478"/>
-          <ac:spMkLst>
-            <pc:docMk/>
-            <pc:sldMk cId="0" sldId="275"/>
-            <ac:spMk id="229" creationId="{00000000-0000-0000-0000-000000000000}"/>
-          </ac:spMkLst>
-        </pc:spChg>
-        <pc:spChg chg="del">
-          <ac:chgData name="Riccardo Berta" userId="c8694f89-bba4-4576-b0a8-456619ca5a8c" providerId="ADAL" clId="{C2A3F98E-1757-7245-99EC-903D3FFCEC31}" dt="2025-05-21T11:52:55.144" v="198" actId="478"/>
-          <ac:spMkLst>
-            <pc:docMk/>
-            <pc:sldMk cId="0" sldId="275"/>
-            <ac:spMk id="231" creationId="{00000000-0000-0000-0000-000000000000}"/>
-          </ac:spMkLst>
-        </pc:spChg>
-        <pc:spChg chg="del">
-          <ac:chgData name="Riccardo Berta" userId="c8694f89-bba4-4576-b0a8-456619ca5a8c" providerId="ADAL" clId="{C2A3F98E-1757-7245-99EC-903D3FFCEC31}" dt="2025-05-21T11:52:55.144" v="198" actId="478"/>
-          <ac:spMkLst>
-            <pc:docMk/>
-            <pc:sldMk cId="0" sldId="275"/>
-            <ac:spMk id="234" creationId="{00000000-0000-0000-0000-000000000000}"/>
-          </ac:spMkLst>
-        </pc:spChg>
-        <pc:spChg chg="del">
-          <ac:chgData name="Riccardo Berta" userId="c8694f89-bba4-4576-b0a8-456619ca5a8c" providerId="ADAL" clId="{C2A3F98E-1757-7245-99EC-903D3FFCEC31}" dt="2025-05-21T11:52:58.998" v="199" actId="478"/>
-          <ac:spMkLst>
-            <pc:docMk/>
-            <pc:sldMk cId="0" sldId="275"/>
-            <ac:spMk id="243" creationId="{00000000-0000-0000-0000-000000000000}"/>
-          </ac:spMkLst>
-        </pc:spChg>
-        <pc:spChg chg="del">
-          <ac:chgData name="Riccardo Berta" userId="c8694f89-bba4-4576-b0a8-456619ca5a8c" providerId="ADAL" clId="{C2A3F98E-1757-7245-99EC-903D3FFCEC31}" dt="2025-05-21T11:52:55.144" v="198" actId="478"/>
-          <ac:spMkLst>
-            <pc:docMk/>
-            <pc:sldMk cId="0" sldId="275"/>
-            <ac:spMk id="244" creationId="{00000000-0000-0000-0000-000000000000}"/>
-          </ac:spMkLst>
-        </pc:spChg>
-        <pc:spChg chg="del">
-          <ac:chgData name="Riccardo Berta" userId="c8694f89-bba4-4576-b0a8-456619ca5a8c" providerId="ADAL" clId="{C2A3F98E-1757-7245-99EC-903D3FFCEC31}" dt="2025-05-21T11:52:55.144" v="198" actId="478"/>
-          <ac:spMkLst>
-            <pc:docMk/>
-            <pc:sldMk cId="0" sldId="275"/>
-            <ac:spMk id="258" creationId="{00000000-0000-0000-0000-000000000000}"/>
-          </ac:spMkLst>
-        </pc:spChg>
-        <pc:spChg chg="del">
-          <ac:chgData name="Riccardo Berta" userId="c8694f89-bba4-4576-b0a8-456619ca5a8c" providerId="ADAL" clId="{C2A3F98E-1757-7245-99EC-903D3FFCEC31}" dt="2025-05-21T11:52:55.144" v="198" actId="478"/>
-          <ac:spMkLst>
-            <pc:docMk/>
-            <pc:sldMk cId="0" sldId="275"/>
-            <ac:spMk id="259" creationId="{00000000-0000-0000-0000-000000000000}"/>
-          </ac:spMkLst>
-        </pc:spChg>
-        <pc:spChg chg="del">
-          <ac:chgData name="Riccardo Berta" userId="c8694f89-bba4-4576-b0a8-456619ca5a8c" providerId="ADAL" clId="{C2A3F98E-1757-7245-99EC-903D3FFCEC31}" dt="2025-05-21T11:52:55.144" v="198" actId="478"/>
-          <ac:spMkLst>
-            <pc:docMk/>
-            <pc:sldMk cId="0" sldId="275"/>
-            <ac:spMk id="262" creationId="{00000000-0000-0000-0000-000000000000}"/>
-          </ac:spMkLst>
-        </pc:spChg>
-        <pc:spChg chg="del">
-          <ac:chgData name="Riccardo Berta" userId="c8694f89-bba4-4576-b0a8-456619ca5a8c" providerId="ADAL" clId="{C2A3F98E-1757-7245-99EC-903D3FFCEC31}" dt="2025-05-21T11:52:58.998" v="199" actId="478"/>
-          <ac:spMkLst>
-            <pc:docMk/>
-            <pc:sldMk cId="0" sldId="275"/>
-            <ac:spMk id="275" creationId="{00000000-0000-0000-0000-000000000000}"/>
-          </ac:spMkLst>
-        </pc:spChg>
-        <pc:spChg chg="del">
-          <ac:chgData name="Riccardo Berta" userId="c8694f89-bba4-4576-b0a8-456619ca5a8c" providerId="ADAL" clId="{C2A3F98E-1757-7245-99EC-903D3FFCEC31}" dt="2025-05-21T11:52:58.998" v="199" actId="478"/>
-          <ac:spMkLst>
-            <pc:docMk/>
-            <pc:sldMk cId="0" sldId="275"/>
-            <ac:spMk id="278" creationId="{00000000-0000-0000-0000-000000000000}"/>
-          </ac:spMkLst>
-        </pc:spChg>
         <pc:picChg chg="add mod">
           <ac:chgData name="Riccardo Berta" userId="c8694f89-bba4-4576-b0a8-456619ca5a8c" providerId="ADAL" clId="{C2A3F98E-1757-7245-99EC-903D3FFCEC31}" dt="2025-05-21T11:54:45.870" v="203" actId="1076"/>
           <ac:picMkLst>
@@ -875,14 +771,6 @@
             <ac:picMk id="2" creationId="{24269095-D570-C41B-138B-EB727F93722A}"/>
           </ac:picMkLst>
         </pc:picChg>
-        <pc:cxnChg chg="del mod">
-          <ac:chgData name="Riccardo Berta" userId="c8694f89-bba4-4576-b0a8-456619ca5a8c" providerId="ADAL" clId="{C2A3F98E-1757-7245-99EC-903D3FFCEC31}" dt="2025-05-21T11:52:58.998" v="199" actId="478"/>
-          <ac:cxnSpMkLst>
-            <pc:docMk/>
-            <pc:sldMk cId="0" sldId="275"/>
-            <ac:cxnSpMk id="279" creationId="{00000000-0000-0000-0000-000000000000}"/>
-          </ac:cxnSpMkLst>
-        </pc:cxnChg>
       </pc:sldChg>
       <pc:sldChg chg="del">
         <pc:chgData name="Riccardo Berta" userId="c8694f89-bba4-4576-b0a8-456619ca5a8c" providerId="ADAL" clId="{C2A3F98E-1757-7245-99EC-903D3FFCEC31}" dt="2025-05-20T14:52:45.752" v="187" actId="2696"/>
@@ -17105,22 +16993,13 @@
               <a:t>or </a:t>
             </a:r>
             <a:r>
-              <a:rPr lang="en-GB" dirty="0" err="1">
-                <a:latin typeface="Courier New"/>
-                <a:ea typeface="Courier New"/>
-                <a:cs typeface="Courier New"/>
-                <a:sym typeface="Courier New"/>
-              </a:rPr>
-              <a:t>db.stats</a:t>
-            </a:r>
-            <a:r>
-              <a:rPr lang="en-GB" dirty="0">
-                <a:latin typeface="Courier New"/>
-                <a:ea typeface="Courier New"/>
-                <a:cs typeface="Courier New"/>
-                <a:sym typeface="Courier New"/>
-              </a:rPr>
-              <a:t>()</a:t>
+              <a:rPr lang="it-IT">
+                <a:latin typeface="Courier New"/>
+                <a:ea typeface="Courier New"/>
+                <a:cs typeface="Courier New"/>
+                <a:sym typeface="Courier New"/>
+              </a:rPr>
+              <a:t>	</a:t>
             </a:r>
             <a:endParaRPr dirty="0">
               <a:latin typeface="Courier New"/>
@@ -21009,6 +20888,15 @@
 </file>
 
 <file path=customXml/item1.xml><?xml version="1.0" encoding="utf-8"?>
+<?mso-contentType ?>
+<FormTemplates xmlns="http://schemas.microsoft.com/sharepoint/v3/contenttype/forms">
+  <Display>DocumentLibraryForm</Display>
+  <Edit>DocumentLibraryForm</Edit>
+  <New>DocumentLibraryForm</New>
+</FormTemplates>
+</file>
+
+<file path=customXml/item2.xml><?xml version="1.0" encoding="utf-8"?>
 <p:properties xmlns:p="http://schemas.microsoft.com/office/2006/metadata/properties" xmlns:xsi="http://www.w3.org/2001/XMLSchema-instance" xmlns:pc="http://schemas.microsoft.com/office/infopath/2007/PartnerControls">
   <documentManagement>
     <TaxCatchAll xmlns="e9b5433c-2372-4cb7-8bab-09518096b29b" xsi:nil="true"/>
@@ -21017,15 +20905,6 @@
     </lcf76f155ced4ddcb4097134ff3c332f>
   </documentManagement>
 </p:properties>
-</file>
-
-<file path=customXml/item2.xml><?xml version="1.0" encoding="utf-8"?>
-<?mso-contentType ?>
-<FormTemplates xmlns="http://schemas.microsoft.com/sharepoint/v3/contenttype/forms">
-  <Display>DocumentLibraryForm</Display>
-  <Edit>DocumentLibraryForm</Edit>
-  <New>DocumentLibraryForm</New>
-</FormTemplates>
 </file>
 
 <file path=customXml/item3.xml><?xml version="1.0" encoding="utf-8"?>
@@ -21236,26 +21115,26 @@
 </file>
 
 <file path=customXml/itemProps1.xml><?xml version="1.0" encoding="utf-8"?>
-<ds:datastoreItem xmlns:ds="http://schemas.openxmlformats.org/officeDocument/2006/customXml" ds:itemID="{10716466-962F-46DA-9921-2BD92E633557}">
+<ds:datastoreItem xmlns:ds="http://schemas.openxmlformats.org/officeDocument/2006/customXml" ds:itemID="{9D701534-58DE-430C-8C7E-64F63CAC4C07}">
   <ds:schemaRefs>
-    <ds:schemaRef ds:uri="http://purl.org/dc/terms/"/>
-    <ds:schemaRef ds:uri="3bd0d43f-5e5b-43cd-b6fc-691bd77672c6"/>
-    <ds:schemaRef ds:uri="http://purl.org/dc/elements/1.1/"/>
-    <ds:schemaRef ds:uri="http://schemas.microsoft.com/office/infopath/2007/PartnerControls"/>
-    <ds:schemaRef ds:uri="http://schemas.microsoft.com/office/2006/documentManagement/types"/>
-    <ds:schemaRef ds:uri="http://www.w3.org/XML/1998/namespace"/>
-    <ds:schemaRef ds:uri="http://schemas.microsoft.com/office/2006/metadata/properties"/>
-    <ds:schemaRef ds:uri="http://schemas.openxmlformats.org/package/2006/metadata/core-properties"/>
-    <ds:schemaRef ds:uri="e9b5433c-2372-4cb7-8bab-09518096b29b"/>
-    <ds:schemaRef ds:uri="http://purl.org/dc/dcmitype/"/>
+    <ds:schemaRef ds:uri="http://schemas.microsoft.com/sharepoint/v3/contenttype/forms"/>
   </ds:schemaRefs>
 </ds:datastoreItem>
 </file>
 
 <file path=customXml/itemProps2.xml><?xml version="1.0" encoding="utf-8"?>
-<ds:datastoreItem xmlns:ds="http://schemas.openxmlformats.org/officeDocument/2006/customXml" ds:itemID="{9D701534-58DE-430C-8C7E-64F63CAC4C07}">
+<ds:datastoreItem xmlns:ds="http://schemas.openxmlformats.org/officeDocument/2006/customXml" ds:itemID="{10716466-962F-46DA-9921-2BD92E633557}">
   <ds:schemaRefs>
-    <ds:schemaRef ds:uri="http://schemas.microsoft.com/sharepoint/v3/contenttype/forms"/>
+    <ds:schemaRef ds:uri="http://purl.org/dc/terms/"/>
+    <ds:schemaRef ds:uri="http://purl.org/dc/elements/1.1/"/>
+    <ds:schemaRef ds:uri="http://www.w3.org/XML/1998/namespace"/>
+    <ds:schemaRef ds:uri="http://purl.org/dc/dcmitype/"/>
+    <ds:schemaRef ds:uri="http://schemas.microsoft.com/office/2006/documentManagement/types"/>
+    <ds:schemaRef ds:uri="http://schemas.microsoft.com/office/infopath/2007/PartnerControls"/>
+    <ds:schemaRef ds:uri="3bd0d43f-5e5b-43cd-b6fc-691bd77672c6"/>
+    <ds:schemaRef ds:uri="http://schemas.openxmlformats.org/package/2006/metadata/core-properties"/>
+    <ds:schemaRef ds:uri="e9b5433c-2372-4cb7-8bab-09518096b29b"/>
+    <ds:schemaRef ds:uri="http://schemas.microsoft.com/office/2006/metadata/properties"/>
   </ds:schemaRefs>
 </ds:datastoreItem>
 </file>
